--- a/PresentacionSensoresAgua.pptx
+++ b/PresentacionSensoresAgua.pptx
@@ -2,18 +2,19 @@
 <file path=ppt/presentation.xml><?xml version="1.0" encoding="utf-8"?>
 <p:presentation xmlns:a="http://schemas.openxmlformats.org/drawingml/2006/main" xmlns:r="http://schemas.openxmlformats.org/officeDocument/2006/relationships" xmlns:p="http://schemas.openxmlformats.org/presentationml/2006/main" saveSubsetFonts="1">
   <p:sldMasterIdLst>
-    <p:sldMasterId id="2147483648" r:id="rId1"/>
+    <p:sldMasterId id="2147483660" r:id="rId1"/>
   </p:sldMasterIdLst>
   <p:sldIdLst>
     <p:sldId id="256" r:id="rId2"/>
+    <p:sldId id="257" r:id="rId3"/>
   </p:sldIdLst>
   <p:sldSz cx="12192000" cy="6858000"/>
   <p:notesSz cx="6858000" cy="9144000"/>
   <p:defaultTextStyle>
     <a:defPPr>
-      <a:defRPr lang="es-MX"/>
+      <a:defRPr lang="en-US"/>
     </a:defPPr>
-    <a:lvl1pPr marL="0" algn="l" defTabSz="914400" rtl="0" eaLnBrk="1" latinLnBrk="0" hangingPunct="1">
+    <a:lvl1pPr marL="0" algn="l" defTabSz="457200" rtl="0" eaLnBrk="1" latinLnBrk="0" hangingPunct="1">
       <a:defRPr sz="1800" kern="1200">
         <a:solidFill>
           <a:schemeClr val="tx1"/>
@@ -23,7 +24,7 @@
         <a:cs typeface="+mn-cs"/>
       </a:defRPr>
     </a:lvl1pPr>
-    <a:lvl2pPr marL="457200" algn="l" defTabSz="914400" rtl="0" eaLnBrk="1" latinLnBrk="0" hangingPunct="1">
+    <a:lvl2pPr marL="457200" algn="l" defTabSz="457200" rtl="0" eaLnBrk="1" latinLnBrk="0" hangingPunct="1">
       <a:defRPr sz="1800" kern="1200">
         <a:solidFill>
           <a:schemeClr val="tx1"/>
@@ -33,7 +34,7 @@
         <a:cs typeface="+mn-cs"/>
       </a:defRPr>
     </a:lvl2pPr>
-    <a:lvl3pPr marL="914400" algn="l" defTabSz="914400" rtl="0" eaLnBrk="1" latinLnBrk="0" hangingPunct="1">
+    <a:lvl3pPr marL="914400" algn="l" defTabSz="457200" rtl="0" eaLnBrk="1" latinLnBrk="0" hangingPunct="1">
       <a:defRPr sz="1800" kern="1200">
         <a:solidFill>
           <a:schemeClr val="tx1"/>
@@ -43,7 +44,7 @@
         <a:cs typeface="+mn-cs"/>
       </a:defRPr>
     </a:lvl3pPr>
-    <a:lvl4pPr marL="1371600" algn="l" defTabSz="914400" rtl="0" eaLnBrk="1" latinLnBrk="0" hangingPunct="1">
+    <a:lvl4pPr marL="1371600" algn="l" defTabSz="457200" rtl="0" eaLnBrk="1" latinLnBrk="0" hangingPunct="1">
       <a:defRPr sz="1800" kern="1200">
         <a:solidFill>
           <a:schemeClr val="tx1"/>
@@ -53,7 +54,7 @@
         <a:cs typeface="+mn-cs"/>
       </a:defRPr>
     </a:lvl4pPr>
-    <a:lvl5pPr marL="1828800" algn="l" defTabSz="914400" rtl="0" eaLnBrk="1" latinLnBrk="0" hangingPunct="1">
+    <a:lvl5pPr marL="1828800" algn="l" defTabSz="457200" rtl="0" eaLnBrk="1" latinLnBrk="0" hangingPunct="1">
       <a:defRPr sz="1800" kern="1200">
         <a:solidFill>
           <a:schemeClr val="tx1"/>
@@ -63,7 +64,7 @@
         <a:cs typeface="+mn-cs"/>
       </a:defRPr>
     </a:lvl5pPr>
-    <a:lvl6pPr marL="2286000" algn="l" defTabSz="914400" rtl="0" eaLnBrk="1" latinLnBrk="0" hangingPunct="1">
+    <a:lvl6pPr marL="2286000" algn="l" defTabSz="457200" rtl="0" eaLnBrk="1" latinLnBrk="0" hangingPunct="1">
       <a:defRPr sz="1800" kern="1200">
         <a:solidFill>
           <a:schemeClr val="tx1"/>
@@ -73,7 +74,7 @@
         <a:cs typeface="+mn-cs"/>
       </a:defRPr>
     </a:lvl6pPr>
-    <a:lvl7pPr marL="2743200" algn="l" defTabSz="914400" rtl="0" eaLnBrk="1" latinLnBrk="0" hangingPunct="1">
+    <a:lvl7pPr marL="2743200" algn="l" defTabSz="457200" rtl="0" eaLnBrk="1" latinLnBrk="0" hangingPunct="1">
       <a:defRPr sz="1800" kern="1200">
         <a:solidFill>
           <a:schemeClr val="tx1"/>
@@ -83,7 +84,7 @@
         <a:cs typeface="+mn-cs"/>
       </a:defRPr>
     </a:lvl7pPr>
-    <a:lvl8pPr marL="3200400" algn="l" defTabSz="914400" rtl="0" eaLnBrk="1" latinLnBrk="0" hangingPunct="1">
+    <a:lvl8pPr marL="3200400" algn="l" defTabSz="457200" rtl="0" eaLnBrk="1" latinLnBrk="0" hangingPunct="1">
       <a:defRPr sz="1800" kern="1200">
         <a:solidFill>
           <a:schemeClr val="tx1"/>
@@ -93,7 +94,7 @@
         <a:cs typeface="+mn-cs"/>
       </a:defRPr>
     </a:lvl8pPr>
-    <a:lvl9pPr marL="3657600" algn="l" defTabSz="914400" rtl="0" eaLnBrk="1" latinLnBrk="0" hangingPunct="1">
+    <a:lvl9pPr marL="3657600" algn="l" defTabSz="457200" rtl="0" eaLnBrk="1" latinLnBrk="0" hangingPunct="1">
       <a:defRPr sz="1800" kern="1200">
         <a:solidFill>
           <a:schemeClr val="tx1"/>
@@ -104,6 +105,11 @@
       </a:defRPr>
     </a:lvl9pPr>
   </p:defaultTextStyle>
+  <p:extLst>
+    <p:ext uri="{EFAFB233-063F-42B5-8137-9DF3F51BA10A}">
+      <p15:sldGuideLst xmlns:p15="http://schemas.microsoft.com/office/powerpoint/2012/main"/>
+    </p:ext>
+  </p:extLst>
 </p:presentation>
 </file>
 
@@ -126,7 +132,111 @@
       </p:grpSpPr>
       <p:sp>
         <p:nvSpPr>
-          <p:cNvPr id="2" name="Título 1"/>
+          <p:cNvPr id="11" name="Freeform 6"/>
+          <p:cNvSpPr/>
+          <p:nvPr/>
+        </p:nvSpPr>
+        <p:spPr bwMode="auto">
+          <a:xfrm>
+            <a:off x="0" y="-3175"/>
+            <a:ext cx="12192000" cy="5203825"/>
+          </a:xfrm>
+          <a:custGeom>
+            <a:avLst/>
+            <a:gdLst/>
+            <a:ahLst/>
+            <a:cxnLst/>
+            <a:rect l="0" t="0" r="r" b="b"/>
+            <a:pathLst>
+              <a:path w="5760" h="3278">
+                <a:moveTo>
+                  <a:pt x="5760" y="0"/>
+                </a:moveTo>
+                <a:lnTo>
+                  <a:pt x="0" y="0"/>
+                </a:lnTo>
+                <a:lnTo>
+                  <a:pt x="0" y="3090"/>
+                </a:lnTo>
+                <a:lnTo>
+                  <a:pt x="943" y="3090"/>
+                </a:lnTo>
+                <a:lnTo>
+                  <a:pt x="1123" y="3270"/>
+                </a:lnTo>
+                <a:lnTo>
+                  <a:pt x="1123" y="3270"/>
+                </a:lnTo>
+                <a:lnTo>
+                  <a:pt x="1127" y="3272"/>
+                </a:lnTo>
+                <a:lnTo>
+                  <a:pt x="1133" y="3275"/>
+                </a:lnTo>
+                <a:lnTo>
+                  <a:pt x="1139" y="3278"/>
+                </a:lnTo>
+                <a:lnTo>
+                  <a:pt x="1144" y="3278"/>
+                </a:lnTo>
+                <a:lnTo>
+                  <a:pt x="1150" y="3278"/>
+                </a:lnTo>
+                <a:lnTo>
+                  <a:pt x="1155" y="3275"/>
+                </a:lnTo>
+                <a:lnTo>
+                  <a:pt x="1161" y="3272"/>
+                </a:lnTo>
+                <a:lnTo>
+                  <a:pt x="1165" y="3270"/>
+                </a:lnTo>
+                <a:lnTo>
+                  <a:pt x="1345" y="3090"/>
+                </a:lnTo>
+                <a:lnTo>
+                  <a:pt x="5760" y="3090"/>
+                </a:lnTo>
+                <a:lnTo>
+                  <a:pt x="5760" y="0"/>
+                </a:lnTo>
+                <a:close/>
+              </a:path>
+            </a:pathLst>
+          </a:custGeom>
+          <a:ln/>
+          <a:effectLst/>
+          <a:extLst>
+            <a:ext uri="{91240B29-F687-4f45-9708-019B960494DF}">
+              <a14:hiddenLine xmlns:a14="http://schemas.microsoft.com/office/drawing/2010/main" xmlns="" w="9525">
+                <a:solidFill>
+                  <a:srgbClr val="000000"/>
+                </a:solidFill>
+                <a:round/>
+                <a:headEnd/>
+                <a:tailEnd/>
+              </a14:hiddenLine>
+            </a:ext>
+          </a:extLst>
+        </p:spPr>
+        <p:style>
+          <a:lnRef idx="1">
+            <a:schemeClr val="accent1"/>
+          </a:lnRef>
+          <a:fillRef idx="3">
+            <a:schemeClr val="accent1"/>
+          </a:fillRef>
+          <a:effectRef idx="2">
+            <a:schemeClr val="accent1"/>
+          </a:effectRef>
+          <a:fontRef idx="minor">
+            <a:schemeClr val="lt1"/>
+          </a:fontRef>
+        </p:style>
+      </p:sp>
+      <p:sp>
+        <p:nvSpPr>
+          <p:cNvPr id="2" name="Title 1"/>
           <p:cNvSpPr>
             <a:spLocks noGrp="1"/>
           </p:cNvSpPr>
@@ -136,29 +246,29 @@
         </p:nvSpPr>
         <p:spPr>
           <a:xfrm>
-            <a:off x="1524000" y="1122363"/>
-            <a:ext cx="9144000" cy="2387600"/>
+            <a:off x="810001" y="1449147"/>
+            <a:ext cx="10572000" cy="2971051"/>
           </a:xfrm>
         </p:spPr>
         <p:txBody>
-          <a:bodyPr anchor="b"/>
+          <a:bodyPr/>
           <a:lstStyle>
-            <a:lvl1pPr algn="ctr">
-              <a:defRPr sz="6000"/>
+            <a:lvl1pPr>
+              <a:defRPr sz="5400"/>
             </a:lvl1pPr>
           </a:lstStyle>
           <a:p>
             <a:r>
-              <a:rPr lang="es-ES" smtClean="0"/>
+              <a:rPr lang="es-ES"/>
               <a:t>Haga clic para modificar el estilo de título del patrón</a:t>
             </a:r>
-            <a:endParaRPr lang="es-MX"/>
-          </a:p>
-        </p:txBody>
-      </p:sp>
-      <p:sp>
-        <p:nvSpPr>
-          <p:cNvPr id="3" name="Subtítulo 2"/>
+            <a:endParaRPr lang="en-US" dirty="0"/>
+          </a:p>
+        </p:txBody>
+      </p:sp>
+      <p:sp>
+        <p:nvSpPr>
+          <p:cNvPr id="3" name="Subtitle 2"/>
           <p:cNvSpPr>
             <a:spLocks noGrp="1"/>
           </p:cNvSpPr>
@@ -168,62 +278,114 @@
         </p:nvSpPr>
         <p:spPr>
           <a:xfrm>
-            <a:off x="1524000" y="3602038"/>
-            <a:ext cx="9144000" cy="1655762"/>
+            <a:off x="810001" y="5280847"/>
+            <a:ext cx="10572000" cy="434974"/>
           </a:xfrm>
         </p:spPr>
         <p:txBody>
-          <a:bodyPr/>
+          <a:bodyPr anchor="t"/>
           <a:lstStyle>
-            <a:lvl1pPr marL="0" indent="0" algn="ctr">
-              <a:buNone/>
-              <a:defRPr sz="2400"/>
+            <a:lvl1pPr marL="0" indent="0" algn="l">
+              <a:buNone/>
+              <a:defRPr>
+                <a:solidFill>
+                  <a:schemeClr val="tx1"/>
+                </a:solidFill>
+              </a:defRPr>
             </a:lvl1pPr>
             <a:lvl2pPr marL="457200" indent="0" algn="ctr">
               <a:buNone/>
-              <a:defRPr sz="2000"/>
+              <a:defRPr>
+                <a:solidFill>
+                  <a:schemeClr val="tx1">
+                    <a:tint val="75000"/>
+                  </a:schemeClr>
+                </a:solidFill>
+              </a:defRPr>
             </a:lvl2pPr>
             <a:lvl3pPr marL="914400" indent="0" algn="ctr">
               <a:buNone/>
-              <a:defRPr sz="1800"/>
+              <a:defRPr>
+                <a:solidFill>
+                  <a:schemeClr val="tx1">
+                    <a:tint val="75000"/>
+                  </a:schemeClr>
+                </a:solidFill>
+              </a:defRPr>
             </a:lvl3pPr>
             <a:lvl4pPr marL="1371600" indent="0" algn="ctr">
               <a:buNone/>
-              <a:defRPr sz="1600"/>
+              <a:defRPr>
+                <a:solidFill>
+                  <a:schemeClr val="tx1">
+                    <a:tint val="75000"/>
+                  </a:schemeClr>
+                </a:solidFill>
+              </a:defRPr>
             </a:lvl4pPr>
             <a:lvl5pPr marL="1828800" indent="0" algn="ctr">
               <a:buNone/>
-              <a:defRPr sz="1600"/>
+              <a:defRPr>
+                <a:solidFill>
+                  <a:schemeClr val="tx1">
+                    <a:tint val="75000"/>
+                  </a:schemeClr>
+                </a:solidFill>
+              </a:defRPr>
             </a:lvl5pPr>
             <a:lvl6pPr marL="2286000" indent="0" algn="ctr">
               <a:buNone/>
-              <a:defRPr sz="1600"/>
+              <a:defRPr>
+                <a:solidFill>
+                  <a:schemeClr val="tx1">
+                    <a:tint val="75000"/>
+                  </a:schemeClr>
+                </a:solidFill>
+              </a:defRPr>
             </a:lvl6pPr>
             <a:lvl7pPr marL="2743200" indent="0" algn="ctr">
               <a:buNone/>
-              <a:defRPr sz="1600"/>
+              <a:defRPr>
+                <a:solidFill>
+                  <a:schemeClr val="tx1">
+                    <a:tint val="75000"/>
+                  </a:schemeClr>
+                </a:solidFill>
+              </a:defRPr>
             </a:lvl7pPr>
             <a:lvl8pPr marL="3200400" indent="0" algn="ctr">
               <a:buNone/>
-              <a:defRPr sz="1600"/>
+              <a:defRPr>
+                <a:solidFill>
+                  <a:schemeClr val="tx1">
+                    <a:tint val="75000"/>
+                  </a:schemeClr>
+                </a:solidFill>
+              </a:defRPr>
             </a:lvl8pPr>
             <a:lvl9pPr marL="3657600" indent="0" algn="ctr">
               <a:buNone/>
-              <a:defRPr sz="1600"/>
+              <a:defRPr>
+                <a:solidFill>
+                  <a:schemeClr val="tx1">
+                    <a:tint val="75000"/>
+                  </a:schemeClr>
+                </a:solidFill>
+              </a:defRPr>
             </a:lvl9pPr>
           </a:lstStyle>
           <a:p>
             <a:r>
-              <a:rPr lang="es-ES" smtClean="0"/>
+              <a:rPr lang="es-ES"/>
               <a:t>Haga clic para modificar el estilo de subtítulo del patrón</a:t>
             </a:r>
-            <a:endParaRPr lang="es-MX"/>
-          </a:p>
-        </p:txBody>
-      </p:sp>
-      <p:sp>
-        <p:nvSpPr>
-          <p:cNvPr id="4" name="Marcador de fecha 3"/>
+            <a:endParaRPr lang="en-US" dirty="0"/>
+          </a:p>
+        </p:txBody>
+      </p:sp>
+      <p:sp>
+        <p:nvSpPr>
+          <p:cNvPr id="4" name="Date Placeholder 3"/>
           <p:cNvSpPr>
             <a:spLocks noGrp="1"/>
           </p:cNvSpPr>
@@ -246,7 +408,7 @@
       </p:sp>
       <p:sp>
         <p:nvSpPr>
-          <p:cNvPr id="5" name="Marcador de pie de página 4"/>
+          <p:cNvPr id="5" name="Footer Placeholder 4"/>
           <p:cNvSpPr>
             <a:spLocks noGrp="1"/>
           </p:cNvSpPr>
@@ -265,7 +427,7 @@
       </p:sp>
       <p:sp>
         <p:nvSpPr>
-          <p:cNvPr id="6" name="Marcador de número de diapositiva 5"/>
+          <p:cNvPr id="6" name="Slide Number Placeholder 5"/>
           <p:cNvSpPr>
             <a:spLocks noGrp="1"/>
           </p:cNvSpPr>
@@ -289,7 +451,7 @@
     </p:spTree>
     <p:extLst>
       <p:ext uri="{BB962C8B-B14F-4D97-AF65-F5344CB8AC3E}">
-        <p14:creationId xmlns:p14="http://schemas.microsoft.com/office/powerpoint/2010/main" val="2003632751"/>
+        <p14:creationId xmlns:p14="http://schemas.microsoft.com/office/powerpoint/2010/main" val="3473242314"/>
       </p:ext>
     </p:extLst>
   </p:cSld>
@@ -300,6 +462,1181 @@
 </file>
 
 <file path=ppt/slideLayouts/slideLayout10.xml><?xml version="1.0" encoding="utf-8"?>
+<p:sldLayout xmlns:a="http://schemas.openxmlformats.org/drawingml/2006/main" xmlns:r="http://schemas.openxmlformats.org/officeDocument/2006/relationships" xmlns:p="http://schemas.openxmlformats.org/presentationml/2006/main" preserve="1">
+  <p:cSld name="Imagen panorámica con descripción">
+    <p:spTree>
+      <p:nvGrpSpPr>
+        <p:cNvPr id="1" name=""/>
+        <p:cNvGrpSpPr/>
+        <p:nvPr/>
+      </p:nvGrpSpPr>
+      <p:grpSpPr>
+        <a:xfrm>
+          <a:off x="0" y="0"/>
+          <a:ext cx="0" cy="0"/>
+          <a:chOff x="0" y="0"/>
+          <a:chExt cx="0" cy="0"/>
+        </a:xfrm>
+      </p:grpSpPr>
+      <p:sp>
+        <p:nvSpPr>
+          <p:cNvPr id="2" name="Title 1"/>
+          <p:cNvSpPr>
+            <a:spLocks noGrp="1"/>
+          </p:cNvSpPr>
+          <p:nvPr>
+            <p:ph type="title"/>
+          </p:nvPr>
+        </p:nvSpPr>
+        <p:spPr>
+          <a:xfrm>
+            <a:off x="810000" y="4800600"/>
+            <a:ext cx="10561418" cy="566738"/>
+          </a:xfrm>
+        </p:spPr>
+        <p:txBody>
+          <a:bodyPr anchor="b">
+            <a:normAutofit/>
+          </a:bodyPr>
+          <a:lstStyle>
+            <a:lvl1pPr algn="l">
+              <a:defRPr sz="2400" b="0"/>
+            </a:lvl1pPr>
+          </a:lstStyle>
+          <a:p>
+            <a:r>
+              <a:rPr lang="es-ES"/>
+              <a:t>Haga clic para modificar el estilo de título del patrón</a:t>
+            </a:r>
+            <a:endParaRPr lang="en-US" dirty="0"/>
+          </a:p>
+        </p:txBody>
+      </p:sp>
+      <p:sp>
+        <p:nvSpPr>
+          <p:cNvPr id="15" name="Picture Placeholder 14"/>
+          <p:cNvSpPr>
+            <a:spLocks noGrp="1" noChangeAspect="1"/>
+          </p:cNvSpPr>
+          <p:nvPr>
+            <p:ph type="pic" sz="quarter" idx="13"/>
+          </p:nvPr>
+        </p:nvSpPr>
+        <p:spPr bwMode="auto">
+          <a:xfrm>
+            <a:off x="0" y="0"/>
+            <a:ext cx="12192000" cy="4800600"/>
+          </a:xfrm>
+          <a:custGeom>
+            <a:avLst/>
+            <a:gdLst/>
+            <a:ahLst/>
+            <a:cxnLst/>
+            <a:rect l="0" t="0" r="r" b="b"/>
+            <a:pathLst>
+              <a:path w="5760" h="3289">
+                <a:moveTo>
+                  <a:pt x="5760" y="0"/>
+                </a:moveTo>
+                <a:lnTo>
+                  <a:pt x="0" y="0"/>
+                </a:lnTo>
+                <a:lnTo>
+                  <a:pt x="0" y="3100"/>
+                </a:lnTo>
+                <a:lnTo>
+                  <a:pt x="943" y="3100"/>
+                </a:lnTo>
+                <a:lnTo>
+                  <a:pt x="1123" y="3281"/>
+                </a:lnTo>
+                <a:lnTo>
+                  <a:pt x="1123" y="3281"/>
+                </a:lnTo>
+                <a:lnTo>
+                  <a:pt x="1127" y="3283"/>
+                </a:lnTo>
+                <a:lnTo>
+                  <a:pt x="1133" y="3286"/>
+                </a:lnTo>
+                <a:lnTo>
+                  <a:pt x="1139" y="3289"/>
+                </a:lnTo>
+                <a:lnTo>
+                  <a:pt x="1144" y="3289"/>
+                </a:lnTo>
+                <a:lnTo>
+                  <a:pt x="1150" y="3289"/>
+                </a:lnTo>
+                <a:lnTo>
+                  <a:pt x="1155" y="3286"/>
+                </a:lnTo>
+                <a:lnTo>
+                  <a:pt x="1161" y="3283"/>
+                </a:lnTo>
+                <a:lnTo>
+                  <a:pt x="1165" y="3281"/>
+                </a:lnTo>
+                <a:lnTo>
+                  <a:pt x="1345" y="3100"/>
+                </a:lnTo>
+                <a:lnTo>
+                  <a:pt x="5760" y="3100"/>
+                </a:lnTo>
+                <a:lnTo>
+                  <a:pt x="5760" y="0"/>
+                </a:lnTo>
+                <a:close/>
+              </a:path>
+            </a:pathLst>
+          </a:custGeom>
+          <a:noFill/>
+          <a:ln>
+            <a:solidFill>
+              <a:schemeClr val="tx2"/>
+            </a:solidFill>
+          </a:ln>
+        </p:spPr>
+        <p:style>
+          <a:lnRef idx="1">
+            <a:schemeClr val="accent1"/>
+          </a:lnRef>
+          <a:fillRef idx="3">
+            <a:schemeClr val="accent1"/>
+          </a:fillRef>
+          <a:effectRef idx="2">
+            <a:schemeClr val="accent1"/>
+          </a:effectRef>
+          <a:fontRef idx="minor">
+            <a:schemeClr val="lt1"/>
+          </a:fontRef>
+        </p:style>
+        <p:txBody>
+          <a:bodyPr wrap="square" numCol="1" anchor="t" anchorCtr="0" compatLnSpc="1">
+            <a:prstTxWarp prst="textNoShape">
+              <a:avLst/>
+            </a:prstTxWarp>
+            <a:normAutofit/>
+          </a:bodyPr>
+          <a:lstStyle>
+            <a:lvl1pPr marL="0" indent="0" algn="ctr">
+              <a:buFontTx/>
+              <a:buNone/>
+              <a:defRPr sz="1600"/>
+            </a:lvl1pPr>
+          </a:lstStyle>
+          <a:p>
+            <a:r>
+              <a:rPr lang="es-ES"/>
+              <a:t>Haga clic en el icono para agregar una imagen</a:t>
+            </a:r>
+            <a:endParaRPr lang="en-US" dirty="0"/>
+          </a:p>
+        </p:txBody>
+      </p:sp>
+      <p:sp>
+        <p:nvSpPr>
+          <p:cNvPr id="4" name="Text Placeholder 3"/>
+          <p:cNvSpPr>
+            <a:spLocks noGrp="1"/>
+          </p:cNvSpPr>
+          <p:nvPr>
+            <p:ph type="body" sz="half" idx="2"/>
+          </p:nvPr>
+        </p:nvSpPr>
+        <p:spPr>
+          <a:xfrm>
+            <a:off x="810000" y="5367338"/>
+            <a:ext cx="10561418" cy="493712"/>
+          </a:xfrm>
+        </p:spPr>
+        <p:txBody>
+          <a:bodyPr>
+            <a:normAutofit/>
+          </a:bodyPr>
+          <a:lstStyle>
+            <a:lvl1pPr marL="0" indent="0">
+              <a:buNone/>
+              <a:defRPr sz="1200"/>
+            </a:lvl1pPr>
+            <a:lvl2pPr marL="457200" indent="0">
+              <a:buNone/>
+              <a:defRPr sz="1200"/>
+            </a:lvl2pPr>
+            <a:lvl3pPr marL="914400" indent="0">
+              <a:buNone/>
+              <a:defRPr sz="1000"/>
+            </a:lvl3pPr>
+            <a:lvl4pPr marL="1371600" indent="0">
+              <a:buNone/>
+              <a:defRPr sz="900"/>
+            </a:lvl4pPr>
+            <a:lvl5pPr marL="1828800" indent="0">
+              <a:buNone/>
+              <a:defRPr sz="900"/>
+            </a:lvl5pPr>
+            <a:lvl6pPr marL="2286000" indent="0">
+              <a:buNone/>
+              <a:defRPr sz="900"/>
+            </a:lvl6pPr>
+            <a:lvl7pPr marL="2743200" indent="0">
+              <a:buNone/>
+              <a:defRPr sz="900"/>
+            </a:lvl7pPr>
+            <a:lvl8pPr marL="3200400" indent="0">
+              <a:buNone/>
+              <a:defRPr sz="900"/>
+            </a:lvl8pPr>
+            <a:lvl9pPr marL="3657600" indent="0">
+              <a:buNone/>
+              <a:defRPr sz="900"/>
+            </a:lvl9pPr>
+          </a:lstStyle>
+          <a:p>
+            <a:pPr lvl="0"/>
+            <a:r>
+              <a:rPr lang="es-ES"/>
+              <a:t>Haga clic para modificar los estilos de texto del patrón</a:t>
+            </a:r>
+          </a:p>
+        </p:txBody>
+      </p:sp>
+      <p:sp>
+        <p:nvSpPr>
+          <p:cNvPr id="5" name="Date Placeholder 4"/>
+          <p:cNvSpPr>
+            <a:spLocks noGrp="1"/>
+          </p:cNvSpPr>
+          <p:nvPr>
+            <p:ph type="dt" sz="half" idx="10"/>
+          </p:nvPr>
+        </p:nvSpPr>
+        <p:spPr/>
+        <p:txBody>
+          <a:bodyPr/>
+          <a:lstStyle/>
+          <a:p>
+            <a:fld id="{62A0D905-BC6B-4928-9B4D-6C2E1FD99408}" type="datetimeFigureOut">
+              <a:rPr lang="es-MX" smtClean="0"/>
+              <a:t>18/03/2021</a:t>
+            </a:fld>
+            <a:endParaRPr lang="es-MX"/>
+          </a:p>
+        </p:txBody>
+      </p:sp>
+      <p:sp>
+        <p:nvSpPr>
+          <p:cNvPr id="6" name="Footer Placeholder 5"/>
+          <p:cNvSpPr>
+            <a:spLocks noGrp="1"/>
+          </p:cNvSpPr>
+          <p:nvPr>
+            <p:ph type="ftr" sz="quarter" idx="11"/>
+          </p:nvPr>
+        </p:nvSpPr>
+        <p:spPr/>
+        <p:txBody>
+          <a:bodyPr/>
+          <a:lstStyle/>
+          <a:p>
+            <a:endParaRPr lang="es-MX"/>
+          </a:p>
+        </p:txBody>
+      </p:sp>
+      <p:sp>
+        <p:nvSpPr>
+          <p:cNvPr id="7" name="Slide Number Placeholder 6"/>
+          <p:cNvSpPr>
+            <a:spLocks noGrp="1"/>
+          </p:cNvSpPr>
+          <p:nvPr>
+            <p:ph type="sldNum" sz="quarter" idx="12"/>
+          </p:nvPr>
+        </p:nvSpPr>
+        <p:spPr/>
+        <p:txBody>
+          <a:bodyPr/>
+          <a:lstStyle/>
+          <a:p>
+            <a:fld id="{1289E55D-192E-46CF-8432-4E6EEFDA9C23}" type="slidenum">
+              <a:rPr lang="es-MX" smtClean="0"/>
+              <a:t>‹Nº›</a:t>
+            </a:fld>
+            <a:endParaRPr lang="es-MX"/>
+          </a:p>
+        </p:txBody>
+      </p:sp>
+    </p:spTree>
+    <p:extLst>
+      <p:ext uri="{BB962C8B-B14F-4D97-AF65-F5344CB8AC3E}">
+        <p14:creationId xmlns:p14="http://schemas.microsoft.com/office/powerpoint/2010/main" val="3523380779"/>
+      </p:ext>
+    </p:extLst>
+  </p:cSld>
+  <p:clrMapOvr>
+    <a:masterClrMapping/>
+  </p:clrMapOvr>
+</p:sldLayout>
+</file>
+
+<file path=ppt/slideLayouts/slideLayout11.xml><?xml version="1.0" encoding="utf-8"?>
+<p:sldLayout xmlns:a="http://schemas.openxmlformats.org/drawingml/2006/main" xmlns:r="http://schemas.openxmlformats.org/officeDocument/2006/relationships" xmlns:p="http://schemas.openxmlformats.org/presentationml/2006/main" preserve="1">
+  <p:cSld name="Cita con descripción">
+    <p:spTree>
+      <p:nvGrpSpPr>
+        <p:cNvPr id="1" name=""/>
+        <p:cNvGrpSpPr/>
+        <p:nvPr/>
+      </p:nvGrpSpPr>
+      <p:grpSpPr>
+        <a:xfrm>
+          <a:off x="0" y="0"/>
+          <a:ext cx="0" cy="0"/>
+          <a:chOff x="0" y="0"/>
+          <a:chExt cx="0" cy="0"/>
+        </a:xfrm>
+      </p:grpSpPr>
+      <p:sp>
+        <p:nvSpPr>
+          <p:cNvPr id="8" name="Freeform 6"/>
+          <p:cNvSpPr>
+            <a:spLocks noChangeAspect="1"/>
+          </p:cNvSpPr>
+          <p:nvPr/>
+        </p:nvSpPr>
+        <p:spPr bwMode="auto">
+          <a:xfrm>
+            <a:off x="631697" y="1081456"/>
+            <a:ext cx="6332416" cy="3239188"/>
+          </a:xfrm>
+          <a:custGeom>
+            <a:avLst/>
+            <a:gdLst/>
+            <a:ahLst/>
+            <a:cxnLst/>
+            <a:rect l="0" t="0" r="r" b="b"/>
+            <a:pathLst>
+              <a:path w="3384" h="2308">
+                <a:moveTo>
+                  <a:pt x="3340" y="0"/>
+                </a:moveTo>
+                <a:lnTo>
+                  <a:pt x="44" y="0"/>
+                </a:lnTo>
+                <a:lnTo>
+                  <a:pt x="44" y="0"/>
+                </a:lnTo>
+                <a:lnTo>
+                  <a:pt x="34" y="0"/>
+                </a:lnTo>
+                <a:lnTo>
+                  <a:pt x="26" y="4"/>
+                </a:lnTo>
+                <a:lnTo>
+                  <a:pt x="20" y="8"/>
+                </a:lnTo>
+                <a:lnTo>
+                  <a:pt x="12" y="12"/>
+                </a:lnTo>
+                <a:lnTo>
+                  <a:pt x="8" y="20"/>
+                </a:lnTo>
+                <a:lnTo>
+                  <a:pt x="4" y="26"/>
+                </a:lnTo>
+                <a:lnTo>
+                  <a:pt x="0" y="34"/>
+                </a:lnTo>
+                <a:lnTo>
+                  <a:pt x="0" y="44"/>
+                </a:lnTo>
+                <a:lnTo>
+                  <a:pt x="0" y="2076"/>
+                </a:lnTo>
+                <a:lnTo>
+                  <a:pt x="0" y="2076"/>
+                </a:lnTo>
+                <a:lnTo>
+                  <a:pt x="0" y="2086"/>
+                </a:lnTo>
+                <a:lnTo>
+                  <a:pt x="4" y="2094"/>
+                </a:lnTo>
+                <a:lnTo>
+                  <a:pt x="8" y="2100"/>
+                </a:lnTo>
+                <a:lnTo>
+                  <a:pt x="12" y="2108"/>
+                </a:lnTo>
+                <a:lnTo>
+                  <a:pt x="20" y="2112"/>
+                </a:lnTo>
+                <a:lnTo>
+                  <a:pt x="26" y="2116"/>
+                </a:lnTo>
+                <a:lnTo>
+                  <a:pt x="34" y="2120"/>
+                </a:lnTo>
+                <a:lnTo>
+                  <a:pt x="44" y="2120"/>
+                </a:lnTo>
+                <a:lnTo>
+                  <a:pt x="474" y="2120"/>
+                </a:lnTo>
+                <a:lnTo>
+                  <a:pt x="650" y="2296"/>
+                </a:lnTo>
+                <a:lnTo>
+                  <a:pt x="650" y="2296"/>
+                </a:lnTo>
+                <a:lnTo>
+                  <a:pt x="656" y="2300"/>
+                </a:lnTo>
+                <a:lnTo>
+                  <a:pt x="664" y="2304"/>
+                </a:lnTo>
+                <a:lnTo>
+                  <a:pt x="672" y="2308"/>
+                </a:lnTo>
+                <a:lnTo>
+                  <a:pt x="680" y="2308"/>
+                </a:lnTo>
+                <a:lnTo>
+                  <a:pt x="688" y="2308"/>
+                </a:lnTo>
+                <a:lnTo>
+                  <a:pt x="696" y="2304"/>
+                </a:lnTo>
+                <a:lnTo>
+                  <a:pt x="704" y="2300"/>
+                </a:lnTo>
+                <a:lnTo>
+                  <a:pt x="710" y="2296"/>
+                </a:lnTo>
+                <a:lnTo>
+                  <a:pt x="886" y="2120"/>
+                </a:lnTo>
+                <a:lnTo>
+                  <a:pt x="3340" y="2120"/>
+                </a:lnTo>
+                <a:lnTo>
+                  <a:pt x="3340" y="2120"/>
+                </a:lnTo>
+                <a:lnTo>
+                  <a:pt x="3350" y="2120"/>
+                </a:lnTo>
+                <a:lnTo>
+                  <a:pt x="3358" y="2116"/>
+                </a:lnTo>
+                <a:lnTo>
+                  <a:pt x="3364" y="2112"/>
+                </a:lnTo>
+                <a:lnTo>
+                  <a:pt x="3372" y="2108"/>
+                </a:lnTo>
+                <a:lnTo>
+                  <a:pt x="3376" y="2100"/>
+                </a:lnTo>
+                <a:lnTo>
+                  <a:pt x="3380" y="2094"/>
+                </a:lnTo>
+                <a:lnTo>
+                  <a:pt x="3384" y="2086"/>
+                </a:lnTo>
+                <a:lnTo>
+                  <a:pt x="3384" y="2076"/>
+                </a:lnTo>
+                <a:lnTo>
+                  <a:pt x="3384" y="44"/>
+                </a:lnTo>
+                <a:lnTo>
+                  <a:pt x="3384" y="44"/>
+                </a:lnTo>
+                <a:lnTo>
+                  <a:pt x="3384" y="34"/>
+                </a:lnTo>
+                <a:lnTo>
+                  <a:pt x="3380" y="26"/>
+                </a:lnTo>
+                <a:lnTo>
+                  <a:pt x="3376" y="20"/>
+                </a:lnTo>
+                <a:lnTo>
+                  <a:pt x="3372" y="12"/>
+                </a:lnTo>
+                <a:lnTo>
+                  <a:pt x="3364" y="8"/>
+                </a:lnTo>
+                <a:lnTo>
+                  <a:pt x="3358" y="4"/>
+                </a:lnTo>
+                <a:lnTo>
+                  <a:pt x="3350" y="0"/>
+                </a:lnTo>
+                <a:lnTo>
+                  <a:pt x="3340" y="0"/>
+                </a:lnTo>
+                <a:lnTo>
+                  <a:pt x="3340" y="0"/>
+                </a:lnTo>
+                <a:close/>
+              </a:path>
+            </a:pathLst>
+          </a:custGeom>
+          <a:ln>
+            <a:solidFill>
+              <a:schemeClr val="accent1"/>
+            </a:solidFill>
+          </a:ln>
+        </p:spPr>
+        <p:style>
+          <a:lnRef idx="1">
+            <a:schemeClr val="accent1"/>
+          </a:lnRef>
+          <a:fillRef idx="3">
+            <a:schemeClr val="accent1"/>
+          </a:fillRef>
+          <a:effectRef idx="2">
+            <a:schemeClr val="accent1"/>
+          </a:effectRef>
+          <a:fontRef idx="minor">
+            <a:schemeClr val="lt1"/>
+          </a:fontRef>
+        </p:style>
+      </p:sp>
+      <p:sp>
+        <p:nvSpPr>
+          <p:cNvPr id="2" name="Title 1"/>
+          <p:cNvSpPr>
+            <a:spLocks noGrp="1"/>
+          </p:cNvSpPr>
+          <p:nvPr>
+            <p:ph type="title"/>
+          </p:nvPr>
+        </p:nvSpPr>
+        <p:spPr>
+          <a:xfrm>
+            <a:off x="850985" y="1238502"/>
+            <a:ext cx="5893840" cy="2645912"/>
+          </a:xfrm>
+        </p:spPr>
+        <p:txBody>
+          <a:bodyPr anchor="b"/>
+          <a:lstStyle>
+            <a:lvl1pPr algn="l">
+              <a:defRPr sz="4200" b="1" cap="none"/>
+            </a:lvl1pPr>
+          </a:lstStyle>
+          <a:p>
+            <a:r>
+              <a:rPr lang="es-ES"/>
+              <a:t>Haga clic para modificar el estilo de título del patrón</a:t>
+            </a:r>
+            <a:endParaRPr lang="en-US" dirty="0"/>
+          </a:p>
+        </p:txBody>
+      </p:sp>
+      <p:sp>
+        <p:nvSpPr>
+          <p:cNvPr id="3" name="Text Placeholder 2"/>
+          <p:cNvSpPr>
+            <a:spLocks noGrp="1"/>
+          </p:cNvSpPr>
+          <p:nvPr>
+            <p:ph type="body" idx="1"/>
+          </p:nvPr>
+        </p:nvSpPr>
+        <p:spPr>
+          <a:xfrm>
+            <a:off x="853190" y="4443680"/>
+            <a:ext cx="5891636" cy="713241"/>
+          </a:xfrm>
+        </p:spPr>
+        <p:txBody>
+          <a:bodyPr anchor="t">
+            <a:noAutofit/>
+          </a:bodyPr>
+          <a:lstStyle>
+            <a:lvl1pPr marL="0" indent="0" algn="l">
+              <a:buNone/>
+              <a:defRPr sz="1800">
+                <a:solidFill>
+                  <a:schemeClr val="tx1"/>
+                </a:solidFill>
+              </a:defRPr>
+            </a:lvl1pPr>
+            <a:lvl2pPr marL="457200" indent="0">
+              <a:buNone/>
+              <a:defRPr sz="1800">
+                <a:solidFill>
+                  <a:schemeClr val="tx1">
+                    <a:tint val="75000"/>
+                  </a:schemeClr>
+                </a:solidFill>
+              </a:defRPr>
+            </a:lvl2pPr>
+            <a:lvl3pPr marL="914400" indent="0">
+              <a:buNone/>
+              <a:defRPr sz="1600">
+                <a:solidFill>
+                  <a:schemeClr val="tx1">
+                    <a:tint val="75000"/>
+                  </a:schemeClr>
+                </a:solidFill>
+              </a:defRPr>
+            </a:lvl3pPr>
+            <a:lvl4pPr marL="1371600" indent="0">
+              <a:buNone/>
+              <a:defRPr sz="1400">
+                <a:solidFill>
+                  <a:schemeClr val="tx1">
+                    <a:tint val="75000"/>
+                  </a:schemeClr>
+                </a:solidFill>
+              </a:defRPr>
+            </a:lvl4pPr>
+            <a:lvl5pPr marL="1828800" indent="0">
+              <a:buNone/>
+              <a:defRPr sz="1400">
+                <a:solidFill>
+                  <a:schemeClr val="tx1">
+                    <a:tint val="75000"/>
+                  </a:schemeClr>
+                </a:solidFill>
+              </a:defRPr>
+            </a:lvl5pPr>
+            <a:lvl6pPr marL="2286000" indent="0">
+              <a:buNone/>
+              <a:defRPr sz="1400">
+                <a:solidFill>
+                  <a:schemeClr val="tx1">
+                    <a:tint val="75000"/>
+                  </a:schemeClr>
+                </a:solidFill>
+              </a:defRPr>
+            </a:lvl6pPr>
+            <a:lvl7pPr marL="2743200" indent="0">
+              <a:buNone/>
+              <a:defRPr sz="1400">
+                <a:solidFill>
+                  <a:schemeClr val="tx1">
+                    <a:tint val="75000"/>
+                  </a:schemeClr>
+                </a:solidFill>
+              </a:defRPr>
+            </a:lvl7pPr>
+            <a:lvl8pPr marL="3200400" indent="0">
+              <a:buNone/>
+              <a:defRPr sz="1400">
+                <a:solidFill>
+                  <a:schemeClr val="tx1">
+                    <a:tint val="75000"/>
+                  </a:schemeClr>
+                </a:solidFill>
+              </a:defRPr>
+            </a:lvl8pPr>
+            <a:lvl9pPr marL="3657600" indent="0">
+              <a:buNone/>
+              <a:defRPr sz="1400">
+                <a:solidFill>
+                  <a:schemeClr val="tx1">
+                    <a:tint val="75000"/>
+                  </a:schemeClr>
+                </a:solidFill>
+              </a:defRPr>
+            </a:lvl9pPr>
+          </a:lstStyle>
+          <a:p>
+            <a:pPr lvl="0"/>
+            <a:r>
+              <a:rPr lang="es-ES"/>
+              <a:t>Haga clic para modificar los estilos de texto del patrón</a:t>
+            </a:r>
+          </a:p>
+        </p:txBody>
+      </p:sp>
+      <p:sp>
+        <p:nvSpPr>
+          <p:cNvPr id="9" name="Text Placeholder 5"/>
+          <p:cNvSpPr>
+            <a:spLocks noGrp="1"/>
+          </p:cNvSpPr>
+          <p:nvPr>
+            <p:ph type="body" sz="quarter" idx="16"/>
+          </p:nvPr>
+        </p:nvSpPr>
+        <p:spPr>
+          <a:xfrm>
+            <a:off x="7574642" y="1081456"/>
+            <a:ext cx="3810001" cy="4075465"/>
+          </a:xfrm>
+        </p:spPr>
+        <p:txBody>
+          <a:bodyPr anchor="t"/>
+          <a:lstStyle>
+            <a:lvl1pPr marL="0" indent="0">
+              <a:buFontTx/>
+              <a:buNone/>
+              <a:defRPr/>
+            </a:lvl1pPr>
+          </a:lstStyle>
+          <a:p>
+            <a:pPr lvl="0"/>
+            <a:r>
+              <a:rPr lang="es-ES"/>
+              <a:t>Haga clic para modificar los estilos de texto del patrón</a:t>
+            </a:r>
+          </a:p>
+        </p:txBody>
+      </p:sp>
+      <p:sp>
+        <p:nvSpPr>
+          <p:cNvPr id="4" name="Date Placeholder 3"/>
+          <p:cNvSpPr>
+            <a:spLocks noGrp="1"/>
+          </p:cNvSpPr>
+          <p:nvPr>
+            <p:ph type="dt" sz="half" idx="10"/>
+          </p:nvPr>
+        </p:nvSpPr>
+        <p:spPr/>
+        <p:txBody>
+          <a:bodyPr/>
+          <a:lstStyle/>
+          <a:p>
+            <a:fld id="{62A0D905-BC6B-4928-9B4D-6C2E1FD99408}" type="datetimeFigureOut">
+              <a:rPr lang="es-MX" smtClean="0"/>
+              <a:t>18/03/2021</a:t>
+            </a:fld>
+            <a:endParaRPr lang="es-MX"/>
+          </a:p>
+        </p:txBody>
+      </p:sp>
+      <p:sp>
+        <p:nvSpPr>
+          <p:cNvPr id="5" name="Footer Placeholder 4"/>
+          <p:cNvSpPr>
+            <a:spLocks noGrp="1"/>
+          </p:cNvSpPr>
+          <p:nvPr>
+            <p:ph type="ftr" sz="quarter" idx="11"/>
+          </p:nvPr>
+        </p:nvSpPr>
+        <p:spPr/>
+        <p:txBody>
+          <a:bodyPr/>
+          <a:lstStyle/>
+          <a:p>
+            <a:endParaRPr lang="es-MX"/>
+          </a:p>
+        </p:txBody>
+      </p:sp>
+      <p:sp>
+        <p:nvSpPr>
+          <p:cNvPr id="6" name="Slide Number Placeholder 5"/>
+          <p:cNvSpPr>
+            <a:spLocks noGrp="1"/>
+          </p:cNvSpPr>
+          <p:nvPr>
+            <p:ph type="sldNum" sz="quarter" idx="12"/>
+          </p:nvPr>
+        </p:nvSpPr>
+        <p:spPr/>
+        <p:txBody>
+          <a:bodyPr/>
+          <a:lstStyle/>
+          <a:p>
+            <a:fld id="{1289E55D-192E-46CF-8432-4E6EEFDA9C23}" type="slidenum">
+              <a:rPr lang="es-MX" smtClean="0"/>
+              <a:t>‹Nº›</a:t>
+            </a:fld>
+            <a:endParaRPr lang="es-MX"/>
+          </a:p>
+        </p:txBody>
+      </p:sp>
+    </p:spTree>
+    <p:extLst>
+      <p:ext uri="{BB962C8B-B14F-4D97-AF65-F5344CB8AC3E}">
+        <p14:creationId xmlns:p14="http://schemas.microsoft.com/office/powerpoint/2010/main" val="2360961083"/>
+      </p:ext>
+    </p:extLst>
+  </p:cSld>
+  <p:clrMapOvr>
+    <a:masterClrMapping/>
+  </p:clrMapOvr>
+</p:sldLayout>
+</file>
+
+<file path=ppt/slideLayouts/slideLayout12.xml><?xml version="1.0" encoding="utf-8"?>
+<p:sldLayout xmlns:a="http://schemas.openxmlformats.org/drawingml/2006/main" xmlns:r="http://schemas.openxmlformats.org/officeDocument/2006/relationships" xmlns:p="http://schemas.openxmlformats.org/presentationml/2006/main" preserve="1">
+  <p:cSld name="Tarjeta de nombre">
+    <p:spTree>
+      <p:nvGrpSpPr>
+        <p:cNvPr id="1" name=""/>
+        <p:cNvGrpSpPr/>
+        <p:nvPr/>
+      </p:nvGrpSpPr>
+      <p:grpSpPr>
+        <a:xfrm>
+          <a:off x="0" y="0"/>
+          <a:ext cx="0" cy="0"/>
+          <a:chOff x="0" y="0"/>
+          <a:chExt cx="0" cy="0"/>
+        </a:xfrm>
+      </p:grpSpPr>
+      <p:sp>
+        <p:nvSpPr>
+          <p:cNvPr id="9" name="Freeform 6"/>
+          <p:cNvSpPr>
+            <a:spLocks noChangeAspect="1"/>
+          </p:cNvSpPr>
+          <p:nvPr/>
+        </p:nvSpPr>
+        <p:spPr bwMode="auto">
+          <a:xfrm>
+            <a:off x="1140884" y="2286585"/>
+            <a:ext cx="4895115" cy="2503972"/>
+          </a:xfrm>
+          <a:custGeom>
+            <a:avLst/>
+            <a:gdLst/>
+            <a:ahLst/>
+            <a:cxnLst/>
+            <a:rect l="0" t="0" r="r" b="b"/>
+            <a:pathLst>
+              <a:path w="3384" h="2308">
+                <a:moveTo>
+                  <a:pt x="3340" y="0"/>
+                </a:moveTo>
+                <a:lnTo>
+                  <a:pt x="44" y="0"/>
+                </a:lnTo>
+                <a:lnTo>
+                  <a:pt x="44" y="0"/>
+                </a:lnTo>
+                <a:lnTo>
+                  <a:pt x="34" y="0"/>
+                </a:lnTo>
+                <a:lnTo>
+                  <a:pt x="26" y="4"/>
+                </a:lnTo>
+                <a:lnTo>
+                  <a:pt x="20" y="8"/>
+                </a:lnTo>
+                <a:lnTo>
+                  <a:pt x="12" y="12"/>
+                </a:lnTo>
+                <a:lnTo>
+                  <a:pt x="8" y="20"/>
+                </a:lnTo>
+                <a:lnTo>
+                  <a:pt x="4" y="26"/>
+                </a:lnTo>
+                <a:lnTo>
+                  <a:pt x="0" y="34"/>
+                </a:lnTo>
+                <a:lnTo>
+                  <a:pt x="0" y="44"/>
+                </a:lnTo>
+                <a:lnTo>
+                  <a:pt x="0" y="2076"/>
+                </a:lnTo>
+                <a:lnTo>
+                  <a:pt x="0" y="2076"/>
+                </a:lnTo>
+                <a:lnTo>
+                  <a:pt x="0" y="2086"/>
+                </a:lnTo>
+                <a:lnTo>
+                  <a:pt x="4" y="2094"/>
+                </a:lnTo>
+                <a:lnTo>
+                  <a:pt x="8" y="2100"/>
+                </a:lnTo>
+                <a:lnTo>
+                  <a:pt x="12" y="2108"/>
+                </a:lnTo>
+                <a:lnTo>
+                  <a:pt x="20" y="2112"/>
+                </a:lnTo>
+                <a:lnTo>
+                  <a:pt x="26" y="2116"/>
+                </a:lnTo>
+                <a:lnTo>
+                  <a:pt x="34" y="2120"/>
+                </a:lnTo>
+                <a:lnTo>
+                  <a:pt x="44" y="2120"/>
+                </a:lnTo>
+                <a:lnTo>
+                  <a:pt x="474" y="2120"/>
+                </a:lnTo>
+                <a:lnTo>
+                  <a:pt x="650" y="2296"/>
+                </a:lnTo>
+                <a:lnTo>
+                  <a:pt x="650" y="2296"/>
+                </a:lnTo>
+                <a:lnTo>
+                  <a:pt x="656" y="2300"/>
+                </a:lnTo>
+                <a:lnTo>
+                  <a:pt x="664" y="2304"/>
+                </a:lnTo>
+                <a:lnTo>
+                  <a:pt x="672" y="2308"/>
+                </a:lnTo>
+                <a:lnTo>
+                  <a:pt x="680" y="2308"/>
+                </a:lnTo>
+                <a:lnTo>
+                  <a:pt x="688" y="2308"/>
+                </a:lnTo>
+                <a:lnTo>
+                  <a:pt x="696" y="2304"/>
+                </a:lnTo>
+                <a:lnTo>
+                  <a:pt x="704" y="2300"/>
+                </a:lnTo>
+                <a:lnTo>
+                  <a:pt x="710" y="2296"/>
+                </a:lnTo>
+                <a:lnTo>
+                  <a:pt x="886" y="2120"/>
+                </a:lnTo>
+                <a:lnTo>
+                  <a:pt x="3340" y="2120"/>
+                </a:lnTo>
+                <a:lnTo>
+                  <a:pt x="3340" y="2120"/>
+                </a:lnTo>
+                <a:lnTo>
+                  <a:pt x="3350" y="2120"/>
+                </a:lnTo>
+                <a:lnTo>
+                  <a:pt x="3358" y="2116"/>
+                </a:lnTo>
+                <a:lnTo>
+                  <a:pt x="3364" y="2112"/>
+                </a:lnTo>
+                <a:lnTo>
+                  <a:pt x="3372" y="2108"/>
+                </a:lnTo>
+                <a:lnTo>
+                  <a:pt x="3376" y="2100"/>
+                </a:lnTo>
+                <a:lnTo>
+                  <a:pt x="3380" y="2094"/>
+                </a:lnTo>
+                <a:lnTo>
+                  <a:pt x="3384" y="2086"/>
+                </a:lnTo>
+                <a:lnTo>
+                  <a:pt x="3384" y="2076"/>
+                </a:lnTo>
+                <a:lnTo>
+                  <a:pt x="3384" y="44"/>
+                </a:lnTo>
+                <a:lnTo>
+                  <a:pt x="3384" y="44"/>
+                </a:lnTo>
+                <a:lnTo>
+                  <a:pt x="3384" y="34"/>
+                </a:lnTo>
+                <a:lnTo>
+                  <a:pt x="3380" y="26"/>
+                </a:lnTo>
+                <a:lnTo>
+                  <a:pt x="3376" y="20"/>
+                </a:lnTo>
+                <a:lnTo>
+                  <a:pt x="3372" y="12"/>
+                </a:lnTo>
+                <a:lnTo>
+                  <a:pt x="3364" y="8"/>
+                </a:lnTo>
+                <a:lnTo>
+                  <a:pt x="3358" y="4"/>
+                </a:lnTo>
+                <a:lnTo>
+                  <a:pt x="3350" y="0"/>
+                </a:lnTo>
+                <a:lnTo>
+                  <a:pt x="3340" y="0"/>
+                </a:lnTo>
+                <a:lnTo>
+                  <a:pt x="3340" y="0"/>
+                </a:lnTo>
+                <a:close/>
+              </a:path>
+            </a:pathLst>
+          </a:custGeom>
+          <a:ln>
+            <a:solidFill>
+              <a:schemeClr val="accent1"/>
+            </a:solidFill>
+          </a:ln>
+        </p:spPr>
+        <p:style>
+          <a:lnRef idx="1">
+            <a:schemeClr val="accent1"/>
+          </a:lnRef>
+          <a:fillRef idx="3">
+            <a:schemeClr val="accent1"/>
+          </a:fillRef>
+          <a:effectRef idx="2">
+            <a:schemeClr val="accent1"/>
+          </a:effectRef>
+          <a:fontRef idx="minor">
+            <a:schemeClr val="lt1"/>
+          </a:fontRef>
+        </p:style>
+      </p:sp>
+      <p:sp>
+        <p:nvSpPr>
+          <p:cNvPr id="38" name="Title 1"/>
+          <p:cNvSpPr>
+            <a:spLocks noGrp="1"/>
+          </p:cNvSpPr>
+          <p:nvPr>
+            <p:ph type="title"/>
+          </p:nvPr>
+        </p:nvSpPr>
+        <p:spPr>
+          <a:xfrm>
+            <a:off x="1357089" y="2435957"/>
+            <a:ext cx="4382521" cy="2007789"/>
+          </a:xfrm>
+        </p:spPr>
+        <p:txBody>
+          <a:bodyPr/>
+          <a:lstStyle>
+            <a:lvl1pPr>
+              <a:defRPr sz="3200"/>
+            </a:lvl1pPr>
+          </a:lstStyle>
+          <a:p>
+            <a:r>
+              <a:rPr lang="es-ES"/>
+              <a:t>Haga clic para modificar el estilo de título del patrón</a:t>
+            </a:r>
+            <a:endParaRPr lang="en-US" dirty="0"/>
+          </a:p>
+        </p:txBody>
+      </p:sp>
+      <p:sp>
+        <p:nvSpPr>
+          <p:cNvPr id="6" name="Text Placeholder 5"/>
+          <p:cNvSpPr>
+            <a:spLocks noGrp="1"/>
+          </p:cNvSpPr>
+          <p:nvPr>
+            <p:ph type="body" sz="quarter" idx="16"/>
+          </p:nvPr>
+        </p:nvSpPr>
+        <p:spPr>
+          <a:xfrm>
+            <a:off x="6156000" y="2286000"/>
+            <a:ext cx="4880300" cy="2295525"/>
+          </a:xfrm>
+        </p:spPr>
+        <p:txBody>
+          <a:bodyPr anchor="t"/>
+          <a:lstStyle>
+            <a:lvl1pPr marL="0" indent="0">
+              <a:buFontTx/>
+              <a:buNone/>
+              <a:defRPr/>
+            </a:lvl1pPr>
+          </a:lstStyle>
+          <a:p>
+            <a:pPr lvl="0"/>
+            <a:r>
+              <a:rPr lang="es-ES"/>
+              <a:t>Haga clic para modificar los estilos de texto del patrón</a:t>
+            </a:r>
+          </a:p>
+        </p:txBody>
+      </p:sp>
+      <p:sp>
+        <p:nvSpPr>
+          <p:cNvPr id="2" name="Date Placeholder 1"/>
+          <p:cNvSpPr>
+            <a:spLocks noGrp="1"/>
+          </p:cNvSpPr>
+          <p:nvPr>
+            <p:ph type="dt" sz="half" idx="10"/>
+          </p:nvPr>
+        </p:nvSpPr>
+        <p:spPr/>
+        <p:txBody>
+          <a:bodyPr/>
+          <a:lstStyle/>
+          <a:p>
+            <a:fld id="{62A0D905-BC6B-4928-9B4D-6C2E1FD99408}" type="datetimeFigureOut">
+              <a:rPr lang="es-MX" smtClean="0"/>
+              <a:t>18/03/2021</a:t>
+            </a:fld>
+            <a:endParaRPr lang="es-MX"/>
+          </a:p>
+        </p:txBody>
+      </p:sp>
+      <p:sp>
+        <p:nvSpPr>
+          <p:cNvPr id="3" name="Footer Placeholder 2"/>
+          <p:cNvSpPr>
+            <a:spLocks noGrp="1"/>
+          </p:cNvSpPr>
+          <p:nvPr>
+            <p:ph type="ftr" sz="quarter" idx="11"/>
+          </p:nvPr>
+        </p:nvSpPr>
+        <p:spPr/>
+        <p:txBody>
+          <a:bodyPr/>
+          <a:lstStyle/>
+          <a:p>
+            <a:endParaRPr lang="es-MX"/>
+          </a:p>
+        </p:txBody>
+      </p:sp>
+      <p:sp>
+        <p:nvSpPr>
+          <p:cNvPr id="4" name="Slide Number Placeholder 3"/>
+          <p:cNvSpPr>
+            <a:spLocks noGrp="1"/>
+          </p:cNvSpPr>
+          <p:nvPr>
+            <p:ph type="sldNum" sz="quarter" idx="12"/>
+          </p:nvPr>
+        </p:nvSpPr>
+        <p:spPr/>
+        <p:txBody>
+          <a:bodyPr/>
+          <a:lstStyle/>
+          <a:p>
+            <a:fld id="{1289E55D-192E-46CF-8432-4E6EEFDA9C23}" type="slidenum">
+              <a:rPr lang="es-MX" smtClean="0"/>
+              <a:t>‹Nº›</a:t>
+            </a:fld>
+            <a:endParaRPr lang="es-MX"/>
+          </a:p>
+        </p:txBody>
+      </p:sp>
+    </p:spTree>
+    <p:extLst>
+      <p:ext uri="{BB962C8B-B14F-4D97-AF65-F5344CB8AC3E}">
+        <p14:creationId xmlns:p14="http://schemas.microsoft.com/office/powerpoint/2010/main" val="4135428074"/>
+      </p:ext>
+    </p:extLst>
+  </p:cSld>
+  <p:clrMapOvr>
+    <a:masterClrMapping/>
+  </p:clrMapOvr>
+</p:sldLayout>
+</file>
+
+<file path=ppt/slideLayouts/slideLayout13.xml><?xml version="1.0" encoding="utf-8"?>
 <p:sldLayout xmlns:a="http://schemas.openxmlformats.org/drawingml/2006/main" xmlns:r="http://schemas.openxmlformats.org/officeDocument/2006/relationships" xmlns:p="http://schemas.openxmlformats.org/presentationml/2006/main" type="vertTx" preserve="1">
   <p:cSld name="Título y texto vertical">
     <p:spTree>
@@ -318,7 +1655,110 @@
       </p:grpSpPr>
       <p:sp>
         <p:nvSpPr>
-          <p:cNvPr id="2" name="Título 1"/>
+          <p:cNvPr id="7" name="Freeform 6"/>
+          <p:cNvSpPr/>
+          <p:nvPr/>
+        </p:nvSpPr>
+        <p:spPr bwMode="auto">
+          <a:xfrm>
+            <a:off x="0" y="0"/>
+            <a:ext cx="12192000" cy="2185988"/>
+          </a:xfrm>
+          <a:custGeom>
+            <a:avLst/>
+            <a:gdLst/>
+            <a:ahLst/>
+            <a:cxnLst/>
+            <a:rect l="0" t="0" r="r" b="b"/>
+            <a:pathLst>
+              <a:path w="5760" h="1377">
+                <a:moveTo>
+                  <a:pt x="5760" y="0"/>
+                </a:moveTo>
+                <a:lnTo>
+                  <a:pt x="0" y="0"/>
+                </a:lnTo>
+                <a:lnTo>
+                  <a:pt x="0" y="1189"/>
+                </a:lnTo>
+                <a:lnTo>
+                  <a:pt x="943" y="1189"/>
+                </a:lnTo>
+                <a:lnTo>
+                  <a:pt x="1123" y="1369"/>
+                </a:lnTo>
+                <a:lnTo>
+                  <a:pt x="1123" y="1369"/>
+                </a:lnTo>
+                <a:lnTo>
+                  <a:pt x="1127" y="1371"/>
+                </a:lnTo>
+                <a:lnTo>
+                  <a:pt x="1133" y="1374"/>
+                </a:lnTo>
+                <a:lnTo>
+                  <a:pt x="1139" y="1377"/>
+                </a:lnTo>
+                <a:lnTo>
+                  <a:pt x="1144" y="1377"/>
+                </a:lnTo>
+                <a:lnTo>
+                  <a:pt x="1150" y="1377"/>
+                </a:lnTo>
+                <a:lnTo>
+                  <a:pt x="1155" y="1374"/>
+                </a:lnTo>
+                <a:lnTo>
+                  <a:pt x="1161" y="1371"/>
+                </a:lnTo>
+                <a:lnTo>
+                  <a:pt x="1165" y="1369"/>
+                </a:lnTo>
+                <a:lnTo>
+                  <a:pt x="1345" y="1189"/>
+                </a:lnTo>
+                <a:lnTo>
+                  <a:pt x="5760" y="1189"/>
+                </a:lnTo>
+                <a:lnTo>
+                  <a:pt x="5760" y="0"/>
+                </a:lnTo>
+                <a:close/>
+              </a:path>
+            </a:pathLst>
+          </a:custGeom>
+          <a:ln/>
+          <a:extLst>
+            <a:ext uri="{91240B29-F687-4f45-9708-019B960494DF}">
+              <a14:hiddenLine xmlns:a14="http://schemas.microsoft.com/office/drawing/2010/main" xmlns="" w="9525">
+                <a:solidFill>
+                  <a:srgbClr val="000000"/>
+                </a:solidFill>
+                <a:round/>
+                <a:headEnd/>
+                <a:tailEnd/>
+              </a14:hiddenLine>
+            </a:ext>
+          </a:extLst>
+        </p:spPr>
+        <p:style>
+          <a:lnRef idx="1">
+            <a:schemeClr val="accent1"/>
+          </a:lnRef>
+          <a:fillRef idx="3">
+            <a:schemeClr val="accent1"/>
+          </a:fillRef>
+          <a:effectRef idx="2">
+            <a:schemeClr val="accent1"/>
+          </a:effectRef>
+          <a:fontRef idx="minor">
+            <a:schemeClr val="lt1"/>
+          </a:fontRef>
+        </p:style>
+      </p:sp>
+      <p:sp>
+        <p:nvSpPr>
+          <p:cNvPr id="2" name="Title 1"/>
           <p:cNvSpPr>
             <a:spLocks noGrp="1"/>
           </p:cNvSpPr>
@@ -332,16 +1772,16 @@
           <a:lstStyle/>
           <a:p>
             <a:r>
-              <a:rPr lang="es-ES" smtClean="0"/>
+              <a:rPr lang="es-ES"/>
               <a:t>Haga clic para modificar el estilo de título del patrón</a:t>
             </a:r>
-            <a:endParaRPr lang="es-MX"/>
-          </a:p>
-        </p:txBody>
-      </p:sp>
-      <p:sp>
-        <p:nvSpPr>
-          <p:cNvPr id="3" name="Marcador de texto vertical 2"/>
+            <a:endParaRPr lang="en-US" dirty="0"/>
+          </a:p>
+        </p:txBody>
+      </p:sp>
+      <p:sp>
+        <p:nvSpPr>
+          <p:cNvPr id="3" name="Vertical Text Placeholder 2"/>
           <p:cNvSpPr>
             <a:spLocks noGrp="1"/>
           </p:cNvSpPr>
@@ -351,49 +1791,49 @@
         </p:nvSpPr>
         <p:spPr/>
         <p:txBody>
-          <a:bodyPr vert="eaVert"/>
+          <a:bodyPr vert="eaVert" anchor="t"/>
           <a:lstStyle/>
           <a:p>
             <a:pPr lvl="0"/>
             <a:r>
-              <a:rPr lang="es-ES" smtClean="0"/>
-              <a:t>Haga clic para modificar el estilo de texto del patrón</a:t>
+              <a:rPr lang="es-ES"/>
+              <a:t>Haga clic para modificar los estilos de texto del patrón</a:t>
             </a:r>
           </a:p>
           <a:p>
             <a:pPr lvl="1"/>
             <a:r>
-              <a:rPr lang="es-ES" smtClean="0"/>
+              <a:rPr lang="es-ES"/>
               <a:t>Segundo nivel</a:t>
             </a:r>
           </a:p>
           <a:p>
             <a:pPr lvl="2"/>
             <a:r>
-              <a:rPr lang="es-ES" smtClean="0"/>
+              <a:rPr lang="es-ES"/>
               <a:t>Tercer nivel</a:t>
             </a:r>
           </a:p>
           <a:p>
             <a:pPr lvl="3"/>
             <a:r>
-              <a:rPr lang="es-ES" smtClean="0"/>
+              <a:rPr lang="es-ES"/>
               <a:t>Cuarto nivel</a:t>
             </a:r>
           </a:p>
           <a:p>
             <a:pPr lvl="4"/>
             <a:r>
-              <a:rPr lang="es-ES" smtClean="0"/>
+              <a:rPr lang="es-ES"/>
               <a:t>Quinto nivel</a:t>
             </a:r>
-            <a:endParaRPr lang="es-MX"/>
-          </a:p>
-        </p:txBody>
-      </p:sp>
-      <p:sp>
-        <p:nvSpPr>
-          <p:cNvPr id="4" name="Marcador de fecha 3"/>
+            <a:endParaRPr lang="en-US" dirty="0"/>
+          </a:p>
+        </p:txBody>
+      </p:sp>
+      <p:sp>
+        <p:nvSpPr>
+          <p:cNvPr id="4" name="Date Placeholder 3"/>
           <p:cNvSpPr>
             <a:spLocks noGrp="1"/>
           </p:cNvSpPr>
@@ -416,7 +1856,7 @@
       </p:sp>
       <p:sp>
         <p:nvSpPr>
-          <p:cNvPr id="5" name="Marcador de pie de página 4"/>
+          <p:cNvPr id="5" name="Footer Placeholder 4"/>
           <p:cNvSpPr>
             <a:spLocks noGrp="1"/>
           </p:cNvSpPr>
@@ -435,7 +1875,7 @@
       </p:sp>
       <p:sp>
         <p:nvSpPr>
-          <p:cNvPr id="6" name="Marcador de número de diapositiva 5"/>
+          <p:cNvPr id="6" name="Slide Number Placeholder 5"/>
           <p:cNvSpPr>
             <a:spLocks noGrp="1"/>
           </p:cNvSpPr>
@@ -459,7 +1899,7 @@
     </p:spTree>
     <p:extLst>
       <p:ext uri="{BB962C8B-B14F-4D97-AF65-F5344CB8AC3E}">
-        <p14:creationId xmlns:p14="http://schemas.microsoft.com/office/powerpoint/2010/main" val="3995700648"/>
+        <p14:creationId xmlns:p14="http://schemas.microsoft.com/office/powerpoint/2010/main" val="4244107594"/>
       </p:ext>
     </p:extLst>
   </p:cSld>
@@ -469,7 +1909,7 @@
 </p:sldLayout>
 </file>
 
-<file path=ppt/slideLayouts/slideLayout11.xml><?xml version="1.0" encoding="utf-8"?>
+<file path=ppt/slideLayouts/slideLayout14.xml><?xml version="1.0" encoding="utf-8"?>
 <p:sldLayout xmlns:a="http://schemas.openxmlformats.org/drawingml/2006/main" xmlns:r="http://schemas.openxmlformats.org/officeDocument/2006/relationships" xmlns:p="http://schemas.openxmlformats.org/presentationml/2006/main" type="vertTitleAndTx" preserve="1">
   <p:cSld name="Título vertical y texto">
     <p:spTree>
@@ -488,7 +1928,112 @@
       </p:grpSpPr>
       <p:sp>
         <p:nvSpPr>
-          <p:cNvPr id="2" name="Título vertical 1"/>
+          <p:cNvPr id="12" name="Freeform 6"/>
+          <p:cNvSpPr>
+            <a:spLocks noChangeAspect="1"/>
+          </p:cNvSpPr>
+          <p:nvPr/>
+        </p:nvSpPr>
+        <p:spPr bwMode="auto">
+          <a:xfrm>
+            <a:off x="7669651" y="446089"/>
+            <a:ext cx="4522349" cy="5414962"/>
+          </a:xfrm>
+          <a:custGeom>
+            <a:avLst/>
+            <a:gdLst/>
+            <a:ahLst/>
+            <a:cxnLst/>
+            <a:rect l="0" t="0" r="r" b="b"/>
+            <a:pathLst>
+              <a:path w="2879" h="4320">
+                <a:moveTo>
+                  <a:pt x="183" y="0"/>
+                </a:moveTo>
+                <a:lnTo>
+                  <a:pt x="183" y="1197"/>
+                </a:lnTo>
+                <a:lnTo>
+                  <a:pt x="8" y="1372"/>
+                </a:lnTo>
+                <a:lnTo>
+                  <a:pt x="8" y="1372"/>
+                </a:lnTo>
+                <a:lnTo>
+                  <a:pt x="6" y="1376"/>
+                </a:lnTo>
+                <a:lnTo>
+                  <a:pt x="3" y="1382"/>
+                </a:lnTo>
+                <a:lnTo>
+                  <a:pt x="0" y="1387"/>
+                </a:lnTo>
+                <a:lnTo>
+                  <a:pt x="0" y="1393"/>
+                </a:lnTo>
+                <a:lnTo>
+                  <a:pt x="0" y="1399"/>
+                </a:lnTo>
+                <a:lnTo>
+                  <a:pt x="3" y="1404"/>
+                </a:lnTo>
+                <a:lnTo>
+                  <a:pt x="6" y="1410"/>
+                </a:lnTo>
+                <a:lnTo>
+                  <a:pt x="8" y="1414"/>
+                </a:lnTo>
+                <a:lnTo>
+                  <a:pt x="183" y="1589"/>
+                </a:lnTo>
+                <a:lnTo>
+                  <a:pt x="183" y="4320"/>
+                </a:lnTo>
+                <a:lnTo>
+                  <a:pt x="2879" y="4320"/>
+                </a:lnTo>
+                <a:lnTo>
+                  <a:pt x="2879" y="0"/>
+                </a:lnTo>
+                <a:lnTo>
+                  <a:pt x="183" y="0"/>
+                </a:lnTo>
+                <a:close/>
+              </a:path>
+            </a:pathLst>
+          </a:custGeom>
+          <a:ln/>
+          <a:extLst>
+            <a:ext uri="{91240B29-F687-4f45-9708-019B960494DF}">
+              <a14:hiddenLine xmlns:a14="http://schemas.microsoft.com/office/drawing/2010/main" xmlns="" w="9525">
+                <a:solidFill>
+                  <a:srgbClr val="000000"/>
+                </a:solidFill>
+                <a:round/>
+                <a:headEnd/>
+                <a:tailEnd/>
+              </a14:hiddenLine>
+            </a:ext>
+          </a:extLst>
+        </p:spPr>
+        <p:style>
+          <a:lnRef idx="1">
+            <a:schemeClr val="accent1"/>
+          </a:lnRef>
+          <a:fillRef idx="3">
+            <a:schemeClr val="accent1"/>
+          </a:fillRef>
+          <a:effectRef idx="2">
+            <a:schemeClr val="accent1"/>
+          </a:effectRef>
+          <a:fontRef idx="minor">
+            <a:schemeClr val="lt1"/>
+          </a:fontRef>
+        </p:style>
+      </p:sp>
+      <p:sp>
+        <p:nvSpPr>
+          <p:cNvPr id="2" name="Vertical Title 1"/>
           <p:cNvSpPr>
             <a:spLocks noGrp="1"/>
           </p:cNvSpPr>
@@ -498,8 +2043,8 @@
         </p:nvSpPr>
         <p:spPr>
           <a:xfrm>
-            <a:off x="8724900" y="365125"/>
-            <a:ext cx="2628900" cy="5811838"/>
+            <a:off x="8183540" y="586171"/>
+            <a:ext cx="2494791" cy="5134798"/>
           </a:xfrm>
         </p:spPr>
         <p:txBody>
@@ -507,16 +2052,16 @@
           <a:lstStyle/>
           <a:p>
             <a:r>
-              <a:rPr lang="es-ES" smtClean="0"/>
+              <a:rPr lang="es-ES"/>
               <a:t>Haga clic para modificar el estilo de título del patrón</a:t>
             </a:r>
-            <a:endParaRPr lang="es-MX"/>
-          </a:p>
-        </p:txBody>
-      </p:sp>
-      <p:sp>
-        <p:nvSpPr>
-          <p:cNvPr id="3" name="Marcador de texto vertical 2"/>
+            <a:endParaRPr lang="en-US" dirty="0"/>
+          </a:p>
+        </p:txBody>
+      </p:sp>
+      <p:sp>
+        <p:nvSpPr>
+          <p:cNvPr id="3" name="Vertical Text Placeholder 2"/>
           <p:cNvSpPr>
             <a:spLocks noGrp="1"/>
           </p:cNvSpPr>
@@ -526,54 +2071,54 @@
         </p:nvSpPr>
         <p:spPr>
           <a:xfrm>
-            <a:off x="838200" y="365125"/>
-            <a:ext cx="7734300" cy="5811838"/>
+            <a:off x="810001" y="446089"/>
+            <a:ext cx="6611540" cy="5414962"/>
           </a:xfrm>
         </p:spPr>
         <p:txBody>
-          <a:bodyPr vert="eaVert"/>
+          <a:bodyPr vert="eaVert" anchor="t"/>
           <a:lstStyle/>
           <a:p>
             <a:pPr lvl="0"/>
             <a:r>
-              <a:rPr lang="es-ES" smtClean="0"/>
-              <a:t>Haga clic para modificar el estilo de texto del patrón</a:t>
+              <a:rPr lang="es-ES"/>
+              <a:t>Haga clic para modificar los estilos de texto del patrón</a:t>
             </a:r>
           </a:p>
           <a:p>
             <a:pPr lvl="1"/>
             <a:r>
-              <a:rPr lang="es-ES" smtClean="0"/>
+              <a:rPr lang="es-ES"/>
               <a:t>Segundo nivel</a:t>
             </a:r>
           </a:p>
           <a:p>
             <a:pPr lvl="2"/>
             <a:r>
-              <a:rPr lang="es-ES" smtClean="0"/>
+              <a:rPr lang="es-ES"/>
               <a:t>Tercer nivel</a:t>
             </a:r>
           </a:p>
           <a:p>
             <a:pPr lvl="3"/>
             <a:r>
-              <a:rPr lang="es-ES" smtClean="0"/>
+              <a:rPr lang="es-ES"/>
               <a:t>Cuarto nivel</a:t>
             </a:r>
           </a:p>
           <a:p>
             <a:pPr lvl="4"/>
             <a:r>
-              <a:rPr lang="es-ES" smtClean="0"/>
+              <a:rPr lang="es-ES"/>
               <a:t>Quinto nivel</a:t>
             </a:r>
-            <a:endParaRPr lang="es-MX"/>
-          </a:p>
-        </p:txBody>
-      </p:sp>
-      <p:sp>
-        <p:nvSpPr>
-          <p:cNvPr id="4" name="Marcador de fecha 3"/>
+            <a:endParaRPr lang="en-US" dirty="0"/>
+          </a:p>
+        </p:txBody>
+      </p:sp>
+      <p:sp>
+        <p:nvSpPr>
+          <p:cNvPr id="4" name="Date Placeholder 3"/>
           <p:cNvSpPr>
             <a:spLocks noGrp="1"/>
           </p:cNvSpPr>
@@ -596,7 +2141,7 @@
       </p:sp>
       <p:sp>
         <p:nvSpPr>
-          <p:cNvPr id="5" name="Marcador de pie de página 4"/>
+          <p:cNvPr id="5" name="Footer Placeholder 4"/>
           <p:cNvSpPr>
             <a:spLocks noGrp="1"/>
           </p:cNvSpPr>
@@ -615,7 +2160,7 @@
       </p:sp>
       <p:sp>
         <p:nvSpPr>
-          <p:cNvPr id="6" name="Marcador de número de diapositiva 5"/>
+          <p:cNvPr id="6" name="Slide Number Placeholder 5"/>
           <p:cNvSpPr>
             <a:spLocks noGrp="1"/>
           </p:cNvSpPr>
@@ -639,7 +2184,7 @@
     </p:spTree>
     <p:extLst>
       <p:ext uri="{BB962C8B-B14F-4D97-AF65-F5344CB8AC3E}">
-        <p14:creationId xmlns:p14="http://schemas.microsoft.com/office/powerpoint/2010/main" val="3602614182"/>
+        <p14:creationId xmlns:p14="http://schemas.microsoft.com/office/powerpoint/2010/main" val="1636378535"/>
       </p:ext>
     </p:extLst>
   </p:cSld>
@@ -668,7 +2213,110 @@
       </p:grpSpPr>
       <p:sp>
         <p:nvSpPr>
-          <p:cNvPr id="2" name="Título 1"/>
+          <p:cNvPr id="11" name="Freeform 6"/>
+          <p:cNvSpPr/>
+          <p:nvPr/>
+        </p:nvSpPr>
+        <p:spPr bwMode="auto">
+          <a:xfrm>
+            <a:off x="0" y="0"/>
+            <a:ext cx="12192000" cy="2185988"/>
+          </a:xfrm>
+          <a:custGeom>
+            <a:avLst/>
+            <a:gdLst/>
+            <a:ahLst/>
+            <a:cxnLst/>
+            <a:rect l="0" t="0" r="r" b="b"/>
+            <a:pathLst>
+              <a:path w="5760" h="1377">
+                <a:moveTo>
+                  <a:pt x="5760" y="0"/>
+                </a:moveTo>
+                <a:lnTo>
+                  <a:pt x="0" y="0"/>
+                </a:lnTo>
+                <a:lnTo>
+                  <a:pt x="0" y="1189"/>
+                </a:lnTo>
+                <a:lnTo>
+                  <a:pt x="943" y="1189"/>
+                </a:lnTo>
+                <a:lnTo>
+                  <a:pt x="1123" y="1369"/>
+                </a:lnTo>
+                <a:lnTo>
+                  <a:pt x="1123" y="1369"/>
+                </a:lnTo>
+                <a:lnTo>
+                  <a:pt x="1127" y="1371"/>
+                </a:lnTo>
+                <a:lnTo>
+                  <a:pt x="1133" y="1374"/>
+                </a:lnTo>
+                <a:lnTo>
+                  <a:pt x="1139" y="1377"/>
+                </a:lnTo>
+                <a:lnTo>
+                  <a:pt x="1144" y="1377"/>
+                </a:lnTo>
+                <a:lnTo>
+                  <a:pt x="1150" y="1377"/>
+                </a:lnTo>
+                <a:lnTo>
+                  <a:pt x="1155" y="1374"/>
+                </a:lnTo>
+                <a:lnTo>
+                  <a:pt x="1161" y="1371"/>
+                </a:lnTo>
+                <a:lnTo>
+                  <a:pt x="1165" y="1369"/>
+                </a:lnTo>
+                <a:lnTo>
+                  <a:pt x="1345" y="1189"/>
+                </a:lnTo>
+                <a:lnTo>
+                  <a:pt x="5760" y="1189"/>
+                </a:lnTo>
+                <a:lnTo>
+                  <a:pt x="5760" y="0"/>
+                </a:lnTo>
+                <a:close/>
+              </a:path>
+            </a:pathLst>
+          </a:custGeom>
+          <a:ln/>
+          <a:extLst>
+            <a:ext uri="{91240B29-F687-4f45-9708-019B960494DF}">
+              <a14:hiddenLine xmlns:a14="http://schemas.microsoft.com/office/drawing/2010/main" xmlns="" w="9525">
+                <a:solidFill>
+                  <a:srgbClr val="000000"/>
+                </a:solidFill>
+                <a:round/>
+                <a:headEnd/>
+                <a:tailEnd/>
+              </a14:hiddenLine>
+            </a:ext>
+          </a:extLst>
+        </p:spPr>
+        <p:style>
+          <a:lnRef idx="1">
+            <a:schemeClr val="accent1"/>
+          </a:lnRef>
+          <a:fillRef idx="3">
+            <a:schemeClr val="accent1"/>
+          </a:fillRef>
+          <a:effectRef idx="2">
+            <a:schemeClr val="accent1"/>
+          </a:effectRef>
+          <a:fontRef idx="minor">
+            <a:schemeClr val="lt1"/>
+          </a:fontRef>
+        </p:style>
+      </p:sp>
+      <p:sp>
+        <p:nvSpPr>
+          <p:cNvPr id="2" name="Title 1"/>
           <p:cNvSpPr>
             <a:spLocks noGrp="1"/>
           </p:cNvSpPr>
@@ -676,22 +2324,27 @@
             <p:ph type="title"/>
           </p:nvPr>
         </p:nvSpPr>
-        <p:spPr/>
+        <p:spPr>
+          <a:xfrm>
+            <a:off x="810000" y="447188"/>
+            <a:ext cx="10571998" cy="970450"/>
+          </a:xfrm>
+        </p:spPr>
         <p:txBody>
           <a:bodyPr/>
           <a:lstStyle/>
           <a:p>
             <a:r>
-              <a:rPr lang="es-ES" smtClean="0"/>
+              <a:rPr lang="es-ES"/>
               <a:t>Haga clic para modificar el estilo de título del patrón</a:t>
             </a:r>
-            <a:endParaRPr lang="es-MX"/>
-          </a:p>
-        </p:txBody>
-      </p:sp>
-      <p:sp>
-        <p:nvSpPr>
-          <p:cNvPr id="3" name="Marcador de contenido 2"/>
+            <a:endParaRPr lang="en-US" dirty="0"/>
+          </a:p>
+        </p:txBody>
+      </p:sp>
+      <p:sp>
+        <p:nvSpPr>
+          <p:cNvPr id="3" name="Content Placeholder 2"/>
           <p:cNvSpPr>
             <a:spLocks noGrp="1"/>
           </p:cNvSpPr>
@@ -699,51 +2352,56 @@
             <p:ph idx="1"/>
           </p:nvPr>
         </p:nvSpPr>
-        <p:spPr/>
+        <p:spPr>
+          <a:xfrm>
+            <a:off x="818712" y="2222287"/>
+            <a:ext cx="10554574" cy="3636511"/>
+          </a:xfrm>
+        </p:spPr>
         <p:txBody>
           <a:bodyPr/>
           <a:lstStyle/>
           <a:p>
             <a:pPr lvl="0"/>
             <a:r>
-              <a:rPr lang="es-ES" smtClean="0"/>
-              <a:t>Haga clic para modificar el estilo de texto del patrón</a:t>
+              <a:rPr lang="es-ES"/>
+              <a:t>Haga clic para modificar los estilos de texto del patrón</a:t>
             </a:r>
           </a:p>
           <a:p>
             <a:pPr lvl="1"/>
             <a:r>
-              <a:rPr lang="es-ES" smtClean="0"/>
+              <a:rPr lang="es-ES"/>
               <a:t>Segundo nivel</a:t>
             </a:r>
           </a:p>
           <a:p>
             <a:pPr lvl="2"/>
             <a:r>
-              <a:rPr lang="es-ES" smtClean="0"/>
+              <a:rPr lang="es-ES"/>
               <a:t>Tercer nivel</a:t>
             </a:r>
           </a:p>
           <a:p>
             <a:pPr lvl="3"/>
             <a:r>
-              <a:rPr lang="es-ES" smtClean="0"/>
+              <a:rPr lang="es-ES"/>
               <a:t>Cuarto nivel</a:t>
             </a:r>
           </a:p>
           <a:p>
             <a:pPr lvl="4"/>
             <a:r>
-              <a:rPr lang="es-ES" smtClean="0"/>
+              <a:rPr lang="es-ES"/>
               <a:t>Quinto nivel</a:t>
             </a:r>
-            <a:endParaRPr lang="es-MX"/>
-          </a:p>
-        </p:txBody>
-      </p:sp>
-      <p:sp>
-        <p:nvSpPr>
-          <p:cNvPr id="4" name="Marcador de fecha 3"/>
+            <a:endParaRPr lang="en-US" dirty="0"/>
+          </a:p>
+        </p:txBody>
+      </p:sp>
+      <p:sp>
+        <p:nvSpPr>
+          <p:cNvPr id="4" name="Date Placeholder 3"/>
           <p:cNvSpPr>
             <a:spLocks noGrp="1"/>
           </p:cNvSpPr>
@@ -766,7 +2424,7 @@
       </p:sp>
       <p:sp>
         <p:nvSpPr>
-          <p:cNvPr id="5" name="Marcador de pie de página 4"/>
+          <p:cNvPr id="5" name="Footer Placeholder 4"/>
           <p:cNvSpPr>
             <a:spLocks noGrp="1"/>
           </p:cNvSpPr>
@@ -785,7 +2443,7 @@
       </p:sp>
       <p:sp>
         <p:nvSpPr>
-          <p:cNvPr id="6" name="Marcador de número de diapositiva 5"/>
+          <p:cNvPr id="6" name="Slide Number Placeholder 5"/>
           <p:cNvSpPr>
             <a:spLocks noGrp="1"/>
           </p:cNvSpPr>
@@ -809,7 +2467,7 @@
     </p:spTree>
     <p:extLst>
       <p:ext uri="{BB962C8B-B14F-4D97-AF65-F5344CB8AC3E}">
-        <p14:creationId xmlns:p14="http://schemas.microsoft.com/office/powerpoint/2010/main" val="3053204109"/>
+        <p14:creationId xmlns:p14="http://schemas.microsoft.com/office/powerpoint/2010/main" val="1013593412"/>
       </p:ext>
     </p:extLst>
   </p:cSld>
@@ -838,7 +2496,104 @@
       </p:grpSpPr>
       <p:sp>
         <p:nvSpPr>
-          <p:cNvPr id="2" name="Título 1"/>
+          <p:cNvPr id="10" name="Freeform 7"/>
+          <p:cNvSpPr/>
+          <p:nvPr/>
+        </p:nvSpPr>
+        <p:spPr bwMode="auto">
+          <a:xfrm>
+            <a:off x="0" y="1"/>
+            <a:ext cx="12192000" cy="5203825"/>
+          </a:xfrm>
+          <a:custGeom>
+            <a:avLst/>
+            <a:gdLst/>
+            <a:ahLst/>
+            <a:cxnLst/>
+            <a:rect l="0" t="0" r="r" b="b"/>
+            <a:pathLst>
+              <a:path w="5760" h="3278">
+                <a:moveTo>
+                  <a:pt x="0" y="0"/>
+                </a:moveTo>
+                <a:lnTo>
+                  <a:pt x="5760" y="0"/>
+                </a:lnTo>
+                <a:lnTo>
+                  <a:pt x="5760" y="3090"/>
+                </a:lnTo>
+                <a:lnTo>
+                  <a:pt x="4817" y="3090"/>
+                </a:lnTo>
+                <a:lnTo>
+                  <a:pt x="4637" y="3270"/>
+                </a:lnTo>
+                <a:lnTo>
+                  <a:pt x="4637" y="3270"/>
+                </a:lnTo>
+                <a:lnTo>
+                  <a:pt x="4633" y="3272"/>
+                </a:lnTo>
+                <a:lnTo>
+                  <a:pt x="4627" y="3275"/>
+                </a:lnTo>
+                <a:lnTo>
+                  <a:pt x="4621" y="3278"/>
+                </a:lnTo>
+                <a:lnTo>
+                  <a:pt x="4616" y="3278"/>
+                </a:lnTo>
+                <a:lnTo>
+                  <a:pt x="4610" y="3278"/>
+                </a:lnTo>
+                <a:lnTo>
+                  <a:pt x="4605" y="3275"/>
+                </a:lnTo>
+                <a:lnTo>
+                  <a:pt x="4599" y="3272"/>
+                </a:lnTo>
+                <a:lnTo>
+                  <a:pt x="4595" y="3270"/>
+                </a:lnTo>
+                <a:lnTo>
+                  <a:pt x="4415" y="3090"/>
+                </a:lnTo>
+                <a:lnTo>
+                  <a:pt x="0" y="3090"/>
+                </a:lnTo>
+                <a:lnTo>
+                  <a:pt x="0" y="0"/>
+                </a:lnTo>
+                <a:lnTo>
+                  <a:pt x="0" y="0"/>
+                </a:lnTo>
+                <a:close/>
+              </a:path>
+            </a:pathLst>
+          </a:custGeom>
+          <a:ln>
+            <a:headEnd/>
+            <a:tailEnd/>
+          </a:ln>
+        </p:spPr>
+        <p:style>
+          <a:lnRef idx="1">
+            <a:schemeClr val="accent1"/>
+          </a:lnRef>
+          <a:fillRef idx="3">
+            <a:schemeClr val="accent1"/>
+          </a:fillRef>
+          <a:effectRef idx="2">
+            <a:schemeClr val="accent1"/>
+          </a:effectRef>
+          <a:fontRef idx="minor">
+            <a:schemeClr val="lt1"/>
+          </a:fontRef>
+        </p:style>
+      </p:sp>
+      <p:sp>
+        <p:nvSpPr>
+          <p:cNvPr id="2" name="Title 1"/>
           <p:cNvSpPr>
             <a:spLocks noGrp="1"/>
           </p:cNvSpPr>
@@ -848,29 +2603,29 @@
         </p:nvSpPr>
         <p:spPr>
           <a:xfrm>
-            <a:off x="831850" y="1709738"/>
-            <a:ext cx="10515600" cy="2852737"/>
+            <a:off x="810000" y="2951396"/>
+            <a:ext cx="10561418" cy="1468800"/>
           </a:xfrm>
         </p:spPr>
         <p:txBody>
           <a:bodyPr anchor="b"/>
           <a:lstStyle>
-            <a:lvl1pPr>
-              <a:defRPr sz="6000"/>
+            <a:lvl1pPr algn="r">
+              <a:defRPr sz="4800" b="1" cap="none"/>
             </a:lvl1pPr>
           </a:lstStyle>
           <a:p>
             <a:r>
-              <a:rPr lang="es-ES" smtClean="0"/>
+              <a:rPr lang="es-ES"/>
               <a:t>Haga clic para modificar el estilo de título del patrón</a:t>
             </a:r>
-            <a:endParaRPr lang="es-MX"/>
-          </a:p>
-        </p:txBody>
-      </p:sp>
-      <p:sp>
-        <p:nvSpPr>
-          <p:cNvPr id="3" name="Marcador de texto 2"/>
+            <a:endParaRPr lang="en-US" dirty="0"/>
+          </a:p>
+        </p:txBody>
+      </p:sp>
+      <p:sp>
+        <p:nvSpPr>
+          <p:cNvPr id="3" name="Text Placeholder 2"/>
           <p:cNvSpPr>
             <a:spLocks noGrp="1"/>
           </p:cNvSpPr>
@@ -880,26 +2635,26 @@
         </p:nvSpPr>
         <p:spPr>
           <a:xfrm>
-            <a:off x="831850" y="4589463"/>
-            <a:ext cx="10515600" cy="1500187"/>
+            <a:off x="810000" y="5281201"/>
+            <a:ext cx="10561418" cy="433955"/>
           </a:xfrm>
         </p:spPr>
         <p:txBody>
-          <a:bodyPr/>
+          <a:bodyPr anchor="t">
+            <a:noAutofit/>
+          </a:bodyPr>
           <a:lstStyle>
-            <a:lvl1pPr marL="0" indent="0">
-              <a:buNone/>
-              <a:defRPr sz="2400">
+            <a:lvl1pPr marL="0" indent="0" algn="r">
+              <a:buNone/>
+              <a:defRPr sz="1800">
                 <a:solidFill>
-                  <a:schemeClr val="tx1">
-                    <a:tint val="75000"/>
-                  </a:schemeClr>
+                  <a:schemeClr val="tx1"/>
                 </a:solidFill>
               </a:defRPr>
             </a:lvl1pPr>
             <a:lvl2pPr marL="457200" indent="0">
               <a:buNone/>
-              <a:defRPr sz="2000">
+              <a:defRPr sz="1800">
                 <a:solidFill>
                   <a:schemeClr val="tx1">
                     <a:tint val="75000"/>
@@ -909,7 +2664,7 @@
             </a:lvl2pPr>
             <a:lvl3pPr marL="914400" indent="0">
               <a:buNone/>
-              <a:defRPr sz="1800">
+              <a:defRPr sz="1600">
                 <a:solidFill>
                   <a:schemeClr val="tx1">
                     <a:tint val="75000"/>
@@ -919,7 +2674,7 @@
             </a:lvl3pPr>
             <a:lvl4pPr marL="1371600" indent="0">
               <a:buNone/>
-              <a:defRPr sz="1600">
+              <a:defRPr sz="1400">
                 <a:solidFill>
                   <a:schemeClr val="tx1">
                     <a:tint val="75000"/>
@@ -929,7 +2684,7 @@
             </a:lvl4pPr>
             <a:lvl5pPr marL="1828800" indent="0">
               <a:buNone/>
-              <a:defRPr sz="1600">
+              <a:defRPr sz="1400">
                 <a:solidFill>
                   <a:schemeClr val="tx1">
                     <a:tint val="75000"/>
@@ -939,7 +2694,7 @@
             </a:lvl5pPr>
             <a:lvl6pPr marL="2286000" indent="0">
               <a:buNone/>
-              <a:defRPr sz="1600">
+              <a:defRPr sz="1400">
                 <a:solidFill>
                   <a:schemeClr val="tx1">
                     <a:tint val="75000"/>
@@ -949,7 +2704,7 @@
             </a:lvl6pPr>
             <a:lvl7pPr marL="2743200" indent="0">
               <a:buNone/>
-              <a:defRPr sz="1600">
+              <a:defRPr sz="1400">
                 <a:solidFill>
                   <a:schemeClr val="tx1">
                     <a:tint val="75000"/>
@@ -959,7 +2714,7 @@
             </a:lvl7pPr>
             <a:lvl8pPr marL="3200400" indent="0">
               <a:buNone/>
-              <a:defRPr sz="1600">
+              <a:defRPr sz="1400">
                 <a:solidFill>
                   <a:schemeClr val="tx1">
                     <a:tint val="75000"/>
@@ -969,7 +2724,7 @@
             </a:lvl8pPr>
             <a:lvl9pPr marL="3657600" indent="0">
               <a:buNone/>
-              <a:defRPr sz="1600">
+              <a:defRPr sz="1400">
                 <a:solidFill>
                   <a:schemeClr val="tx1">
                     <a:tint val="75000"/>
@@ -981,15 +2736,15 @@
           <a:p>
             <a:pPr lvl="0"/>
             <a:r>
-              <a:rPr lang="es-ES" smtClean="0"/>
-              <a:t>Haga clic para modificar el estilo de texto del patrón</a:t>
-            </a:r>
-          </a:p>
-        </p:txBody>
-      </p:sp>
-      <p:sp>
-        <p:nvSpPr>
-          <p:cNvPr id="4" name="Marcador de fecha 3"/>
+              <a:rPr lang="es-ES"/>
+              <a:t>Haga clic para modificar los estilos de texto del patrón</a:t>
+            </a:r>
+          </a:p>
+        </p:txBody>
+      </p:sp>
+      <p:sp>
+        <p:nvSpPr>
+          <p:cNvPr id="4" name="Date Placeholder 3"/>
           <p:cNvSpPr>
             <a:spLocks noGrp="1"/>
           </p:cNvSpPr>
@@ -1012,7 +2767,7 @@
       </p:sp>
       <p:sp>
         <p:nvSpPr>
-          <p:cNvPr id="5" name="Marcador de pie de página 4"/>
+          <p:cNvPr id="5" name="Footer Placeholder 4"/>
           <p:cNvSpPr>
             <a:spLocks noGrp="1"/>
           </p:cNvSpPr>
@@ -1031,7 +2786,7 @@
       </p:sp>
       <p:sp>
         <p:nvSpPr>
-          <p:cNvPr id="6" name="Marcador de número de diapositiva 5"/>
+          <p:cNvPr id="6" name="Slide Number Placeholder 5"/>
           <p:cNvSpPr>
             <a:spLocks noGrp="1"/>
           </p:cNvSpPr>
@@ -1055,7 +2810,7 @@
     </p:spTree>
     <p:extLst>
       <p:ext uri="{BB962C8B-B14F-4D97-AF65-F5344CB8AC3E}">
-        <p14:creationId xmlns:p14="http://schemas.microsoft.com/office/powerpoint/2010/main" val="2663434199"/>
+        <p14:creationId xmlns:p14="http://schemas.microsoft.com/office/powerpoint/2010/main" val="3949218133"/>
       </p:ext>
     </p:extLst>
   </p:cSld>
@@ -1084,7 +2839,110 @@
       </p:grpSpPr>
       <p:sp>
         <p:nvSpPr>
-          <p:cNvPr id="2" name="Título 1"/>
+          <p:cNvPr id="8" name="Freeform 6"/>
+          <p:cNvSpPr/>
+          <p:nvPr/>
+        </p:nvSpPr>
+        <p:spPr bwMode="auto">
+          <a:xfrm>
+            <a:off x="0" y="0"/>
+            <a:ext cx="12192000" cy="2185988"/>
+          </a:xfrm>
+          <a:custGeom>
+            <a:avLst/>
+            <a:gdLst/>
+            <a:ahLst/>
+            <a:cxnLst/>
+            <a:rect l="0" t="0" r="r" b="b"/>
+            <a:pathLst>
+              <a:path w="5760" h="1377">
+                <a:moveTo>
+                  <a:pt x="5760" y="0"/>
+                </a:moveTo>
+                <a:lnTo>
+                  <a:pt x="0" y="0"/>
+                </a:lnTo>
+                <a:lnTo>
+                  <a:pt x="0" y="1189"/>
+                </a:lnTo>
+                <a:lnTo>
+                  <a:pt x="943" y="1189"/>
+                </a:lnTo>
+                <a:lnTo>
+                  <a:pt x="1123" y="1369"/>
+                </a:lnTo>
+                <a:lnTo>
+                  <a:pt x="1123" y="1369"/>
+                </a:lnTo>
+                <a:lnTo>
+                  <a:pt x="1127" y="1371"/>
+                </a:lnTo>
+                <a:lnTo>
+                  <a:pt x="1133" y="1374"/>
+                </a:lnTo>
+                <a:lnTo>
+                  <a:pt x="1139" y="1377"/>
+                </a:lnTo>
+                <a:lnTo>
+                  <a:pt x="1144" y="1377"/>
+                </a:lnTo>
+                <a:lnTo>
+                  <a:pt x="1150" y="1377"/>
+                </a:lnTo>
+                <a:lnTo>
+                  <a:pt x="1155" y="1374"/>
+                </a:lnTo>
+                <a:lnTo>
+                  <a:pt x="1161" y="1371"/>
+                </a:lnTo>
+                <a:lnTo>
+                  <a:pt x="1165" y="1369"/>
+                </a:lnTo>
+                <a:lnTo>
+                  <a:pt x="1345" y="1189"/>
+                </a:lnTo>
+                <a:lnTo>
+                  <a:pt x="5760" y="1189"/>
+                </a:lnTo>
+                <a:lnTo>
+                  <a:pt x="5760" y="0"/>
+                </a:lnTo>
+                <a:close/>
+              </a:path>
+            </a:pathLst>
+          </a:custGeom>
+          <a:ln/>
+          <a:extLst>
+            <a:ext uri="{91240B29-F687-4f45-9708-019B960494DF}">
+              <a14:hiddenLine xmlns:a14="http://schemas.microsoft.com/office/drawing/2010/main" xmlns="" w="9525">
+                <a:solidFill>
+                  <a:srgbClr val="000000"/>
+                </a:solidFill>
+                <a:round/>
+                <a:headEnd/>
+                <a:tailEnd/>
+              </a14:hiddenLine>
+            </a:ext>
+          </a:extLst>
+        </p:spPr>
+        <p:style>
+          <a:lnRef idx="1">
+            <a:schemeClr val="accent1"/>
+          </a:lnRef>
+          <a:fillRef idx="3">
+            <a:schemeClr val="accent1"/>
+          </a:fillRef>
+          <a:effectRef idx="2">
+            <a:schemeClr val="accent1"/>
+          </a:effectRef>
+          <a:fontRef idx="minor">
+            <a:schemeClr val="lt1"/>
+          </a:fontRef>
+        </p:style>
+      </p:sp>
+      <p:sp>
+        <p:nvSpPr>
+          <p:cNvPr id="2" name="Title 1"/>
           <p:cNvSpPr>
             <a:spLocks noGrp="1"/>
           </p:cNvSpPr>
@@ -1098,16 +2956,16 @@
           <a:lstStyle/>
           <a:p>
             <a:r>
-              <a:rPr lang="es-ES" smtClean="0"/>
+              <a:rPr lang="es-ES"/>
               <a:t>Haga clic para modificar el estilo de título del patrón</a:t>
             </a:r>
-            <a:endParaRPr lang="es-MX"/>
-          </a:p>
-        </p:txBody>
-      </p:sp>
-      <p:sp>
-        <p:nvSpPr>
-          <p:cNvPr id="3" name="Marcador de contenido 2"/>
+            <a:endParaRPr lang="en-US" dirty="0"/>
+          </a:p>
+        </p:txBody>
+      </p:sp>
+      <p:sp>
+        <p:nvSpPr>
+          <p:cNvPr id="3" name="Content Placeholder 2"/>
           <p:cNvSpPr>
             <a:spLocks noGrp="1"/>
           </p:cNvSpPr>
@@ -1117,54 +2975,56 @@
         </p:nvSpPr>
         <p:spPr>
           <a:xfrm>
-            <a:off x="838200" y="1825625"/>
-            <a:ext cx="5181600" cy="4351338"/>
+            <a:off x="818712" y="2222287"/>
+            <a:ext cx="5185873" cy="3638763"/>
           </a:xfrm>
         </p:spPr>
         <p:txBody>
-          <a:bodyPr/>
+          <a:bodyPr>
+            <a:normAutofit/>
+          </a:bodyPr>
           <a:lstStyle/>
           <a:p>
             <a:pPr lvl="0"/>
             <a:r>
-              <a:rPr lang="es-ES" smtClean="0"/>
-              <a:t>Haga clic para modificar el estilo de texto del patrón</a:t>
+              <a:rPr lang="es-ES"/>
+              <a:t>Haga clic para modificar los estilos de texto del patrón</a:t>
             </a:r>
           </a:p>
           <a:p>
             <a:pPr lvl="1"/>
             <a:r>
-              <a:rPr lang="es-ES" smtClean="0"/>
+              <a:rPr lang="es-ES"/>
               <a:t>Segundo nivel</a:t>
             </a:r>
           </a:p>
           <a:p>
             <a:pPr lvl="2"/>
             <a:r>
-              <a:rPr lang="es-ES" smtClean="0"/>
+              <a:rPr lang="es-ES"/>
               <a:t>Tercer nivel</a:t>
             </a:r>
           </a:p>
           <a:p>
             <a:pPr lvl="3"/>
             <a:r>
-              <a:rPr lang="es-ES" smtClean="0"/>
+              <a:rPr lang="es-ES"/>
               <a:t>Cuarto nivel</a:t>
             </a:r>
           </a:p>
           <a:p>
             <a:pPr lvl="4"/>
             <a:r>
-              <a:rPr lang="es-ES" smtClean="0"/>
+              <a:rPr lang="es-ES"/>
               <a:t>Quinto nivel</a:t>
             </a:r>
-            <a:endParaRPr lang="es-MX"/>
-          </a:p>
-        </p:txBody>
-      </p:sp>
-      <p:sp>
-        <p:nvSpPr>
-          <p:cNvPr id="4" name="Marcador de contenido 3"/>
+            <a:endParaRPr lang="en-US" dirty="0"/>
+          </a:p>
+        </p:txBody>
+      </p:sp>
+      <p:sp>
+        <p:nvSpPr>
+          <p:cNvPr id="4" name="Content Placeholder 3"/>
           <p:cNvSpPr>
             <a:spLocks noGrp="1"/>
           </p:cNvSpPr>
@@ -1174,54 +3034,56 @@
         </p:nvSpPr>
         <p:spPr>
           <a:xfrm>
-            <a:off x="6172200" y="1825625"/>
-            <a:ext cx="5181600" cy="4351338"/>
+            <a:off x="6187415" y="2222287"/>
+            <a:ext cx="5194583" cy="3638764"/>
           </a:xfrm>
         </p:spPr>
         <p:txBody>
-          <a:bodyPr/>
+          <a:bodyPr>
+            <a:normAutofit/>
+          </a:bodyPr>
           <a:lstStyle/>
           <a:p>
             <a:pPr lvl="0"/>
             <a:r>
-              <a:rPr lang="es-ES" smtClean="0"/>
-              <a:t>Haga clic para modificar el estilo de texto del patrón</a:t>
+              <a:rPr lang="es-ES"/>
+              <a:t>Haga clic para modificar los estilos de texto del patrón</a:t>
             </a:r>
           </a:p>
           <a:p>
             <a:pPr lvl="1"/>
             <a:r>
-              <a:rPr lang="es-ES" smtClean="0"/>
+              <a:rPr lang="es-ES"/>
               <a:t>Segundo nivel</a:t>
             </a:r>
           </a:p>
           <a:p>
             <a:pPr lvl="2"/>
             <a:r>
-              <a:rPr lang="es-ES" smtClean="0"/>
+              <a:rPr lang="es-ES"/>
               <a:t>Tercer nivel</a:t>
             </a:r>
           </a:p>
           <a:p>
             <a:pPr lvl="3"/>
             <a:r>
-              <a:rPr lang="es-ES" smtClean="0"/>
+              <a:rPr lang="es-ES"/>
               <a:t>Cuarto nivel</a:t>
             </a:r>
           </a:p>
           <a:p>
             <a:pPr lvl="4"/>
             <a:r>
-              <a:rPr lang="es-ES" smtClean="0"/>
+              <a:rPr lang="es-ES"/>
               <a:t>Quinto nivel</a:t>
             </a:r>
-            <a:endParaRPr lang="es-MX"/>
-          </a:p>
-        </p:txBody>
-      </p:sp>
-      <p:sp>
-        <p:nvSpPr>
-          <p:cNvPr id="5" name="Marcador de fecha 4"/>
+            <a:endParaRPr lang="en-US" dirty="0"/>
+          </a:p>
+        </p:txBody>
+      </p:sp>
+      <p:sp>
+        <p:nvSpPr>
+          <p:cNvPr id="5" name="Date Placeholder 4"/>
           <p:cNvSpPr>
             <a:spLocks noGrp="1"/>
           </p:cNvSpPr>
@@ -1244,7 +3106,7 @@
       </p:sp>
       <p:sp>
         <p:nvSpPr>
-          <p:cNvPr id="6" name="Marcador de pie de página 5"/>
+          <p:cNvPr id="6" name="Footer Placeholder 5"/>
           <p:cNvSpPr>
             <a:spLocks noGrp="1"/>
           </p:cNvSpPr>
@@ -1263,7 +3125,7 @@
       </p:sp>
       <p:sp>
         <p:nvSpPr>
-          <p:cNvPr id="7" name="Marcador de número de diapositiva 6"/>
+          <p:cNvPr id="7" name="Slide Number Placeholder 6"/>
           <p:cNvSpPr>
             <a:spLocks noGrp="1"/>
           </p:cNvSpPr>
@@ -1287,7 +3149,7 @@
     </p:spTree>
     <p:extLst>
       <p:ext uri="{BB962C8B-B14F-4D97-AF65-F5344CB8AC3E}">
-        <p14:creationId xmlns:p14="http://schemas.microsoft.com/office/powerpoint/2010/main" val="3838904543"/>
+        <p14:creationId xmlns:p14="http://schemas.microsoft.com/office/powerpoint/2010/main" val="1623185868"/>
       </p:ext>
     </p:extLst>
   </p:cSld>
@@ -1316,54 +3178,158 @@
       </p:grpSpPr>
       <p:sp>
         <p:nvSpPr>
-          <p:cNvPr id="2" name="Título 1"/>
+          <p:cNvPr id="10" name="Freeform 6"/>
+          <p:cNvSpPr/>
+          <p:nvPr/>
+        </p:nvSpPr>
+        <p:spPr bwMode="auto">
+          <a:xfrm>
+            <a:off x="0" y="0"/>
+            <a:ext cx="12192000" cy="2185988"/>
+          </a:xfrm>
+          <a:custGeom>
+            <a:avLst/>
+            <a:gdLst/>
+            <a:ahLst/>
+            <a:cxnLst/>
+            <a:rect l="0" t="0" r="r" b="b"/>
+            <a:pathLst>
+              <a:path w="5760" h="1377">
+                <a:moveTo>
+                  <a:pt x="5760" y="0"/>
+                </a:moveTo>
+                <a:lnTo>
+                  <a:pt x="0" y="0"/>
+                </a:lnTo>
+                <a:lnTo>
+                  <a:pt x="0" y="1189"/>
+                </a:lnTo>
+                <a:lnTo>
+                  <a:pt x="943" y="1189"/>
+                </a:lnTo>
+                <a:lnTo>
+                  <a:pt x="1123" y="1369"/>
+                </a:lnTo>
+                <a:lnTo>
+                  <a:pt x="1123" y="1369"/>
+                </a:lnTo>
+                <a:lnTo>
+                  <a:pt x="1127" y="1371"/>
+                </a:lnTo>
+                <a:lnTo>
+                  <a:pt x="1133" y="1374"/>
+                </a:lnTo>
+                <a:lnTo>
+                  <a:pt x="1139" y="1377"/>
+                </a:lnTo>
+                <a:lnTo>
+                  <a:pt x="1144" y="1377"/>
+                </a:lnTo>
+                <a:lnTo>
+                  <a:pt x="1150" y="1377"/>
+                </a:lnTo>
+                <a:lnTo>
+                  <a:pt x="1155" y="1374"/>
+                </a:lnTo>
+                <a:lnTo>
+                  <a:pt x="1161" y="1371"/>
+                </a:lnTo>
+                <a:lnTo>
+                  <a:pt x="1165" y="1369"/>
+                </a:lnTo>
+                <a:lnTo>
+                  <a:pt x="1345" y="1189"/>
+                </a:lnTo>
+                <a:lnTo>
+                  <a:pt x="5760" y="1189"/>
+                </a:lnTo>
+                <a:lnTo>
+                  <a:pt x="5760" y="0"/>
+                </a:lnTo>
+                <a:close/>
+              </a:path>
+            </a:pathLst>
+          </a:custGeom>
+          <a:ln/>
+          <a:extLst>
+            <a:ext uri="{91240B29-F687-4f45-9708-019B960494DF}">
+              <a14:hiddenLine xmlns:a14="http://schemas.microsoft.com/office/drawing/2010/main" xmlns="" w="9525">
+                <a:solidFill>
+                  <a:srgbClr val="000000"/>
+                </a:solidFill>
+                <a:round/>
+                <a:headEnd/>
+                <a:tailEnd/>
+              </a14:hiddenLine>
+            </a:ext>
+          </a:extLst>
+        </p:spPr>
+        <p:style>
+          <a:lnRef idx="1">
+            <a:schemeClr val="accent1"/>
+          </a:lnRef>
+          <a:fillRef idx="3">
+            <a:schemeClr val="accent1"/>
+          </a:fillRef>
+          <a:effectRef idx="2">
+            <a:schemeClr val="accent1"/>
+          </a:effectRef>
+          <a:fontRef idx="minor">
+            <a:schemeClr val="lt1"/>
+          </a:fontRef>
+        </p:style>
+      </p:sp>
+      <p:sp>
+        <p:nvSpPr>
+          <p:cNvPr id="2" name="Title 1"/>
           <p:cNvSpPr>
             <a:spLocks noGrp="1"/>
           </p:cNvSpPr>
           <p:nvPr>
             <p:ph type="title"/>
+          </p:nvPr>
+        </p:nvSpPr>
+        <p:spPr/>
+        <p:txBody>
+          <a:bodyPr/>
+          <a:lstStyle>
+            <a:lvl1pPr>
+              <a:defRPr/>
+            </a:lvl1pPr>
+          </a:lstStyle>
+          <a:p>
+            <a:r>
+              <a:rPr lang="es-ES"/>
+              <a:t>Haga clic para modificar el estilo de título del patrón</a:t>
+            </a:r>
+            <a:endParaRPr lang="en-US" dirty="0"/>
+          </a:p>
+        </p:txBody>
+      </p:sp>
+      <p:sp>
+        <p:nvSpPr>
+          <p:cNvPr id="3" name="Text Placeholder 2"/>
+          <p:cNvSpPr>
+            <a:spLocks noGrp="1"/>
+          </p:cNvSpPr>
+          <p:nvPr>
+            <p:ph type="body" idx="1"/>
           </p:nvPr>
         </p:nvSpPr>
         <p:spPr>
           <a:xfrm>
-            <a:off x="839788" y="365125"/>
-            <a:ext cx="10515600" cy="1325563"/>
+            <a:off x="814728" y="2174875"/>
+            <a:ext cx="5189857" cy="576262"/>
           </a:xfrm>
         </p:spPr>
         <p:txBody>
-          <a:bodyPr/>
-          <a:lstStyle/>
-          <a:p>
-            <a:r>
-              <a:rPr lang="es-ES" smtClean="0"/>
-              <a:t>Haga clic para modificar el estilo de título del patrón</a:t>
-            </a:r>
-            <a:endParaRPr lang="es-MX"/>
-          </a:p>
-        </p:txBody>
-      </p:sp>
-      <p:sp>
-        <p:nvSpPr>
-          <p:cNvPr id="3" name="Marcador de texto 2"/>
-          <p:cNvSpPr>
-            <a:spLocks noGrp="1"/>
-          </p:cNvSpPr>
-          <p:nvPr>
-            <p:ph type="body" idx="1"/>
-          </p:nvPr>
-        </p:nvSpPr>
-        <p:spPr>
-          <a:xfrm>
-            <a:off x="839788" y="1681163"/>
-            <a:ext cx="5157787" cy="823912"/>
-          </a:xfrm>
-        </p:spPr>
-        <p:txBody>
-          <a:bodyPr anchor="b"/>
+          <a:bodyPr anchor="b">
+            <a:noAutofit/>
+          </a:bodyPr>
           <a:lstStyle>
-            <a:lvl1pPr marL="0" indent="0">
-              <a:buNone/>
-              <a:defRPr sz="2400" b="1"/>
+            <a:lvl1pPr marL="0" indent="0" algn="ctr">
+              <a:buNone/>
+              <a:defRPr sz="2000" b="0"/>
             </a:lvl1pPr>
             <a:lvl2pPr marL="457200" indent="0">
               <a:buNone/>
@@ -1401,15 +3367,15 @@
           <a:p>
             <a:pPr lvl="0"/>
             <a:r>
-              <a:rPr lang="es-ES" smtClean="0"/>
-              <a:t>Haga clic para modificar el estilo de texto del patrón</a:t>
-            </a:r>
-          </a:p>
-        </p:txBody>
-      </p:sp>
-      <p:sp>
-        <p:nvSpPr>
-          <p:cNvPr id="4" name="Marcador de contenido 3"/>
+              <a:rPr lang="es-ES"/>
+              <a:t>Haga clic para modificar los estilos de texto del patrón</a:t>
+            </a:r>
+          </a:p>
+        </p:txBody>
+      </p:sp>
+      <p:sp>
+        <p:nvSpPr>
+          <p:cNvPr id="4" name="Content Placeholder 3"/>
           <p:cNvSpPr>
             <a:spLocks noGrp="1"/>
           </p:cNvSpPr>
@@ -1419,54 +3385,56 @@
         </p:nvSpPr>
         <p:spPr>
           <a:xfrm>
-            <a:off x="839788" y="2505075"/>
-            <a:ext cx="5157787" cy="3684588"/>
+            <a:off x="814729" y="2751138"/>
+            <a:ext cx="5189856" cy="3109913"/>
           </a:xfrm>
         </p:spPr>
         <p:txBody>
-          <a:bodyPr/>
+          <a:bodyPr anchor="t">
+            <a:normAutofit/>
+          </a:bodyPr>
           <a:lstStyle/>
           <a:p>
             <a:pPr lvl="0"/>
             <a:r>
-              <a:rPr lang="es-ES" smtClean="0"/>
-              <a:t>Haga clic para modificar el estilo de texto del patrón</a:t>
+              <a:rPr lang="es-ES"/>
+              <a:t>Haga clic para modificar los estilos de texto del patrón</a:t>
             </a:r>
           </a:p>
           <a:p>
             <a:pPr lvl="1"/>
             <a:r>
-              <a:rPr lang="es-ES" smtClean="0"/>
+              <a:rPr lang="es-ES"/>
               <a:t>Segundo nivel</a:t>
             </a:r>
           </a:p>
           <a:p>
             <a:pPr lvl="2"/>
             <a:r>
-              <a:rPr lang="es-ES" smtClean="0"/>
+              <a:rPr lang="es-ES"/>
               <a:t>Tercer nivel</a:t>
             </a:r>
           </a:p>
           <a:p>
             <a:pPr lvl="3"/>
             <a:r>
-              <a:rPr lang="es-ES" smtClean="0"/>
+              <a:rPr lang="es-ES"/>
               <a:t>Cuarto nivel</a:t>
             </a:r>
           </a:p>
           <a:p>
             <a:pPr lvl="4"/>
             <a:r>
-              <a:rPr lang="es-ES" smtClean="0"/>
+              <a:rPr lang="es-ES"/>
               <a:t>Quinto nivel</a:t>
             </a:r>
-            <a:endParaRPr lang="es-MX"/>
-          </a:p>
-        </p:txBody>
-      </p:sp>
-      <p:sp>
-        <p:nvSpPr>
-          <p:cNvPr id="5" name="Marcador de texto 4"/>
+            <a:endParaRPr lang="en-US" dirty="0"/>
+          </a:p>
+        </p:txBody>
+      </p:sp>
+      <p:sp>
+        <p:nvSpPr>
+          <p:cNvPr id="5" name="Text Placeholder 4"/>
           <p:cNvSpPr>
             <a:spLocks noGrp="1"/>
           </p:cNvSpPr>
@@ -1476,16 +3444,18 @@
         </p:nvSpPr>
         <p:spPr>
           <a:xfrm>
-            <a:off x="6172200" y="1681163"/>
-            <a:ext cx="5183188" cy="823912"/>
+            <a:off x="6187415" y="2174875"/>
+            <a:ext cx="5194583" cy="576262"/>
           </a:xfrm>
         </p:spPr>
         <p:txBody>
-          <a:bodyPr anchor="b"/>
+          <a:bodyPr anchor="b">
+            <a:noAutofit/>
+          </a:bodyPr>
           <a:lstStyle>
-            <a:lvl1pPr marL="0" indent="0">
-              <a:buNone/>
-              <a:defRPr sz="2400" b="1"/>
+            <a:lvl1pPr marL="0" indent="0" algn="ctr">
+              <a:buNone/>
+              <a:defRPr sz="2000" b="0"/>
             </a:lvl1pPr>
             <a:lvl2pPr marL="457200" indent="0">
               <a:buNone/>
@@ -1523,15 +3493,15 @@
           <a:p>
             <a:pPr lvl="0"/>
             <a:r>
-              <a:rPr lang="es-ES" smtClean="0"/>
-              <a:t>Haga clic para modificar el estilo de texto del patrón</a:t>
-            </a:r>
-          </a:p>
-        </p:txBody>
-      </p:sp>
-      <p:sp>
-        <p:nvSpPr>
-          <p:cNvPr id="6" name="Marcador de contenido 5"/>
+              <a:rPr lang="es-ES"/>
+              <a:t>Haga clic para modificar los estilos de texto del patrón</a:t>
+            </a:r>
+          </a:p>
+        </p:txBody>
+      </p:sp>
+      <p:sp>
+        <p:nvSpPr>
+          <p:cNvPr id="6" name="Content Placeholder 5"/>
           <p:cNvSpPr>
             <a:spLocks noGrp="1"/>
           </p:cNvSpPr>
@@ -1541,54 +3511,56 @@
         </p:nvSpPr>
         <p:spPr>
           <a:xfrm>
-            <a:off x="6172200" y="2505075"/>
-            <a:ext cx="5183188" cy="3684588"/>
+            <a:off x="6187415" y="2751138"/>
+            <a:ext cx="5194583" cy="3109913"/>
           </a:xfrm>
         </p:spPr>
         <p:txBody>
-          <a:bodyPr/>
+          <a:bodyPr anchor="t">
+            <a:normAutofit/>
+          </a:bodyPr>
           <a:lstStyle/>
           <a:p>
             <a:pPr lvl="0"/>
             <a:r>
-              <a:rPr lang="es-ES" smtClean="0"/>
-              <a:t>Haga clic para modificar el estilo de texto del patrón</a:t>
+              <a:rPr lang="es-ES"/>
+              <a:t>Haga clic para modificar los estilos de texto del patrón</a:t>
             </a:r>
           </a:p>
           <a:p>
             <a:pPr lvl="1"/>
             <a:r>
-              <a:rPr lang="es-ES" smtClean="0"/>
+              <a:rPr lang="es-ES"/>
               <a:t>Segundo nivel</a:t>
             </a:r>
           </a:p>
           <a:p>
             <a:pPr lvl="2"/>
             <a:r>
-              <a:rPr lang="es-ES" smtClean="0"/>
+              <a:rPr lang="es-ES"/>
               <a:t>Tercer nivel</a:t>
             </a:r>
           </a:p>
           <a:p>
             <a:pPr lvl="3"/>
             <a:r>
-              <a:rPr lang="es-ES" smtClean="0"/>
+              <a:rPr lang="es-ES"/>
               <a:t>Cuarto nivel</a:t>
             </a:r>
           </a:p>
           <a:p>
             <a:pPr lvl="4"/>
             <a:r>
-              <a:rPr lang="es-ES" smtClean="0"/>
+              <a:rPr lang="es-ES"/>
               <a:t>Quinto nivel</a:t>
             </a:r>
-            <a:endParaRPr lang="es-MX"/>
-          </a:p>
-        </p:txBody>
-      </p:sp>
-      <p:sp>
-        <p:nvSpPr>
-          <p:cNvPr id="7" name="Marcador de fecha 6"/>
+            <a:endParaRPr lang="en-US" dirty="0"/>
+          </a:p>
+        </p:txBody>
+      </p:sp>
+      <p:sp>
+        <p:nvSpPr>
+          <p:cNvPr id="7" name="Date Placeholder 6"/>
           <p:cNvSpPr>
             <a:spLocks noGrp="1"/>
           </p:cNvSpPr>
@@ -1611,7 +3583,7 @@
       </p:sp>
       <p:sp>
         <p:nvSpPr>
-          <p:cNvPr id="8" name="Marcador de pie de página 7"/>
+          <p:cNvPr id="8" name="Footer Placeholder 7"/>
           <p:cNvSpPr>
             <a:spLocks noGrp="1"/>
           </p:cNvSpPr>
@@ -1630,7 +3602,7 @@
       </p:sp>
       <p:sp>
         <p:nvSpPr>
-          <p:cNvPr id="9" name="Marcador de número de diapositiva 8"/>
+          <p:cNvPr id="9" name="Slide Number Placeholder 8"/>
           <p:cNvSpPr>
             <a:spLocks noGrp="1"/>
           </p:cNvSpPr>
@@ -1654,7 +3626,7 @@
     </p:spTree>
     <p:extLst>
       <p:ext uri="{BB962C8B-B14F-4D97-AF65-F5344CB8AC3E}">
-        <p14:creationId xmlns:p14="http://schemas.microsoft.com/office/powerpoint/2010/main" val="3431159363"/>
+        <p14:creationId xmlns:p14="http://schemas.microsoft.com/office/powerpoint/2010/main" val="2248467896"/>
       </p:ext>
     </p:extLst>
   </p:cSld>
@@ -1683,7 +3655,110 @@
       </p:grpSpPr>
       <p:sp>
         <p:nvSpPr>
-          <p:cNvPr id="2" name="Título 1"/>
+          <p:cNvPr id="6" name="Freeform 6"/>
+          <p:cNvSpPr/>
+          <p:nvPr/>
+        </p:nvSpPr>
+        <p:spPr bwMode="auto">
+          <a:xfrm>
+            <a:off x="0" y="0"/>
+            <a:ext cx="12192000" cy="2185988"/>
+          </a:xfrm>
+          <a:custGeom>
+            <a:avLst/>
+            <a:gdLst/>
+            <a:ahLst/>
+            <a:cxnLst/>
+            <a:rect l="0" t="0" r="r" b="b"/>
+            <a:pathLst>
+              <a:path w="5760" h="1377">
+                <a:moveTo>
+                  <a:pt x="5760" y="0"/>
+                </a:moveTo>
+                <a:lnTo>
+                  <a:pt x="0" y="0"/>
+                </a:lnTo>
+                <a:lnTo>
+                  <a:pt x="0" y="1189"/>
+                </a:lnTo>
+                <a:lnTo>
+                  <a:pt x="943" y="1189"/>
+                </a:lnTo>
+                <a:lnTo>
+                  <a:pt x="1123" y="1369"/>
+                </a:lnTo>
+                <a:lnTo>
+                  <a:pt x="1123" y="1369"/>
+                </a:lnTo>
+                <a:lnTo>
+                  <a:pt x="1127" y="1371"/>
+                </a:lnTo>
+                <a:lnTo>
+                  <a:pt x="1133" y="1374"/>
+                </a:lnTo>
+                <a:lnTo>
+                  <a:pt x="1139" y="1377"/>
+                </a:lnTo>
+                <a:lnTo>
+                  <a:pt x="1144" y="1377"/>
+                </a:lnTo>
+                <a:lnTo>
+                  <a:pt x="1150" y="1377"/>
+                </a:lnTo>
+                <a:lnTo>
+                  <a:pt x="1155" y="1374"/>
+                </a:lnTo>
+                <a:lnTo>
+                  <a:pt x="1161" y="1371"/>
+                </a:lnTo>
+                <a:lnTo>
+                  <a:pt x="1165" y="1369"/>
+                </a:lnTo>
+                <a:lnTo>
+                  <a:pt x="1345" y="1189"/>
+                </a:lnTo>
+                <a:lnTo>
+                  <a:pt x="5760" y="1189"/>
+                </a:lnTo>
+                <a:lnTo>
+                  <a:pt x="5760" y="0"/>
+                </a:lnTo>
+                <a:close/>
+              </a:path>
+            </a:pathLst>
+          </a:custGeom>
+          <a:ln/>
+          <a:extLst>
+            <a:ext uri="{91240B29-F687-4f45-9708-019B960494DF}">
+              <a14:hiddenLine xmlns:a14="http://schemas.microsoft.com/office/drawing/2010/main" xmlns="" w="9525">
+                <a:solidFill>
+                  <a:srgbClr val="000000"/>
+                </a:solidFill>
+                <a:round/>
+                <a:headEnd/>
+                <a:tailEnd/>
+              </a14:hiddenLine>
+            </a:ext>
+          </a:extLst>
+        </p:spPr>
+        <p:style>
+          <a:lnRef idx="1">
+            <a:schemeClr val="accent1"/>
+          </a:lnRef>
+          <a:fillRef idx="3">
+            <a:schemeClr val="accent1"/>
+          </a:fillRef>
+          <a:effectRef idx="2">
+            <a:schemeClr val="accent1"/>
+          </a:effectRef>
+          <a:fontRef idx="minor">
+            <a:schemeClr val="lt1"/>
+          </a:fontRef>
+        </p:style>
+      </p:sp>
+      <p:sp>
+        <p:nvSpPr>
+          <p:cNvPr id="2" name="Title 1"/>
           <p:cNvSpPr>
             <a:spLocks noGrp="1"/>
           </p:cNvSpPr>
@@ -1697,16 +3772,16 @@
           <a:lstStyle/>
           <a:p>
             <a:r>
-              <a:rPr lang="es-ES" smtClean="0"/>
+              <a:rPr lang="es-ES"/>
               <a:t>Haga clic para modificar el estilo de título del patrón</a:t>
             </a:r>
-            <a:endParaRPr lang="es-MX"/>
-          </a:p>
-        </p:txBody>
-      </p:sp>
-      <p:sp>
-        <p:nvSpPr>
-          <p:cNvPr id="3" name="Marcador de fecha 2"/>
+            <a:endParaRPr lang="en-US" dirty="0"/>
+          </a:p>
+        </p:txBody>
+      </p:sp>
+      <p:sp>
+        <p:nvSpPr>
+          <p:cNvPr id="3" name="Date Placeholder 2"/>
           <p:cNvSpPr>
             <a:spLocks noGrp="1"/>
           </p:cNvSpPr>
@@ -1729,7 +3804,7 @@
       </p:sp>
       <p:sp>
         <p:nvSpPr>
-          <p:cNvPr id="4" name="Marcador de pie de página 3"/>
+          <p:cNvPr id="4" name="Footer Placeholder 3"/>
           <p:cNvSpPr>
             <a:spLocks noGrp="1"/>
           </p:cNvSpPr>
@@ -1748,7 +3823,7 @@
       </p:sp>
       <p:sp>
         <p:nvSpPr>
-          <p:cNvPr id="5" name="Marcador de número de diapositiva 4"/>
+          <p:cNvPr id="5" name="Slide Number Placeholder 4"/>
           <p:cNvSpPr>
             <a:spLocks noGrp="1"/>
           </p:cNvSpPr>
@@ -1772,7 +3847,7 @@
     </p:spTree>
     <p:extLst>
       <p:ext uri="{BB962C8B-B14F-4D97-AF65-F5344CB8AC3E}">
-        <p14:creationId xmlns:p14="http://schemas.microsoft.com/office/powerpoint/2010/main" val="1724056790"/>
+        <p14:creationId xmlns:p14="http://schemas.microsoft.com/office/powerpoint/2010/main" val="3501608471"/>
       </p:ext>
     </p:extLst>
   </p:cSld>
@@ -1801,7 +3876,7 @@
       </p:grpSpPr>
       <p:sp>
         <p:nvSpPr>
-          <p:cNvPr id="2" name="Marcador de fecha 1"/>
+          <p:cNvPr id="2" name="Date Placeholder 1"/>
           <p:cNvSpPr>
             <a:spLocks noGrp="1"/>
           </p:cNvSpPr>
@@ -1824,7 +3899,7 @@
       </p:sp>
       <p:sp>
         <p:nvSpPr>
-          <p:cNvPr id="3" name="Marcador de pie de página 2"/>
+          <p:cNvPr id="3" name="Footer Placeholder 2"/>
           <p:cNvSpPr>
             <a:spLocks noGrp="1"/>
           </p:cNvSpPr>
@@ -1843,7 +3918,7 @@
       </p:sp>
       <p:sp>
         <p:nvSpPr>
-          <p:cNvPr id="4" name="Marcador de número de diapositiva 3"/>
+          <p:cNvPr id="4" name="Slide Number Placeholder 3"/>
           <p:cNvSpPr>
             <a:spLocks noGrp="1"/>
           </p:cNvSpPr>
@@ -1867,7 +3942,7 @@
     </p:spTree>
     <p:extLst>
       <p:ext uri="{BB962C8B-B14F-4D97-AF65-F5344CB8AC3E}">
-        <p14:creationId xmlns:p14="http://schemas.microsoft.com/office/powerpoint/2010/main" val="3191092449"/>
+        <p14:creationId xmlns:p14="http://schemas.microsoft.com/office/powerpoint/2010/main" val="3395185140"/>
       </p:ext>
     </p:extLst>
   </p:cSld>
@@ -1896,7 +3971,223 @@
       </p:grpSpPr>
       <p:sp>
         <p:nvSpPr>
-          <p:cNvPr id="2" name="Título 1"/>
+          <p:cNvPr id="12" name="Freeform 6"/>
+          <p:cNvSpPr>
+            <a:spLocks noChangeAspect="1"/>
+          </p:cNvSpPr>
+          <p:nvPr/>
+        </p:nvSpPr>
+        <p:spPr bwMode="auto">
+          <a:xfrm>
+            <a:off x="1073151" y="446087"/>
+            <a:ext cx="3547533" cy="1814651"/>
+          </a:xfrm>
+          <a:custGeom>
+            <a:avLst/>
+            <a:gdLst/>
+            <a:ahLst/>
+            <a:cxnLst/>
+            <a:rect l="0" t="0" r="r" b="b"/>
+            <a:pathLst>
+              <a:path w="3384" h="2308">
+                <a:moveTo>
+                  <a:pt x="3340" y="0"/>
+                </a:moveTo>
+                <a:lnTo>
+                  <a:pt x="44" y="0"/>
+                </a:lnTo>
+                <a:lnTo>
+                  <a:pt x="44" y="0"/>
+                </a:lnTo>
+                <a:lnTo>
+                  <a:pt x="34" y="0"/>
+                </a:lnTo>
+                <a:lnTo>
+                  <a:pt x="26" y="4"/>
+                </a:lnTo>
+                <a:lnTo>
+                  <a:pt x="20" y="8"/>
+                </a:lnTo>
+                <a:lnTo>
+                  <a:pt x="12" y="12"/>
+                </a:lnTo>
+                <a:lnTo>
+                  <a:pt x="8" y="20"/>
+                </a:lnTo>
+                <a:lnTo>
+                  <a:pt x="4" y="26"/>
+                </a:lnTo>
+                <a:lnTo>
+                  <a:pt x="0" y="34"/>
+                </a:lnTo>
+                <a:lnTo>
+                  <a:pt x="0" y="44"/>
+                </a:lnTo>
+                <a:lnTo>
+                  <a:pt x="0" y="2076"/>
+                </a:lnTo>
+                <a:lnTo>
+                  <a:pt x="0" y="2076"/>
+                </a:lnTo>
+                <a:lnTo>
+                  <a:pt x="0" y="2086"/>
+                </a:lnTo>
+                <a:lnTo>
+                  <a:pt x="4" y="2094"/>
+                </a:lnTo>
+                <a:lnTo>
+                  <a:pt x="8" y="2100"/>
+                </a:lnTo>
+                <a:lnTo>
+                  <a:pt x="12" y="2108"/>
+                </a:lnTo>
+                <a:lnTo>
+                  <a:pt x="20" y="2112"/>
+                </a:lnTo>
+                <a:lnTo>
+                  <a:pt x="26" y="2116"/>
+                </a:lnTo>
+                <a:lnTo>
+                  <a:pt x="34" y="2120"/>
+                </a:lnTo>
+                <a:lnTo>
+                  <a:pt x="44" y="2120"/>
+                </a:lnTo>
+                <a:lnTo>
+                  <a:pt x="474" y="2120"/>
+                </a:lnTo>
+                <a:lnTo>
+                  <a:pt x="650" y="2296"/>
+                </a:lnTo>
+                <a:lnTo>
+                  <a:pt x="650" y="2296"/>
+                </a:lnTo>
+                <a:lnTo>
+                  <a:pt x="656" y="2300"/>
+                </a:lnTo>
+                <a:lnTo>
+                  <a:pt x="664" y="2304"/>
+                </a:lnTo>
+                <a:lnTo>
+                  <a:pt x="672" y="2308"/>
+                </a:lnTo>
+                <a:lnTo>
+                  <a:pt x="680" y="2308"/>
+                </a:lnTo>
+                <a:lnTo>
+                  <a:pt x="688" y="2308"/>
+                </a:lnTo>
+                <a:lnTo>
+                  <a:pt x="696" y="2304"/>
+                </a:lnTo>
+                <a:lnTo>
+                  <a:pt x="704" y="2300"/>
+                </a:lnTo>
+                <a:lnTo>
+                  <a:pt x="710" y="2296"/>
+                </a:lnTo>
+                <a:lnTo>
+                  <a:pt x="886" y="2120"/>
+                </a:lnTo>
+                <a:lnTo>
+                  <a:pt x="3340" y="2120"/>
+                </a:lnTo>
+                <a:lnTo>
+                  <a:pt x="3340" y="2120"/>
+                </a:lnTo>
+                <a:lnTo>
+                  <a:pt x="3350" y="2120"/>
+                </a:lnTo>
+                <a:lnTo>
+                  <a:pt x="3358" y="2116"/>
+                </a:lnTo>
+                <a:lnTo>
+                  <a:pt x="3364" y="2112"/>
+                </a:lnTo>
+                <a:lnTo>
+                  <a:pt x="3372" y="2108"/>
+                </a:lnTo>
+                <a:lnTo>
+                  <a:pt x="3376" y="2100"/>
+                </a:lnTo>
+                <a:lnTo>
+                  <a:pt x="3380" y="2094"/>
+                </a:lnTo>
+                <a:lnTo>
+                  <a:pt x="3384" y="2086"/>
+                </a:lnTo>
+                <a:lnTo>
+                  <a:pt x="3384" y="2076"/>
+                </a:lnTo>
+                <a:lnTo>
+                  <a:pt x="3384" y="44"/>
+                </a:lnTo>
+                <a:lnTo>
+                  <a:pt x="3384" y="44"/>
+                </a:lnTo>
+                <a:lnTo>
+                  <a:pt x="3384" y="34"/>
+                </a:lnTo>
+                <a:lnTo>
+                  <a:pt x="3380" y="26"/>
+                </a:lnTo>
+                <a:lnTo>
+                  <a:pt x="3376" y="20"/>
+                </a:lnTo>
+                <a:lnTo>
+                  <a:pt x="3372" y="12"/>
+                </a:lnTo>
+                <a:lnTo>
+                  <a:pt x="3364" y="8"/>
+                </a:lnTo>
+                <a:lnTo>
+                  <a:pt x="3358" y="4"/>
+                </a:lnTo>
+                <a:lnTo>
+                  <a:pt x="3350" y="0"/>
+                </a:lnTo>
+                <a:lnTo>
+                  <a:pt x="3340" y="0"/>
+                </a:lnTo>
+                <a:lnTo>
+                  <a:pt x="3340" y="0"/>
+                </a:lnTo>
+                <a:close/>
+              </a:path>
+            </a:pathLst>
+          </a:custGeom>
+          <a:ln/>
+          <a:extLst>
+            <a:ext uri="{91240B29-F687-4f45-9708-019B960494DF}">
+              <a14:hiddenLine xmlns:a14="http://schemas.microsoft.com/office/drawing/2010/main" xmlns="" w="9525">
+                <a:solidFill>
+                  <a:srgbClr val="000000"/>
+                </a:solidFill>
+                <a:round/>
+                <a:headEnd/>
+                <a:tailEnd/>
+              </a14:hiddenLine>
+            </a:ext>
+          </a:extLst>
+        </p:spPr>
+        <p:style>
+          <a:lnRef idx="1">
+            <a:schemeClr val="accent1"/>
+          </a:lnRef>
+          <a:fillRef idx="3">
+            <a:schemeClr val="accent1"/>
+          </a:fillRef>
+          <a:effectRef idx="2">
+            <a:schemeClr val="accent1"/>
+          </a:effectRef>
+          <a:fontRef idx="minor">
+            <a:schemeClr val="lt1"/>
+          </a:fontRef>
+        </p:style>
+      </p:sp>
+      <p:sp>
+        <p:nvSpPr>
+          <p:cNvPr id="2" name="Title 1"/>
           <p:cNvSpPr>
             <a:spLocks noGrp="1"/>
           </p:cNvSpPr>
@@ -1906,29 +4197,29 @@
         </p:nvSpPr>
         <p:spPr>
           <a:xfrm>
-            <a:off x="839788" y="457200"/>
-            <a:ext cx="3932237" cy="1600200"/>
+            <a:off x="1073151" y="446088"/>
+            <a:ext cx="3547533" cy="1618396"/>
           </a:xfrm>
         </p:spPr>
         <p:txBody>
           <a:bodyPr anchor="b"/>
           <a:lstStyle>
-            <a:lvl1pPr>
-              <a:defRPr sz="3200"/>
+            <a:lvl1pPr algn="l">
+              <a:defRPr sz="2000" b="1"/>
             </a:lvl1pPr>
           </a:lstStyle>
           <a:p>
             <a:r>
-              <a:rPr lang="es-ES" smtClean="0"/>
+              <a:rPr lang="es-ES"/>
               <a:t>Haga clic para modificar el estilo de título del patrón</a:t>
             </a:r>
-            <a:endParaRPr lang="es-MX"/>
-          </a:p>
-        </p:txBody>
-      </p:sp>
-      <p:sp>
-        <p:nvSpPr>
-          <p:cNvPr id="3" name="Marcador de contenido 2"/>
+            <a:endParaRPr lang="en-US" dirty="0"/>
+          </a:p>
+        </p:txBody>
+      </p:sp>
+      <p:sp>
+        <p:nvSpPr>
+          <p:cNvPr id="3" name="Content Placeholder 2"/>
           <p:cNvSpPr>
             <a:spLocks noGrp="1"/>
           </p:cNvSpPr>
@@ -1938,82 +4229,56 @@
         </p:nvSpPr>
         <p:spPr>
           <a:xfrm>
-            <a:off x="5183188" y="987425"/>
-            <a:ext cx="6172200" cy="4873625"/>
+            <a:off x="4855633" y="446088"/>
+            <a:ext cx="6252633" cy="5414963"/>
           </a:xfrm>
         </p:spPr>
         <p:txBody>
-          <a:bodyPr/>
-          <a:lstStyle>
-            <a:lvl1pPr>
-              <a:defRPr sz="3200"/>
-            </a:lvl1pPr>
-            <a:lvl2pPr>
-              <a:defRPr sz="2800"/>
-            </a:lvl2pPr>
-            <a:lvl3pPr>
-              <a:defRPr sz="2400"/>
-            </a:lvl3pPr>
-            <a:lvl4pPr>
-              <a:defRPr sz="2000"/>
-            </a:lvl4pPr>
-            <a:lvl5pPr>
-              <a:defRPr sz="2000"/>
-            </a:lvl5pPr>
-            <a:lvl6pPr>
-              <a:defRPr sz="2000"/>
-            </a:lvl6pPr>
-            <a:lvl7pPr>
-              <a:defRPr sz="2000"/>
-            </a:lvl7pPr>
-            <a:lvl8pPr>
-              <a:defRPr sz="2000"/>
-            </a:lvl8pPr>
-            <a:lvl9pPr>
-              <a:defRPr sz="2000"/>
-            </a:lvl9pPr>
-          </a:lstStyle>
+          <a:bodyPr>
+            <a:normAutofit/>
+          </a:bodyPr>
+          <a:lstStyle/>
           <a:p>
             <a:pPr lvl="0"/>
             <a:r>
-              <a:rPr lang="es-ES" smtClean="0"/>
-              <a:t>Haga clic para modificar el estilo de texto del patrón</a:t>
+              <a:rPr lang="es-ES"/>
+              <a:t>Haga clic para modificar los estilos de texto del patrón</a:t>
             </a:r>
           </a:p>
           <a:p>
             <a:pPr lvl="1"/>
             <a:r>
-              <a:rPr lang="es-ES" smtClean="0"/>
+              <a:rPr lang="es-ES"/>
               <a:t>Segundo nivel</a:t>
             </a:r>
           </a:p>
           <a:p>
             <a:pPr lvl="2"/>
             <a:r>
-              <a:rPr lang="es-ES" smtClean="0"/>
+              <a:rPr lang="es-ES"/>
               <a:t>Tercer nivel</a:t>
             </a:r>
           </a:p>
           <a:p>
             <a:pPr lvl="3"/>
             <a:r>
-              <a:rPr lang="es-ES" smtClean="0"/>
+              <a:rPr lang="es-ES"/>
               <a:t>Cuarto nivel</a:t>
             </a:r>
           </a:p>
           <a:p>
             <a:pPr lvl="4"/>
             <a:r>
-              <a:rPr lang="es-ES" smtClean="0"/>
+              <a:rPr lang="es-ES"/>
               <a:t>Quinto nivel</a:t>
             </a:r>
-            <a:endParaRPr lang="es-MX"/>
-          </a:p>
-        </p:txBody>
-      </p:sp>
-      <p:sp>
-        <p:nvSpPr>
-          <p:cNvPr id="4" name="Marcador de texto 3"/>
+            <a:endParaRPr lang="en-US" dirty="0"/>
+          </a:p>
+        </p:txBody>
+      </p:sp>
+      <p:sp>
+        <p:nvSpPr>
+          <p:cNvPr id="4" name="Text Placeholder 3"/>
           <p:cNvSpPr>
             <a:spLocks noGrp="1"/>
           </p:cNvSpPr>
@@ -2023,8 +4288,8 @@
         </p:nvSpPr>
         <p:spPr>
           <a:xfrm>
-            <a:off x="839788" y="2057400"/>
-            <a:ext cx="3932237" cy="3811588"/>
+            <a:off x="1073151" y="2260738"/>
+            <a:ext cx="3547533" cy="3600311"/>
           </a:xfrm>
         </p:spPr>
         <p:txBody>
@@ -2032,53 +4297,53 @@
           <a:lstStyle>
             <a:lvl1pPr marL="0" indent="0">
               <a:buNone/>
-              <a:defRPr sz="1600"/>
+              <a:defRPr sz="1400"/>
             </a:lvl1pPr>
             <a:lvl2pPr marL="457200" indent="0">
               <a:buNone/>
-              <a:defRPr sz="1400"/>
+              <a:defRPr sz="1200"/>
             </a:lvl2pPr>
             <a:lvl3pPr marL="914400" indent="0">
               <a:buNone/>
-              <a:defRPr sz="1200"/>
+              <a:defRPr sz="1000"/>
             </a:lvl3pPr>
             <a:lvl4pPr marL="1371600" indent="0">
               <a:buNone/>
-              <a:defRPr sz="1000"/>
+              <a:defRPr sz="900"/>
             </a:lvl4pPr>
             <a:lvl5pPr marL="1828800" indent="0">
               <a:buNone/>
-              <a:defRPr sz="1000"/>
+              <a:defRPr sz="900"/>
             </a:lvl5pPr>
             <a:lvl6pPr marL="2286000" indent="0">
               <a:buNone/>
-              <a:defRPr sz="1000"/>
+              <a:defRPr sz="900"/>
             </a:lvl6pPr>
             <a:lvl7pPr marL="2743200" indent="0">
               <a:buNone/>
-              <a:defRPr sz="1000"/>
+              <a:defRPr sz="900"/>
             </a:lvl7pPr>
             <a:lvl8pPr marL="3200400" indent="0">
               <a:buNone/>
-              <a:defRPr sz="1000"/>
+              <a:defRPr sz="900"/>
             </a:lvl8pPr>
             <a:lvl9pPr marL="3657600" indent="0">
               <a:buNone/>
-              <a:defRPr sz="1000"/>
+              <a:defRPr sz="900"/>
             </a:lvl9pPr>
           </a:lstStyle>
           <a:p>
             <a:pPr lvl="0"/>
             <a:r>
-              <a:rPr lang="es-ES" smtClean="0"/>
-              <a:t>Haga clic para modificar el estilo de texto del patrón</a:t>
-            </a:r>
-          </a:p>
-        </p:txBody>
-      </p:sp>
-      <p:sp>
-        <p:nvSpPr>
-          <p:cNvPr id="5" name="Marcador de fecha 4"/>
+              <a:rPr lang="es-ES"/>
+              <a:t>Haga clic para modificar los estilos de texto del patrón</a:t>
+            </a:r>
+          </a:p>
+        </p:txBody>
+      </p:sp>
+      <p:sp>
+        <p:nvSpPr>
+          <p:cNvPr id="5" name="Date Placeholder 4"/>
           <p:cNvSpPr>
             <a:spLocks noGrp="1"/>
           </p:cNvSpPr>
@@ -2101,7 +4366,7 @@
       </p:sp>
       <p:sp>
         <p:nvSpPr>
-          <p:cNvPr id="6" name="Marcador de pie de página 5"/>
+          <p:cNvPr id="6" name="Footer Placeholder 5"/>
           <p:cNvSpPr>
             <a:spLocks noGrp="1"/>
           </p:cNvSpPr>
@@ -2120,7 +4385,7 @@
       </p:sp>
       <p:sp>
         <p:nvSpPr>
-          <p:cNvPr id="7" name="Marcador de número de diapositiva 6"/>
+          <p:cNvPr id="7" name="Slide Number Placeholder 6"/>
           <p:cNvSpPr>
             <a:spLocks noGrp="1"/>
           </p:cNvSpPr>
@@ -2144,7 +4409,7 @@
     </p:spTree>
     <p:extLst>
       <p:ext uri="{BB962C8B-B14F-4D97-AF65-F5344CB8AC3E}">
-        <p14:creationId xmlns:p14="http://schemas.microsoft.com/office/powerpoint/2010/main" val="2962061006"/>
+        <p14:creationId xmlns:p14="http://schemas.microsoft.com/office/powerpoint/2010/main" val="3040476833"/>
       </p:ext>
     </p:extLst>
   </p:cSld>
@@ -2173,7 +4438,7 @@
       </p:grpSpPr>
       <p:sp>
         <p:nvSpPr>
-          <p:cNvPr id="2" name="Título 1"/>
+          <p:cNvPr id="2" name="Title 1"/>
           <p:cNvSpPr>
             <a:spLocks noGrp="1"/>
           </p:cNvSpPr>
@@ -2183,163 +4448,223 @@
         </p:nvSpPr>
         <p:spPr>
           <a:xfrm>
-            <a:off x="839788" y="457200"/>
-            <a:ext cx="3932237" cy="1600200"/>
+            <a:off x="814728" y="727522"/>
+            <a:ext cx="4852988" cy="1617163"/>
           </a:xfrm>
         </p:spPr>
         <p:txBody>
-          <a:bodyPr anchor="b"/>
+          <a:bodyPr anchor="b">
+            <a:normAutofit/>
+          </a:bodyPr>
           <a:lstStyle>
-            <a:lvl1pPr>
-              <a:defRPr sz="3200"/>
+            <a:lvl1pPr algn="l">
+              <a:defRPr sz="2400" b="0"/>
             </a:lvl1pPr>
           </a:lstStyle>
           <a:p>
             <a:r>
-              <a:rPr lang="es-ES" smtClean="0"/>
+              <a:rPr lang="es-ES"/>
               <a:t>Haga clic para modificar el estilo de título del patrón</a:t>
             </a:r>
-            <a:endParaRPr lang="es-MX"/>
-          </a:p>
-        </p:txBody>
-      </p:sp>
-      <p:sp>
-        <p:nvSpPr>
-          <p:cNvPr id="3" name="Marcador de posición de imagen 2"/>
-          <p:cNvSpPr>
-            <a:spLocks noGrp="1"/>
-          </p:cNvSpPr>
-          <p:nvPr>
-            <p:ph type="pic" idx="1"/>
+            <a:endParaRPr lang="en-US" dirty="0"/>
+          </a:p>
+        </p:txBody>
+      </p:sp>
+      <p:sp>
+        <p:nvSpPr>
+          <p:cNvPr id="9" name="Picture Placeholder 11"/>
+          <p:cNvSpPr>
+            <a:spLocks noGrp="1" noChangeAspect="1"/>
+          </p:cNvSpPr>
+          <p:nvPr>
+            <p:ph type="pic" sz="quarter" idx="13"/>
+          </p:nvPr>
+        </p:nvSpPr>
+        <p:spPr bwMode="auto">
+          <a:xfrm>
+            <a:off x="6098117" y="0"/>
+            <a:ext cx="6093883" cy="6858000"/>
+          </a:xfrm>
+          <a:custGeom>
+            <a:avLst/>
+            <a:gdLst/>
+            <a:ahLst/>
+            <a:cxnLst/>
+            <a:rect l="0" t="0" r="r" b="b"/>
+            <a:pathLst>
+              <a:path w="2879" h="4320">
+                <a:moveTo>
+                  <a:pt x="183" y="0"/>
+                </a:moveTo>
+                <a:lnTo>
+                  <a:pt x="183" y="1197"/>
+                </a:lnTo>
+                <a:lnTo>
+                  <a:pt x="8" y="1372"/>
+                </a:lnTo>
+                <a:lnTo>
+                  <a:pt x="8" y="1372"/>
+                </a:lnTo>
+                <a:lnTo>
+                  <a:pt x="6" y="1376"/>
+                </a:lnTo>
+                <a:lnTo>
+                  <a:pt x="3" y="1382"/>
+                </a:lnTo>
+                <a:lnTo>
+                  <a:pt x="0" y="1387"/>
+                </a:lnTo>
+                <a:lnTo>
+                  <a:pt x="0" y="1393"/>
+                </a:lnTo>
+                <a:lnTo>
+                  <a:pt x="0" y="1399"/>
+                </a:lnTo>
+                <a:lnTo>
+                  <a:pt x="3" y="1404"/>
+                </a:lnTo>
+                <a:lnTo>
+                  <a:pt x="6" y="1410"/>
+                </a:lnTo>
+                <a:lnTo>
+                  <a:pt x="8" y="1414"/>
+                </a:lnTo>
+                <a:lnTo>
+                  <a:pt x="183" y="1589"/>
+                </a:lnTo>
+                <a:lnTo>
+                  <a:pt x="183" y="4320"/>
+                </a:lnTo>
+                <a:lnTo>
+                  <a:pt x="2879" y="4320"/>
+                </a:lnTo>
+                <a:lnTo>
+                  <a:pt x="2879" y="0"/>
+                </a:lnTo>
+                <a:lnTo>
+                  <a:pt x="183" y="0"/>
+                </a:lnTo>
+                <a:close/>
+              </a:path>
+            </a:pathLst>
+          </a:custGeom>
+          <a:noFill/>
+          <a:ln w="9525">
+            <a:solidFill>
+              <a:schemeClr val="tx2"/>
+            </a:solidFill>
+            <a:round/>
+            <a:headEnd/>
+            <a:tailEnd/>
+          </a:ln>
+          <a:effectLst/>
+        </p:spPr>
+        <p:txBody>
+          <a:bodyPr wrap="square" numCol="1" anchor="t" anchorCtr="0" compatLnSpc="1">
+            <a:prstTxWarp prst="textNoShape">
+              <a:avLst/>
+            </a:prstTxWarp>
+            <a:normAutofit/>
+          </a:bodyPr>
+          <a:lstStyle>
+            <a:lvl1pPr algn="ctr">
+              <a:buFontTx/>
+              <a:buNone/>
+              <a:defRPr sz="1400"/>
+            </a:lvl1pPr>
+          </a:lstStyle>
+          <a:p>
+            <a:r>
+              <a:rPr lang="es-ES"/>
+              <a:t>Haga clic en el icono para agregar una imagen</a:t>
+            </a:r>
+            <a:endParaRPr lang="en-US" dirty="0"/>
+          </a:p>
+        </p:txBody>
+      </p:sp>
+      <p:sp>
+        <p:nvSpPr>
+          <p:cNvPr id="4" name="Text Placeholder 3"/>
+          <p:cNvSpPr>
+            <a:spLocks noGrp="1"/>
+          </p:cNvSpPr>
+          <p:nvPr>
+            <p:ph type="body" sz="half" idx="2"/>
           </p:nvPr>
         </p:nvSpPr>
         <p:spPr>
           <a:xfrm>
-            <a:off x="5183188" y="987425"/>
-            <a:ext cx="6172200" cy="4873625"/>
+            <a:off x="814728" y="2344684"/>
+            <a:ext cx="4852988" cy="3516365"/>
           </a:xfrm>
         </p:spPr>
         <p:txBody>
-          <a:bodyPr/>
+          <a:bodyPr anchor="t">
+            <a:normAutofit/>
+          </a:bodyPr>
           <a:lstStyle>
             <a:lvl1pPr marL="0" indent="0">
               <a:buNone/>
-              <a:defRPr sz="3200"/>
+              <a:defRPr sz="1200"/>
             </a:lvl1pPr>
             <a:lvl2pPr marL="457200" indent="0">
               <a:buNone/>
-              <a:defRPr sz="2800"/>
+              <a:defRPr sz="1200"/>
             </a:lvl2pPr>
             <a:lvl3pPr marL="914400" indent="0">
               <a:buNone/>
-              <a:defRPr sz="2400"/>
+              <a:defRPr sz="1000"/>
             </a:lvl3pPr>
             <a:lvl4pPr marL="1371600" indent="0">
               <a:buNone/>
-              <a:defRPr sz="2000"/>
+              <a:defRPr sz="900"/>
             </a:lvl4pPr>
             <a:lvl5pPr marL="1828800" indent="0">
               <a:buNone/>
-              <a:defRPr sz="2000"/>
+              <a:defRPr sz="900"/>
             </a:lvl5pPr>
             <a:lvl6pPr marL="2286000" indent="0">
               <a:buNone/>
-              <a:defRPr sz="2000"/>
+              <a:defRPr sz="900"/>
             </a:lvl6pPr>
             <a:lvl7pPr marL="2743200" indent="0">
               <a:buNone/>
-              <a:defRPr sz="2000"/>
+              <a:defRPr sz="900"/>
             </a:lvl7pPr>
             <a:lvl8pPr marL="3200400" indent="0">
               <a:buNone/>
-              <a:defRPr sz="2000"/>
+              <a:defRPr sz="900"/>
             </a:lvl8pPr>
             <a:lvl9pPr marL="3657600" indent="0">
               <a:buNone/>
-              <a:defRPr sz="2000"/>
+              <a:defRPr sz="900"/>
             </a:lvl9pPr>
           </a:lstStyle>
           <a:p>
-            <a:endParaRPr lang="es-MX"/>
-          </a:p>
-        </p:txBody>
-      </p:sp>
-      <p:sp>
-        <p:nvSpPr>
-          <p:cNvPr id="4" name="Marcador de texto 3"/>
-          <p:cNvSpPr>
-            <a:spLocks noGrp="1"/>
-          </p:cNvSpPr>
-          <p:nvPr>
-            <p:ph type="body" sz="half" idx="2"/>
+            <a:pPr lvl="0"/>
+            <a:r>
+              <a:rPr lang="es-ES"/>
+              <a:t>Haga clic para modificar los estilos de texto del patrón</a:t>
+            </a:r>
+          </a:p>
+        </p:txBody>
+      </p:sp>
+      <p:sp>
+        <p:nvSpPr>
+          <p:cNvPr id="5" name="Date Placeholder 4"/>
+          <p:cNvSpPr>
+            <a:spLocks noGrp="1"/>
+          </p:cNvSpPr>
+          <p:nvPr>
+            <p:ph type="dt" sz="half" idx="10"/>
           </p:nvPr>
         </p:nvSpPr>
         <p:spPr>
           <a:xfrm>
-            <a:off x="839788" y="2057400"/>
-            <a:ext cx="3932237" cy="3811588"/>
+            <a:off x="3885810" y="6041362"/>
+            <a:ext cx="976879" cy="365125"/>
           </a:xfrm>
         </p:spPr>
-        <p:txBody>
-          <a:bodyPr/>
-          <a:lstStyle>
-            <a:lvl1pPr marL="0" indent="0">
-              <a:buNone/>
-              <a:defRPr sz="1600"/>
-            </a:lvl1pPr>
-            <a:lvl2pPr marL="457200" indent="0">
-              <a:buNone/>
-              <a:defRPr sz="1400"/>
-            </a:lvl2pPr>
-            <a:lvl3pPr marL="914400" indent="0">
-              <a:buNone/>
-              <a:defRPr sz="1200"/>
-            </a:lvl3pPr>
-            <a:lvl4pPr marL="1371600" indent="0">
-              <a:buNone/>
-              <a:defRPr sz="1000"/>
-            </a:lvl4pPr>
-            <a:lvl5pPr marL="1828800" indent="0">
-              <a:buNone/>
-              <a:defRPr sz="1000"/>
-            </a:lvl5pPr>
-            <a:lvl6pPr marL="2286000" indent="0">
-              <a:buNone/>
-              <a:defRPr sz="1000"/>
-            </a:lvl6pPr>
-            <a:lvl7pPr marL="2743200" indent="0">
-              <a:buNone/>
-              <a:defRPr sz="1000"/>
-            </a:lvl7pPr>
-            <a:lvl8pPr marL="3200400" indent="0">
-              <a:buNone/>
-              <a:defRPr sz="1000"/>
-            </a:lvl8pPr>
-            <a:lvl9pPr marL="3657600" indent="0">
-              <a:buNone/>
-              <a:defRPr sz="1000"/>
-            </a:lvl9pPr>
-          </a:lstStyle>
-          <a:p>
-            <a:pPr lvl="0"/>
-            <a:r>
-              <a:rPr lang="es-ES" smtClean="0"/>
-              <a:t>Haga clic para modificar el estilo de texto del patrón</a:t>
-            </a:r>
-          </a:p>
-        </p:txBody>
-      </p:sp>
-      <p:sp>
-        <p:nvSpPr>
-          <p:cNvPr id="5" name="Marcador de fecha 4"/>
-          <p:cNvSpPr>
-            <a:spLocks noGrp="1"/>
-          </p:cNvSpPr>
-          <p:nvPr>
-            <p:ph type="dt" sz="half" idx="10"/>
-          </p:nvPr>
-        </p:nvSpPr>
-        <p:spPr/>
         <p:txBody>
           <a:bodyPr/>
           <a:lstStyle/>
@@ -2354,7 +4679,7 @@
       </p:sp>
       <p:sp>
         <p:nvSpPr>
-          <p:cNvPr id="6" name="Marcador de pie de página 5"/>
+          <p:cNvPr id="6" name="Footer Placeholder 5"/>
           <p:cNvSpPr>
             <a:spLocks noGrp="1"/>
           </p:cNvSpPr>
@@ -2362,7 +4687,12 @@
             <p:ph type="ftr" sz="quarter" idx="11"/>
           </p:nvPr>
         </p:nvSpPr>
-        <p:spPr/>
+        <p:spPr>
+          <a:xfrm>
+            <a:off x="590396" y="6041362"/>
+            <a:ext cx="3295413" cy="365125"/>
+          </a:xfrm>
+        </p:spPr>
         <p:txBody>
           <a:bodyPr/>
           <a:lstStyle/>
@@ -2373,7 +4703,7 @@
       </p:sp>
       <p:sp>
         <p:nvSpPr>
-          <p:cNvPr id="7" name="Marcador de número de diapositiva 6"/>
+          <p:cNvPr id="7" name="Slide Number Placeholder 6"/>
           <p:cNvSpPr>
             <a:spLocks noGrp="1"/>
           </p:cNvSpPr>
@@ -2381,7 +4711,12 @@
             <p:ph type="sldNum" sz="quarter" idx="12"/>
           </p:nvPr>
         </p:nvSpPr>
-        <p:spPr/>
+        <p:spPr>
+          <a:xfrm>
+            <a:off x="4862689" y="5915888"/>
+            <a:ext cx="1062155" cy="490599"/>
+          </a:xfrm>
+        </p:spPr>
         <p:txBody>
           <a:bodyPr/>
           <a:lstStyle/>
@@ -2397,7 +4732,7 @@
     </p:spTree>
     <p:extLst>
       <p:ext uri="{BB962C8B-B14F-4D97-AF65-F5344CB8AC3E}">
-        <p14:creationId xmlns:p14="http://schemas.microsoft.com/office/powerpoint/2010/main" val="1116416597"/>
+        <p14:creationId xmlns:p14="http://schemas.microsoft.com/office/powerpoint/2010/main" val="1926598501"/>
       </p:ext>
     </p:extLst>
   </p:cSld>
@@ -2412,7 +4747,7 @@
   <p:cSld>
     <p:bg>
       <p:bgRef idx="1001">
-        <a:schemeClr val="bg1"/>
+        <a:schemeClr val="bg2"/>
       </p:bgRef>
     </p:bg>
     <p:spTree>
@@ -2431,7 +4766,7 @@
       </p:grpSpPr>
       <p:sp>
         <p:nvSpPr>
-          <p:cNvPr id="2" name="Marcador de título 1"/>
+          <p:cNvPr id="2" name="Title Placeholder 1"/>
           <p:cNvSpPr>
             <a:spLocks noGrp="1"/>
           </p:cNvSpPr>
@@ -2441,195 +4776,203 @@
         </p:nvSpPr>
         <p:spPr>
           <a:xfrm>
-            <a:off x="838200" y="365125"/>
-            <a:ext cx="10515600" cy="1325563"/>
+            <a:off x="810000" y="447188"/>
+            <a:ext cx="10571998" cy="970450"/>
+          </a:xfrm>
+          <a:prstGeom prst="rect">
+            <a:avLst/>
+          </a:prstGeom>
+          <a:effectLst>
+            <a:outerShdw blurRad="50800" dir="14400000">
+              <a:srgbClr val="000000">
+                <a:alpha val="60000"/>
+              </a:srgbClr>
+            </a:outerShdw>
+          </a:effectLst>
+        </p:spPr>
+        <p:txBody>
+          <a:bodyPr vert="horz" lIns="91440" tIns="45720" rIns="91440" bIns="45720" rtlCol="0" anchor="b">
+            <a:noAutofit/>
+          </a:bodyPr>
+          <a:lstStyle/>
+          <a:p>
+            <a:r>
+              <a:rPr lang="es-ES"/>
+              <a:t>Haga clic para modificar el estilo de título del patrón</a:t>
+            </a:r>
+            <a:endParaRPr lang="en-US" dirty="0"/>
+          </a:p>
+        </p:txBody>
+      </p:sp>
+      <p:sp>
+        <p:nvSpPr>
+          <p:cNvPr id="3" name="Text Placeholder 2"/>
+          <p:cNvSpPr>
+            <a:spLocks noGrp="1"/>
+          </p:cNvSpPr>
+          <p:nvPr>
+            <p:ph type="body" idx="1"/>
+          </p:nvPr>
+        </p:nvSpPr>
+        <p:spPr>
+          <a:xfrm>
+            <a:off x="810000" y="2184401"/>
+            <a:ext cx="10563285" cy="3674397"/>
+          </a:xfrm>
+          <a:prstGeom prst="rect">
+            <a:avLst/>
+          </a:prstGeom>
+          <a:effectLst>
+            <a:outerShdw blurRad="50800" dir="14400000">
+              <a:srgbClr val="000000">
+                <a:alpha val="40000"/>
+              </a:srgbClr>
+            </a:outerShdw>
+          </a:effectLst>
+        </p:spPr>
+        <p:txBody>
+          <a:bodyPr vert="horz" lIns="91440" tIns="45720" rIns="91440" bIns="45720" rtlCol="0" anchor="ctr">
+            <a:normAutofit/>
+          </a:bodyPr>
+          <a:lstStyle/>
+          <a:p>
+            <a:pPr lvl="0"/>
+            <a:r>
+              <a:rPr lang="es-ES"/>
+              <a:t>Haga clic para modificar los estilos de texto del patrón</a:t>
+            </a:r>
+          </a:p>
+          <a:p>
+            <a:pPr lvl="1"/>
+            <a:r>
+              <a:rPr lang="es-ES"/>
+              <a:t>Segundo nivel</a:t>
+            </a:r>
+          </a:p>
+          <a:p>
+            <a:pPr lvl="2"/>
+            <a:r>
+              <a:rPr lang="es-ES"/>
+              <a:t>Tercer nivel</a:t>
+            </a:r>
+          </a:p>
+          <a:p>
+            <a:pPr lvl="3"/>
+            <a:r>
+              <a:rPr lang="es-ES"/>
+              <a:t>Cuarto nivel</a:t>
+            </a:r>
+          </a:p>
+          <a:p>
+            <a:pPr lvl="4"/>
+            <a:r>
+              <a:rPr lang="es-ES"/>
+              <a:t>Quinto nivel</a:t>
+            </a:r>
+            <a:endParaRPr lang="en-US" dirty="0"/>
+          </a:p>
+        </p:txBody>
+      </p:sp>
+      <p:sp>
+        <p:nvSpPr>
+          <p:cNvPr id="5" name="Footer Placeholder 4"/>
+          <p:cNvSpPr>
+            <a:spLocks noGrp="1"/>
+          </p:cNvSpPr>
+          <p:nvPr>
+            <p:ph type="ftr" sz="quarter" idx="3"/>
+          </p:nvPr>
+        </p:nvSpPr>
+        <p:spPr>
+          <a:xfrm>
+            <a:off x="451514" y="6041362"/>
+            <a:ext cx="8644320" cy="365125"/>
           </a:xfrm>
           <a:prstGeom prst="rect">
             <a:avLst/>
           </a:prstGeom>
         </p:spPr>
         <p:txBody>
-          <a:bodyPr vert="horz" lIns="91440" tIns="45720" rIns="91440" bIns="45720" rtlCol="0" anchor="ctr">
-            <a:normAutofit/>
-          </a:bodyPr>
-          <a:lstStyle/>
-          <a:p>
-            <a:r>
-              <a:rPr lang="es-ES" smtClean="0"/>
-              <a:t>Haga clic para modificar el estilo de título del patrón</a:t>
-            </a:r>
+          <a:bodyPr vert="horz" lIns="91440" tIns="45720" rIns="91440" bIns="45720" rtlCol="0" anchor="b"/>
+          <a:lstStyle>
+            <a:lvl1pPr algn="l">
+              <a:defRPr sz="900">
+                <a:solidFill>
+                  <a:schemeClr val="tx1"/>
+                </a:solidFill>
+              </a:defRPr>
+            </a:lvl1pPr>
+          </a:lstStyle>
+          <a:p>
             <a:endParaRPr lang="es-MX"/>
           </a:p>
         </p:txBody>
       </p:sp>
       <p:sp>
         <p:nvSpPr>
-          <p:cNvPr id="3" name="Marcador de texto 2"/>
-          <p:cNvSpPr>
-            <a:spLocks noGrp="1"/>
-          </p:cNvSpPr>
-          <p:nvPr>
-            <p:ph type="body" idx="1"/>
+          <p:cNvPr id="4" name="Date Placeholder 3"/>
+          <p:cNvSpPr>
+            <a:spLocks noGrp="1"/>
+          </p:cNvSpPr>
+          <p:nvPr>
+            <p:ph type="dt" sz="half" idx="2"/>
           </p:nvPr>
         </p:nvSpPr>
         <p:spPr>
           <a:xfrm>
-            <a:off x="838200" y="1825625"/>
-            <a:ext cx="10515600" cy="4351338"/>
+            <a:off x="9334626" y="6041362"/>
+            <a:ext cx="1343706" cy="365125"/>
           </a:xfrm>
           <a:prstGeom prst="rect">
             <a:avLst/>
           </a:prstGeom>
         </p:spPr>
         <p:txBody>
-          <a:bodyPr vert="horz" lIns="91440" tIns="45720" rIns="91440" bIns="45720" rtlCol="0">
-            <a:normAutofit/>
-          </a:bodyPr>
-          <a:lstStyle/>
-          <a:p>
-            <a:pPr lvl="0"/>
-            <a:r>
-              <a:rPr lang="es-ES" smtClean="0"/>
-              <a:t>Haga clic para modificar el estilo de texto del patrón</a:t>
-            </a:r>
-          </a:p>
-          <a:p>
-            <a:pPr lvl="1"/>
-            <a:r>
-              <a:rPr lang="es-ES" smtClean="0"/>
-              <a:t>Segundo nivel</a:t>
-            </a:r>
-          </a:p>
-          <a:p>
-            <a:pPr lvl="2"/>
-            <a:r>
-              <a:rPr lang="es-ES" smtClean="0"/>
-              <a:t>Tercer nivel</a:t>
-            </a:r>
-          </a:p>
-          <a:p>
-            <a:pPr lvl="3"/>
-            <a:r>
-              <a:rPr lang="es-ES" smtClean="0"/>
-              <a:t>Cuarto nivel</a:t>
-            </a:r>
-          </a:p>
-          <a:p>
-            <a:pPr lvl="4"/>
-            <a:r>
-              <a:rPr lang="es-ES" smtClean="0"/>
-              <a:t>Quinto nivel</a:t>
-            </a:r>
+          <a:bodyPr vert="horz" lIns="91440" tIns="45720" rIns="91440" bIns="45720" rtlCol="0" anchor="b"/>
+          <a:lstStyle>
+            <a:lvl1pPr algn="r">
+              <a:defRPr sz="900">
+                <a:solidFill>
+                  <a:schemeClr val="tx1"/>
+                </a:solidFill>
+              </a:defRPr>
+            </a:lvl1pPr>
+          </a:lstStyle>
+          <a:p>
+            <a:fld id="{62A0D905-BC6B-4928-9B4D-6C2E1FD99408}" type="datetimeFigureOut">
+              <a:rPr lang="es-MX" smtClean="0"/>
+              <a:t>18/03/2021</a:t>
+            </a:fld>
             <a:endParaRPr lang="es-MX"/>
           </a:p>
         </p:txBody>
       </p:sp>
       <p:sp>
         <p:nvSpPr>
-          <p:cNvPr id="4" name="Marcador de fecha 3"/>
-          <p:cNvSpPr>
-            <a:spLocks noGrp="1"/>
-          </p:cNvSpPr>
-          <p:nvPr>
-            <p:ph type="dt" sz="half" idx="2"/>
+          <p:cNvPr id="6" name="Slide Number Placeholder 5"/>
+          <p:cNvSpPr>
+            <a:spLocks noGrp="1"/>
+          </p:cNvSpPr>
+          <p:nvPr>
+            <p:ph type="sldNum" sz="quarter" idx="4"/>
           </p:nvPr>
         </p:nvSpPr>
         <p:spPr>
           <a:xfrm>
-            <a:off x="838200" y="6356350"/>
-            <a:ext cx="2743200" cy="365125"/>
+            <a:off x="10678331" y="5915888"/>
+            <a:ext cx="1062155" cy="490599"/>
           </a:xfrm>
           <a:prstGeom prst="rect">
             <a:avLst/>
           </a:prstGeom>
         </p:spPr>
         <p:txBody>
-          <a:bodyPr vert="horz" lIns="91440" tIns="45720" rIns="91440" bIns="45720" rtlCol="0" anchor="ctr"/>
-          <a:lstStyle>
-            <a:lvl1pPr algn="l">
-              <a:defRPr sz="1200">
-                <a:solidFill>
-                  <a:schemeClr val="tx1">
-                    <a:tint val="75000"/>
-                  </a:schemeClr>
-                </a:solidFill>
-              </a:defRPr>
-            </a:lvl1pPr>
-          </a:lstStyle>
-          <a:p>
-            <a:fld id="{62A0D905-BC6B-4928-9B4D-6C2E1FD99408}" type="datetimeFigureOut">
-              <a:rPr lang="es-MX" smtClean="0"/>
-              <a:t>18/03/2021</a:t>
-            </a:fld>
-            <a:endParaRPr lang="es-MX"/>
-          </a:p>
-        </p:txBody>
-      </p:sp>
-      <p:sp>
-        <p:nvSpPr>
-          <p:cNvPr id="5" name="Marcador de pie de página 4"/>
-          <p:cNvSpPr>
-            <a:spLocks noGrp="1"/>
-          </p:cNvSpPr>
-          <p:nvPr>
-            <p:ph type="ftr" sz="quarter" idx="3"/>
-          </p:nvPr>
-        </p:nvSpPr>
-        <p:spPr>
-          <a:xfrm>
-            <a:off x="4038600" y="6356350"/>
-            <a:ext cx="4114800" cy="365125"/>
-          </a:xfrm>
-          <a:prstGeom prst="rect">
-            <a:avLst/>
-          </a:prstGeom>
-        </p:spPr>
-        <p:txBody>
-          <a:bodyPr vert="horz" lIns="91440" tIns="45720" rIns="91440" bIns="45720" rtlCol="0" anchor="ctr"/>
-          <a:lstStyle>
-            <a:lvl1pPr algn="ctr">
-              <a:defRPr sz="1200">
-                <a:solidFill>
-                  <a:schemeClr val="tx1">
-                    <a:tint val="75000"/>
-                  </a:schemeClr>
-                </a:solidFill>
-              </a:defRPr>
-            </a:lvl1pPr>
-          </a:lstStyle>
-          <a:p>
-            <a:endParaRPr lang="es-MX"/>
-          </a:p>
-        </p:txBody>
-      </p:sp>
-      <p:sp>
-        <p:nvSpPr>
-          <p:cNvPr id="6" name="Marcador de número de diapositiva 5"/>
-          <p:cNvSpPr>
-            <a:spLocks noGrp="1"/>
-          </p:cNvSpPr>
-          <p:nvPr>
-            <p:ph type="sldNum" sz="quarter" idx="4"/>
-          </p:nvPr>
-        </p:nvSpPr>
-        <p:spPr>
-          <a:xfrm>
-            <a:off x="8610600" y="6356350"/>
-            <a:ext cx="2743200" cy="365125"/>
-          </a:xfrm>
-          <a:prstGeom prst="rect">
-            <a:avLst/>
-          </a:prstGeom>
-        </p:spPr>
-        <p:txBody>
-          <a:bodyPr vert="horz" lIns="91440" tIns="45720" rIns="91440" bIns="45720" rtlCol="0" anchor="ctr"/>
+          <a:bodyPr vert="horz" lIns="91440" tIns="45720" rIns="91440" bIns="10800" rtlCol="0" anchor="b"/>
           <a:lstStyle>
             <a:lvl1pPr algn="r">
-              <a:defRPr sz="1200">
+              <a:defRPr sz="2000">
                 <a:solidFill>
-                  <a:schemeClr val="tx1">
-                    <a:tint val="75000"/>
-                  </a:schemeClr>
+                  <a:schemeClr val="accent1"/>
                 </a:solidFill>
               </a:defRPr>
             </a:lvl1pPr>
@@ -2646,55 +4989,114 @@
     </p:spTree>
     <p:extLst>
       <p:ext uri="{BB962C8B-B14F-4D97-AF65-F5344CB8AC3E}">
-        <p14:creationId xmlns:p14="http://schemas.microsoft.com/office/powerpoint/2010/main" val="1352373507"/>
+        <p14:creationId xmlns:p14="http://schemas.microsoft.com/office/powerpoint/2010/main" val="1264468544"/>
       </p:ext>
     </p:extLst>
   </p:cSld>
-  <p:clrMap bg1="lt1" tx1="dk1" bg2="lt2" tx2="dk2" accent1="accent1" accent2="accent2" accent3="accent3" accent4="accent4" accent5="accent5" accent6="accent6" hlink="hlink" folHlink="folHlink"/>
+  <p:clrMap bg1="dk1" tx1="lt1" bg2="dk2" tx2="lt2" accent1="accent1" accent2="accent2" accent3="accent3" accent4="accent4" accent5="accent5" accent6="accent6" hlink="hlink" folHlink="folHlink"/>
   <p:sldLayoutIdLst>
-    <p:sldLayoutId id="2147483649" r:id="rId1"/>
-    <p:sldLayoutId id="2147483650" r:id="rId2"/>
-    <p:sldLayoutId id="2147483651" r:id="rId3"/>
-    <p:sldLayoutId id="2147483652" r:id="rId4"/>
-    <p:sldLayoutId id="2147483653" r:id="rId5"/>
-    <p:sldLayoutId id="2147483654" r:id="rId6"/>
-    <p:sldLayoutId id="2147483655" r:id="rId7"/>
-    <p:sldLayoutId id="2147483656" r:id="rId8"/>
-    <p:sldLayoutId id="2147483657" r:id="rId9"/>
-    <p:sldLayoutId id="2147483658" r:id="rId10"/>
-    <p:sldLayoutId id="2147483659" r:id="rId11"/>
+    <p:sldLayoutId id="2147483661" r:id="rId1"/>
+    <p:sldLayoutId id="2147483662" r:id="rId2"/>
+    <p:sldLayoutId id="2147483663" r:id="rId3"/>
+    <p:sldLayoutId id="2147483664" r:id="rId4"/>
+    <p:sldLayoutId id="2147483665" r:id="rId5"/>
+    <p:sldLayoutId id="2147483666" r:id="rId6"/>
+    <p:sldLayoutId id="2147483667" r:id="rId7"/>
+    <p:sldLayoutId id="2147483668" r:id="rId8"/>
+    <p:sldLayoutId id="2147483669" r:id="rId9"/>
+    <p:sldLayoutId id="2147483670" r:id="rId10"/>
+    <p:sldLayoutId id="2147483671" r:id="rId11"/>
+    <p:sldLayoutId id="2147483672" r:id="rId12"/>
+    <p:sldLayoutId id="2147483673" r:id="rId13"/>
+    <p:sldLayoutId id="2147483674" r:id="rId14"/>
   </p:sldLayoutIdLst>
   <p:txStyles>
     <p:titleStyle>
-      <a:lvl1pPr algn="l" defTabSz="914400" rtl="0" eaLnBrk="1" latinLnBrk="0" hangingPunct="1">
-        <a:lnSpc>
-          <a:spcPct val="90000"/>
-        </a:lnSpc>
+      <a:lvl1pPr algn="l" defTabSz="457200" rtl="0" eaLnBrk="1" latinLnBrk="0" hangingPunct="1">
         <a:spcBef>
           <a:spcPct val="0"/>
         </a:spcBef>
         <a:buNone/>
-        <a:defRPr sz="4400" kern="1200">
+        <a:defRPr sz="4000" b="1" kern="1200">
           <a:solidFill>
-            <a:schemeClr val="tx1"/>
+            <a:srgbClr val="FEFEFE"/>
           </a:solidFill>
           <a:latin typeface="+mj-lt"/>
           <a:ea typeface="+mj-ea"/>
           <a:cs typeface="+mj-cs"/>
         </a:defRPr>
       </a:lvl1pPr>
+      <a:lvl2pPr eaLnBrk="1" hangingPunct="1">
+        <a:defRPr>
+          <a:solidFill>
+            <a:schemeClr val="tx2"/>
+          </a:solidFill>
+        </a:defRPr>
+      </a:lvl2pPr>
+      <a:lvl3pPr eaLnBrk="1" hangingPunct="1">
+        <a:defRPr>
+          <a:solidFill>
+            <a:schemeClr val="tx2"/>
+          </a:solidFill>
+        </a:defRPr>
+      </a:lvl3pPr>
+      <a:lvl4pPr eaLnBrk="1" hangingPunct="1">
+        <a:defRPr>
+          <a:solidFill>
+            <a:schemeClr val="tx2"/>
+          </a:solidFill>
+        </a:defRPr>
+      </a:lvl4pPr>
+      <a:lvl5pPr eaLnBrk="1" hangingPunct="1">
+        <a:defRPr>
+          <a:solidFill>
+            <a:schemeClr val="tx2"/>
+          </a:solidFill>
+        </a:defRPr>
+      </a:lvl5pPr>
+      <a:lvl6pPr eaLnBrk="1" hangingPunct="1">
+        <a:defRPr>
+          <a:solidFill>
+            <a:schemeClr val="tx2"/>
+          </a:solidFill>
+        </a:defRPr>
+      </a:lvl6pPr>
+      <a:lvl7pPr eaLnBrk="1" hangingPunct="1">
+        <a:defRPr>
+          <a:solidFill>
+            <a:schemeClr val="tx2"/>
+          </a:solidFill>
+        </a:defRPr>
+      </a:lvl7pPr>
+      <a:lvl8pPr eaLnBrk="1" hangingPunct="1">
+        <a:defRPr>
+          <a:solidFill>
+            <a:schemeClr val="tx2"/>
+          </a:solidFill>
+        </a:defRPr>
+      </a:lvl8pPr>
+      <a:lvl9pPr eaLnBrk="1" hangingPunct="1">
+        <a:defRPr>
+          <a:solidFill>
+            <a:schemeClr val="tx2"/>
+          </a:solidFill>
+        </a:defRPr>
+      </a:lvl9pPr>
     </p:titleStyle>
     <p:bodyStyle>
-      <a:lvl1pPr marL="228600" indent="-228600" algn="l" defTabSz="914400" rtl="0" eaLnBrk="1" latinLnBrk="0" hangingPunct="1">
-        <a:lnSpc>
-          <a:spcPct val="90000"/>
-        </a:lnSpc>
+      <a:lvl1pPr marL="342900" indent="-342900" algn="l" defTabSz="457200" rtl="0" eaLnBrk="1" latinLnBrk="0" hangingPunct="1">
         <a:spcBef>
-          <a:spcPts val="1000"/>
+          <a:spcPct val="20000"/>
         </a:spcBef>
-        <a:buFont typeface="Arial" panose="020B0604020202020204" pitchFamily="34" charset="0"/>
-        <a:buChar char="•"/>
-        <a:defRPr sz="2800" kern="1200">
+        <a:spcAft>
+          <a:spcPts val="600"/>
+        </a:spcAft>
+        <a:buClr>
+          <a:schemeClr val="accent1"/>
+        </a:buClr>
+        <a:buFont typeface="Wingdings 2" charset="2"/>
+        <a:buChar char=""/>
+        <a:defRPr sz="1800" kern="1200">
           <a:solidFill>
             <a:schemeClr val="tx1"/>
           </a:solidFill>
@@ -2703,16 +5105,19 @@
           <a:cs typeface="+mn-cs"/>
         </a:defRPr>
       </a:lvl1pPr>
-      <a:lvl2pPr marL="685800" indent="-228600" algn="l" defTabSz="914400" rtl="0" eaLnBrk="1" latinLnBrk="0" hangingPunct="1">
-        <a:lnSpc>
-          <a:spcPct val="90000"/>
-        </a:lnSpc>
+      <a:lvl2pPr marL="742950" indent="-285750" algn="l" defTabSz="457200" rtl="0" eaLnBrk="1" latinLnBrk="0" hangingPunct="1">
         <a:spcBef>
-          <a:spcPts val="500"/>
+          <a:spcPct val="20000"/>
         </a:spcBef>
-        <a:buFont typeface="Arial" panose="020B0604020202020204" pitchFamily="34" charset="0"/>
-        <a:buChar char="•"/>
-        <a:defRPr sz="2400" kern="1200">
+        <a:spcAft>
+          <a:spcPts val="600"/>
+        </a:spcAft>
+        <a:buClr>
+          <a:schemeClr val="accent1"/>
+        </a:buClr>
+        <a:buFont typeface="Wingdings 2" charset="2"/>
+        <a:buChar char=""/>
+        <a:defRPr sz="1600" kern="1200">
           <a:solidFill>
             <a:schemeClr val="tx1"/>
           </a:solidFill>
@@ -2721,16 +5126,19 @@
           <a:cs typeface="+mn-cs"/>
         </a:defRPr>
       </a:lvl2pPr>
-      <a:lvl3pPr marL="1143000" indent="-228600" algn="l" defTabSz="914400" rtl="0" eaLnBrk="1" latinLnBrk="0" hangingPunct="1">
-        <a:lnSpc>
-          <a:spcPct val="90000"/>
-        </a:lnSpc>
+      <a:lvl3pPr marL="1143000" indent="-228600" algn="l" defTabSz="457200" rtl="0" eaLnBrk="1" latinLnBrk="0" hangingPunct="1">
         <a:spcBef>
-          <a:spcPts val="500"/>
+          <a:spcPct val="20000"/>
         </a:spcBef>
-        <a:buFont typeface="Arial" panose="020B0604020202020204" pitchFamily="34" charset="0"/>
-        <a:buChar char="•"/>
-        <a:defRPr sz="2000" kern="1200">
+        <a:spcAft>
+          <a:spcPts val="600"/>
+        </a:spcAft>
+        <a:buClr>
+          <a:schemeClr val="accent1"/>
+        </a:buClr>
+        <a:buFont typeface="Wingdings 2" charset="2"/>
+        <a:buChar char=""/>
+        <a:defRPr sz="1400" kern="1200">
           <a:solidFill>
             <a:schemeClr val="tx1"/>
           </a:solidFill>
@@ -2739,16 +5147,19 @@
           <a:cs typeface="+mn-cs"/>
         </a:defRPr>
       </a:lvl3pPr>
-      <a:lvl4pPr marL="1600200" indent="-228600" algn="l" defTabSz="914400" rtl="0" eaLnBrk="1" latinLnBrk="0" hangingPunct="1">
-        <a:lnSpc>
-          <a:spcPct val="90000"/>
-        </a:lnSpc>
+      <a:lvl4pPr marL="1600200" indent="-228600" algn="l" defTabSz="457200" rtl="0" eaLnBrk="1" latinLnBrk="0" hangingPunct="1">
         <a:spcBef>
-          <a:spcPts val="500"/>
+          <a:spcPct val="20000"/>
         </a:spcBef>
-        <a:buFont typeface="Arial" panose="020B0604020202020204" pitchFamily="34" charset="0"/>
-        <a:buChar char="•"/>
-        <a:defRPr sz="1800" kern="1200">
+        <a:spcAft>
+          <a:spcPts val="600"/>
+        </a:spcAft>
+        <a:buClr>
+          <a:schemeClr val="accent1"/>
+        </a:buClr>
+        <a:buFont typeface="Wingdings 2" charset="2"/>
+        <a:buChar char=""/>
+        <a:defRPr sz="1200" kern="1200">
           <a:solidFill>
             <a:schemeClr val="tx1"/>
           </a:solidFill>
@@ -2757,16 +5168,19 @@
           <a:cs typeface="+mn-cs"/>
         </a:defRPr>
       </a:lvl4pPr>
-      <a:lvl5pPr marL="2057400" indent="-228600" algn="l" defTabSz="914400" rtl="0" eaLnBrk="1" latinLnBrk="0" hangingPunct="1">
-        <a:lnSpc>
-          <a:spcPct val="90000"/>
-        </a:lnSpc>
+      <a:lvl5pPr marL="2057400" indent="-228600" algn="l" defTabSz="457200" rtl="0" eaLnBrk="1" latinLnBrk="0" hangingPunct="1">
         <a:spcBef>
-          <a:spcPts val="500"/>
+          <a:spcPct val="20000"/>
         </a:spcBef>
-        <a:buFont typeface="Arial" panose="020B0604020202020204" pitchFamily="34" charset="0"/>
-        <a:buChar char="•"/>
-        <a:defRPr sz="1800" kern="1200">
+        <a:spcAft>
+          <a:spcPts val="600"/>
+        </a:spcAft>
+        <a:buClr>
+          <a:schemeClr val="accent1"/>
+        </a:buClr>
+        <a:buFont typeface="Wingdings 2" charset="2"/>
+        <a:buChar char=""/>
+        <a:defRPr sz="1200" kern="1200">
           <a:solidFill>
             <a:schemeClr val="tx1"/>
           </a:solidFill>
@@ -2775,16 +5189,19 @@
           <a:cs typeface="+mn-cs"/>
         </a:defRPr>
       </a:lvl5pPr>
-      <a:lvl6pPr marL="2514600" indent="-228600" algn="l" defTabSz="914400" rtl="0" eaLnBrk="1" latinLnBrk="0" hangingPunct="1">
-        <a:lnSpc>
-          <a:spcPct val="90000"/>
-        </a:lnSpc>
+      <a:lvl6pPr marL="2400000" indent="-228600" algn="l" defTabSz="457200" rtl="0" eaLnBrk="1" latinLnBrk="0" hangingPunct="1">
         <a:spcBef>
-          <a:spcPts val="500"/>
+          <a:spcPct val="20000"/>
         </a:spcBef>
-        <a:buFont typeface="Arial" panose="020B0604020202020204" pitchFamily="34" charset="0"/>
-        <a:buChar char="•"/>
-        <a:defRPr sz="1800" kern="1200">
+        <a:spcAft>
+          <a:spcPts val="600"/>
+        </a:spcAft>
+        <a:buClr>
+          <a:schemeClr val="accent1"/>
+        </a:buClr>
+        <a:buFont typeface="Wingdings 2" charset="2"/>
+        <a:buChar char=""/>
+        <a:defRPr sz="1200" kern="1200">
           <a:solidFill>
             <a:schemeClr val="tx1"/>
           </a:solidFill>
@@ -2793,16 +5210,19 @@
           <a:cs typeface="+mn-cs"/>
         </a:defRPr>
       </a:lvl6pPr>
-      <a:lvl7pPr marL="2971800" indent="-228600" algn="l" defTabSz="914400" rtl="0" eaLnBrk="1" latinLnBrk="0" hangingPunct="1">
-        <a:lnSpc>
-          <a:spcPct val="90000"/>
-        </a:lnSpc>
+      <a:lvl7pPr marL="2800000" indent="-228600" algn="l" defTabSz="457200" rtl="0" eaLnBrk="1" latinLnBrk="0" hangingPunct="1">
         <a:spcBef>
-          <a:spcPts val="500"/>
+          <a:spcPct val="20000"/>
         </a:spcBef>
-        <a:buFont typeface="Arial" panose="020B0604020202020204" pitchFamily="34" charset="0"/>
-        <a:buChar char="•"/>
-        <a:defRPr sz="1800" kern="1200">
+        <a:spcAft>
+          <a:spcPts val="600"/>
+        </a:spcAft>
+        <a:buClr>
+          <a:schemeClr val="accent1"/>
+        </a:buClr>
+        <a:buFont typeface="Wingdings 2" charset="2"/>
+        <a:buChar char=""/>
+        <a:defRPr sz="1200" kern="1200">
           <a:solidFill>
             <a:schemeClr val="tx1"/>
           </a:solidFill>
@@ -2811,16 +5231,19 @@
           <a:cs typeface="+mn-cs"/>
         </a:defRPr>
       </a:lvl7pPr>
-      <a:lvl8pPr marL="3429000" indent="-228600" algn="l" defTabSz="914400" rtl="0" eaLnBrk="1" latinLnBrk="0" hangingPunct="1">
-        <a:lnSpc>
-          <a:spcPct val="90000"/>
-        </a:lnSpc>
+      <a:lvl8pPr marL="3200000" indent="-228600" algn="l" defTabSz="457200" rtl="0" eaLnBrk="1" latinLnBrk="0" hangingPunct="1">
         <a:spcBef>
-          <a:spcPts val="500"/>
+          <a:spcPct val="20000"/>
         </a:spcBef>
-        <a:buFont typeface="Arial" panose="020B0604020202020204" pitchFamily="34" charset="0"/>
-        <a:buChar char="•"/>
-        <a:defRPr sz="1800" kern="1200">
+        <a:spcAft>
+          <a:spcPts val="600"/>
+        </a:spcAft>
+        <a:buClr>
+          <a:schemeClr val="accent1"/>
+        </a:buClr>
+        <a:buFont typeface="Wingdings 2" charset="2"/>
+        <a:buChar char=""/>
+        <a:defRPr sz="1200" kern="1200">
           <a:solidFill>
             <a:schemeClr val="tx1"/>
           </a:solidFill>
@@ -2829,16 +5252,19 @@
           <a:cs typeface="+mn-cs"/>
         </a:defRPr>
       </a:lvl8pPr>
-      <a:lvl9pPr marL="3886200" indent="-228600" algn="l" defTabSz="914400" rtl="0" eaLnBrk="1" latinLnBrk="0" hangingPunct="1">
-        <a:lnSpc>
-          <a:spcPct val="90000"/>
-        </a:lnSpc>
+      <a:lvl9pPr marL="3600000" indent="-228600" algn="l" defTabSz="457200" rtl="0" eaLnBrk="1" latinLnBrk="0" hangingPunct="1">
         <a:spcBef>
-          <a:spcPts val="500"/>
+          <a:spcPct val="20000"/>
         </a:spcBef>
-        <a:buFont typeface="Arial" panose="020B0604020202020204" pitchFamily="34" charset="0"/>
-        <a:buChar char="•"/>
-        <a:defRPr sz="1800" kern="1200">
+        <a:spcAft>
+          <a:spcPts val="600"/>
+        </a:spcAft>
+        <a:buClr>
+          <a:schemeClr val="accent1"/>
+        </a:buClr>
+        <a:buFont typeface="Wingdings 2" charset="2"/>
+        <a:buChar char=""/>
+        <a:defRPr sz="1200" kern="1200">
           <a:solidFill>
             <a:schemeClr val="tx1"/>
           </a:solidFill>
@@ -2850,9 +5276,9 @@
     </p:bodyStyle>
     <p:otherStyle>
       <a:defPPr>
-        <a:defRPr lang="es-MX"/>
+        <a:defRPr lang="en-US"/>
       </a:defPPr>
-      <a:lvl1pPr marL="0" algn="l" defTabSz="914400" rtl="0" eaLnBrk="1" latinLnBrk="0" hangingPunct="1">
+      <a:lvl1pPr marL="0" algn="l" defTabSz="457200" rtl="0" eaLnBrk="1" latinLnBrk="0" hangingPunct="1">
         <a:defRPr sz="1800" kern="1200">
           <a:solidFill>
             <a:schemeClr val="tx1"/>
@@ -2862,7 +5288,7 @@
           <a:cs typeface="+mn-cs"/>
         </a:defRPr>
       </a:lvl1pPr>
-      <a:lvl2pPr marL="457200" algn="l" defTabSz="914400" rtl="0" eaLnBrk="1" latinLnBrk="0" hangingPunct="1">
+      <a:lvl2pPr marL="457200" algn="l" defTabSz="457200" rtl="0" eaLnBrk="1" latinLnBrk="0" hangingPunct="1">
         <a:defRPr sz="1800" kern="1200">
           <a:solidFill>
             <a:schemeClr val="tx1"/>
@@ -2872,7 +5298,7 @@
           <a:cs typeface="+mn-cs"/>
         </a:defRPr>
       </a:lvl2pPr>
-      <a:lvl3pPr marL="914400" algn="l" defTabSz="914400" rtl="0" eaLnBrk="1" latinLnBrk="0" hangingPunct="1">
+      <a:lvl3pPr marL="914400" algn="l" defTabSz="457200" rtl="0" eaLnBrk="1" latinLnBrk="0" hangingPunct="1">
         <a:defRPr sz="1800" kern="1200">
           <a:solidFill>
             <a:schemeClr val="tx1"/>
@@ -2882,7 +5308,7 @@
           <a:cs typeface="+mn-cs"/>
         </a:defRPr>
       </a:lvl3pPr>
-      <a:lvl4pPr marL="1371600" algn="l" defTabSz="914400" rtl="0" eaLnBrk="1" latinLnBrk="0" hangingPunct="1">
+      <a:lvl4pPr marL="1371600" algn="l" defTabSz="457200" rtl="0" eaLnBrk="1" latinLnBrk="0" hangingPunct="1">
         <a:defRPr sz="1800" kern="1200">
           <a:solidFill>
             <a:schemeClr val="tx1"/>
@@ -2892,7 +5318,7 @@
           <a:cs typeface="+mn-cs"/>
         </a:defRPr>
       </a:lvl4pPr>
-      <a:lvl5pPr marL="1828800" algn="l" defTabSz="914400" rtl="0" eaLnBrk="1" latinLnBrk="0" hangingPunct="1">
+      <a:lvl5pPr marL="1828800" algn="l" defTabSz="457200" rtl="0" eaLnBrk="1" latinLnBrk="0" hangingPunct="1">
         <a:defRPr sz="1800" kern="1200">
           <a:solidFill>
             <a:schemeClr val="tx1"/>
@@ -2902,7 +5328,7 @@
           <a:cs typeface="+mn-cs"/>
         </a:defRPr>
       </a:lvl5pPr>
-      <a:lvl6pPr marL="2286000" algn="l" defTabSz="914400" rtl="0" eaLnBrk="1" latinLnBrk="0" hangingPunct="1">
+      <a:lvl6pPr marL="2286000" algn="l" defTabSz="457200" rtl="0" eaLnBrk="1" latinLnBrk="0" hangingPunct="1">
         <a:defRPr sz="1800" kern="1200">
           <a:solidFill>
             <a:schemeClr val="tx1"/>
@@ -2912,7 +5338,7 @@
           <a:cs typeface="+mn-cs"/>
         </a:defRPr>
       </a:lvl6pPr>
-      <a:lvl7pPr marL="2743200" algn="l" defTabSz="914400" rtl="0" eaLnBrk="1" latinLnBrk="0" hangingPunct="1">
+      <a:lvl7pPr marL="2743200" algn="l" defTabSz="457200" rtl="0" eaLnBrk="1" latinLnBrk="0" hangingPunct="1">
         <a:defRPr sz="1800" kern="1200">
           <a:solidFill>
             <a:schemeClr val="tx1"/>
@@ -2922,7 +5348,7 @@
           <a:cs typeface="+mn-cs"/>
         </a:defRPr>
       </a:lvl7pPr>
-      <a:lvl8pPr marL="3200400" algn="l" defTabSz="914400" rtl="0" eaLnBrk="1" latinLnBrk="0" hangingPunct="1">
+      <a:lvl8pPr marL="3200400" algn="l" defTabSz="457200" rtl="0" eaLnBrk="1" latinLnBrk="0" hangingPunct="1">
         <a:defRPr sz="1800" kern="1200">
           <a:solidFill>
             <a:schemeClr val="tx1"/>
@@ -2932,7 +5358,7 @@
           <a:cs typeface="+mn-cs"/>
         </a:defRPr>
       </a:lvl8pPr>
-      <a:lvl9pPr marL="3657600" algn="l" defTabSz="914400" rtl="0" eaLnBrk="1" latinLnBrk="0" hangingPunct="1">
+      <a:lvl9pPr marL="3657600" algn="l" defTabSz="457200" rtl="0" eaLnBrk="1" latinLnBrk="0" hangingPunct="1">
         <a:defRPr sz="1800" kern="1200">
           <a:solidFill>
             <a:schemeClr val="tx1"/>
@@ -2950,6 +5376,14 @@
 <file path=ppt/slides/slide1.xml><?xml version="1.0" encoding="utf-8"?>
 <p:sld xmlns:a="http://schemas.openxmlformats.org/drawingml/2006/main" xmlns:r="http://schemas.openxmlformats.org/officeDocument/2006/relationships" xmlns:p="http://schemas.openxmlformats.org/presentationml/2006/main">
   <p:cSld>
+    <p:bg>
+      <p:bgPr>
+        <a:solidFill>
+          <a:schemeClr val="bg2"/>
+        </a:solidFill>
+        <a:effectLst/>
+      </p:bgPr>
+    </p:bg>
     <p:spTree>
       <p:nvGrpSpPr>
         <p:cNvPr id="1" name=""/>
@@ -2964,6 +5398,97 @@
           <a:chExt cx="0" cy="0"/>
         </a:xfrm>
       </p:grpSpPr>
+      <p:sp useBgFill="1">
+        <p:nvSpPr>
+          <p:cNvPr id="11" name="Rectangle 8">
+            <a:extLst>
+              <a:ext uri="{FF2B5EF4-FFF2-40B4-BE49-F238E27FC236}">
+                <a16:creationId xmlns:a16="http://schemas.microsoft.com/office/drawing/2014/main" id="{54047A07-72EC-41BC-A55F-C264F639FB20}"/>
+              </a:ext>
+              <a:ext uri="{C183D7F6-B498-43B3-948B-1728B52AA6E4}">
+                <adec:decorative xmlns:adec="http://schemas.microsoft.com/office/drawing/2017/decorative" val="1"/>
+              </a:ext>
+            </a:extLst>
+          </p:cNvPr>
+          <p:cNvSpPr>
+            <a:spLocks noGrp="1" noRot="1" noChangeAspect="1" noMove="1" noResize="1" noEditPoints="1" noAdjustHandles="1" noChangeArrowheads="1" noChangeShapeType="1" noTextEdit="1"/>
+          </p:cNvSpPr>
+          <p:nvPr>
+            <p:extLst>
+              <p:ext uri="{386F3935-93C4-4BCD-93E2-E3B085C9AB24}">
+                <p16:designElem xmlns:p16="http://schemas.microsoft.com/office/powerpoint/2015/main" val="1"/>
+              </p:ext>
+            </p:extLst>
+          </p:nvPr>
+        </p:nvSpPr>
+        <p:spPr>
+          <a:xfrm>
+            <a:off x="0" y="0"/>
+            <a:ext cx="12192000" cy="6858000"/>
+          </a:xfrm>
+          <a:prstGeom prst="rect">
+            <a:avLst/>
+          </a:prstGeom>
+          <a:ln>
+            <a:noFill/>
+          </a:ln>
+        </p:spPr>
+        <p:style>
+          <a:lnRef idx="2">
+            <a:schemeClr val="accent1">
+              <a:shade val="50000"/>
+            </a:schemeClr>
+          </a:lnRef>
+          <a:fillRef idx="1">
+            <a:schemeClr val="accent1"/>
+          </a:fillRef>
+          <a:effectRef idx="0">
+            <a:schemeClr val="accent1"/>
+          </a:effectRef>
+          <a:fontRef idx="minor">
+            <a:schemeClr val="lt1"/>
+          </a:fontRef>
+        </p:style>
+        <p:txBody>
+          <a:bodyPr rtlCol="0" anchor="ctr"/>
+          <a:lstStyle/>
+          <a:p>
+            <a:pPr algn="ctr"/>
+            <a:endParaRPr lang="en-US"/>
+          </a:p>
+        </p:txBody>
+      </p:sp>
+      <p:pic>
+        <p:nvPicPr>
+          <p:cNvPr id="4" name="Imagen 3" descr="Diagrama, Dibujo de ingeniería&#10;&#10;Descripción generada automáticamente">
+            <a:extLst>
+              <a:ext uri="{FF2B5EF4-FFF2-40B4-BE49-F238E27FC236}">
+                <a16:creationId xmlns:a16="http://schemas.microsoft.com/office/drawing/2014/main" id="{AF3C8F0B-DFD7-4317-B4A7-D01C61ECCBBF}"/>
+              </a:ext>
+            </a:extLst>
+          </p:cNvPr>
+          <p:cNvPicPr>
+            <a:picLocks noChangeAspect="1"/>
+          </p:cNvPicPr>
+          <p:nvPr/>
+        </p:nvPicPr>
+        <p:blipFill rotWithShape="1">
+          <a:blip r:embed="rId2">
+            <a:alphaModFix amt="40000"/>
+          </a:blip>
+          <a:srcRect t="12225" b="9378"/>
+          <a:stretch/>
+        </p:blipFill>
+        <p:spPr>
+          <a:xfrm>
+            <a:off x="20" y="10"/>
+            <a:ext cx="12191980" cy="6857990"/>
+          </a:xfrm>
+          <a:prstGeom prst="rect">
+            <a:avLst/>
+          </a:prstGeom>
+        </p:spPr>
+      </p:pic>
       <p:sp>
         <p:nvSpPr>
           <p:cNvPr id="2" name="Título 1"/>
@@ -2974,16 +5499,35 @@
             <p:ph type="ctrTitle"/>
           </p:nvPr>
         </p:nvSpPr>
-        <p:spPr/>
-        <p:txBody>
-          <a:bodyPr/>
+        <p:spPr>
+          <a:xfrm>
+            <a:off x="810001" y="1449147"/>
+            <a:ext cx="10572000" cy="3732453"/>
+          </a:xfrm>
+        </p:spPr>
+        <p:txBody>
+          <a:bodyPr>
+            <a:normAutofit/>
+          </a:bodyPr>
           <a:lstStyle/>
           <a:p>
             <a:r>
-              <a:rPr lang="es-MX" smtClean="0"/>
-              <a:t>Sensores Agua</a:t>
-            </a:r>
-            <a:endParaRPr lang="es-MX"/>
+              <a:rPr lang="es-MX" dirty="0"/>
+              <a:t>Proyecto Final CS </a:t>
+            </a:r>
+            <a:r>
+              <a:rPr lang="es-MX" dirty="0" err="1"/>
+              <a:t>tools</a:t>
+            </a:r>
+            <a:r>
+              <a:rPr lang="es-MX" dirty="0"/>
+              <a:t>: Flujo del Agua con </a:t>
+            </a:r>
+            <a:r>
+              <a:rPr lang="es-MX" dirty="0" err="1"/>
+              <a:t>IoT</a:t>
+            </a:r>
+            <a:endParaRPr lang="es-MX" dirty="0"/>
           </a:p>
         </p:txBody>
       </p:sp>
@@ -2997,12 +5541,137 @@
             <p:ph type="subTitle" idx="1"/>
           </p:nvPr>
         </p:nvSpPr>
-        <p:spPr/>
-        <p:txBody>
-          <a:bodyPr/>
+        <p:spPr>
+          <a:xfrm>
+            <a:off x="810001" y="5280847"/>
+            <a:ext cx="10572000" cy="1349890"/>
+          </a:xfrm>
+        </p:spPr>
+        <p:txBody>
+          <a:bodyPr>
+            <a:normAutofit fontScale="47500" lnSpcReduction="20000"/>
+          </a:bodyPr>
           <a:lstStyle/>
           <a:p>
-            <a:endParaRPr lang="es-MX"/>
+            <a:pPr algn="r" rtl="0">
+              <a:spcBef>
+                <a:spcPts val="0"/>
+              </a:spcBef>
+              <a:spcAft>
+                <a:spcPts val="0"/>
+              </a:spcAft>
+            </a:pPr>
+            <a:r>
+              <a:rPr lang="es-MX" sz="3300" b="0" i="0" u="none" strike="noStrike" dirty="0">
+                <a:solidFill>
+                  <a:srgbClr val="FFFFFF"/>
+                </a:solidFill>
+                <a:effectLst/>
+                <a:latin typeface="Lato"/>
+              </a:rPr>
+              <a:t>José Ángel Rentería Campos A00832436</a:t>
+            </a:r>
+            <a:endParaRPr lang="es-MX" sz="3300" b="0" dirty="0">
+              <a:effectLst/>
+            </a:endParaRPr>
+          </a:p>
+          <a:p>
+            <a:pPr algn="r" rtl="0">
+              <a:spcBef>
+                <a:spcPts val="0"/>
+              </a:spcBef>
+              <a:spcAft>
+                <a:spcPts val="0"/>
+              </a:spcAft>
+            </a:pPr>
+            <a:r>
+              <a:rPr lang="es-MX" sz="3300" b="0" i="0" u="none" strike="noStrike" dirty="0">
+                <a:solidFill>
+                  <a:srgbClr val="FFFFFF"/>
+                </a:solidFill>
+                <a:effectLst/>
+                <a:latin typeface="Lato"/>
+              </a:rPr>
+              <a:t>Julio Eduardo Arvizu Castillo A00831346</a:t>
+            </a:r>
+            <a:endParaRPr lang="es-MX" sz="3300" b="0" dirty="0">
+              <a:effectLst/>
+            </a:endParaRPr>
+          </a:p>
+          <a:p>
+            <a:pPr algn="r" rtl="0">
+              <a:spcBef>
+                <a:spcPts val="0"/>
+              </a:spcBef>
+              <a:spcAft>
+                <a:spcPts val="0"/>
+              </a:spcAft>
+            </a:pPr>
+            <a:r>
+              <a:rPr lang="es-MX" sz="3300" b="0" i="0" u="none" strike="noStrike" dirty="0">
+                <a:solidFill>
+                  <a:srgbClr val="FFFFFF"/>
+                </a:solidFill>
+                <a:effectLst/>
+                <a:latin typeface="Lato"/>
+              </a:rPr>
+              <a:t>Ricardo Jorge Rodríguez Treviño A00831595</a:t>
+            </a:r>
+            <a:endParaRPr lang="es-MX" sz="3300" b="0" dirty="0">
+              <a:effectLst/>
+            </a:endParaRPr>
+          </a:p>
+          <a:p>
+            <a:pPr algn="r" rtl="0">
+              <a:spcBef>
+                <a:spcPts val="0"/>
+              </a:spcBef>
+              <a:spcAft>
+                <a:spcPts val="0"/>
+              </a:spcAft>
+            </a:pPr>
+            <a:r>
+              <a:rPr lang="es-MX" sz="3300" b="0" i="0" u="none" strike="noStrike" dirty="0">
+                <a:solidFill>
+                  <a:srgbClr val="FFFFFF"/>
+                </a:solidFill>
+                <a:effectLst/>
+                <a:latin typeface="Lato"/>
+              </a:rPr>
+              <a:t>Mariana Micaela Espejo Maldonado A00827264</a:t>
+            </a:r>
+            <a:endParaRPr lang="es-MX" sz="3300" b="0" dirty="0">
+              <a:effectLst/>
+            </a:endParaRPr>
+          </a:p>
+          <a:p>
+            <a:pPr algn="r" rtl="0">
+              <a:spcBef>
+                <a:spcPts val="0"/>
+              </a:spcBef>
+              <a:spcAft>
+                <a:spcPts val="0"/>
+              </a:spcAft>
+            </a:pPr>
+            <a:r>
+              <a:rPr lang="es-MX" sz="3300" b="0" i="0" u="none" strike="noStrike" dirty="0">
+                <a:solidFill>
+                  <a:srgbClr val="FFFFFF"/>
+                </a:solidFill>
+                <a:effectLst/>
+                <a:latin typeface="Lato"/>
+              </a:rPr>
+              <a:t>Andrés Martín Vivanco Palacios A01705733</a:t>
+            </a:r>
+            <a:endParaRPr lang="es-MX" sz="3300" b="0" dirty="0">
+              <a:effectLst/>
+            </a:endParaRPr>
+          </a:p>
+          <a:p>
+            <a:br>
+              <a:rPr lang="es-MX" dirty="0"/>
+            </a:br>
+            <a:endParaRPr lang="es-MX" dirty="0"/>
           </a:p>
         </p:txBody>
       </p:sp>
@@ -3016,13 +5685,311 @@
   <p:clrMapOvr>
     <a:masterClrMapping/>
   </p:clrMapOvr>
+  <p:timing>
+    <p:tnLst>
+      <p:par>
+        <p:cTn id="1" dur="indefinite" restart="never" nodeType="tmRoot">
+          <p:childTnLst>
+            <p:seq concurrent="1" nextAc="seek">
+              <p:cTn id="2" dur="indefinite" nodeType="mainSeq">
+                <p:childTnLst>
+                  <p:par>
+                    <p:cTn id="3" fill="hold">
+                      <p:stCondLst>
+                        <p:cond delay="indefinite"/>
+                        <p:cond evt="onBegin" delay="0">
+                          <p:tn val="2"/>
+                        </p:cond>
+                      </p:stCondLst>
+                      <p:childTnLst>
+                        <p:par>
+                          <p:cTn id="4" fill="hold">
+                            <p:stCondLst>
+                              <p:cond delay="0"/>
+                            </p:stCondLst>
+                            <p:childTnLst>
+                              <p:par>
+                                <p:cTn id="5" presetID="10" presetClass="entr" presetSubtype="0" fill="hold" grpId="0" nodeType="withEffect">
+                                  <p:stCondLst>
+                                    <p:cond delay="1000"/>
+                                  </p:stCondLst>
+                                  <p:iterate>
+                                    <p:tmPct val="10000"/>
+                                  </p:iterate>
+                                  <p:childTnLst>
+                                    <p:set>
+                                      <p:cBhvr>
+                                        <p:cTn id="6" dur="1" fill="hold">
+                                          <p:stCondLst>
+                                            <p:cond delay="0"/>
+                                          </p:stCondLst>
+                                        </p:cTn>
+                                        <p:tgtEl>
+                                          <p:spTgt spid="2"/>
+                                        </p:tgtEl>
+                                        <p:attrNameLst>
+                                          <p:attrName>style.visibility</p:attrName>
+                                        </p:attrNameLst>
+                                      </p:cBhvr>
+                                      <p:to>
+                                        <p:strVal val="visible"/>
+                                      </p:to>
+                                    </p:set>
+                                    <p:animEffect transition="in" filter="fade">
+                                      <p:cBhvr>
+                                        <p:cTn id="7" dur="700"/>
+                                        <p:tgtEl>
+                                          <p:spTgt spid="2"/>
+                                        </p:tgtEl>
+                                      </p:cBhvr>
+                                    </p:animEffect>
+                                  </p:childTnLst>
+                                </p:cTn>
+                              </p:par>
+                              <p:par>
+                                <p:cTn id="8" presetID="10" presetClass="entr" presetSubtype="0" fill="hold" nodeType="withEffect">
+                                  <p:stCondLst>
+                                    <p:cond delay="0"/>
+                                  </p:stCondLst>
+                                  <p:iterate>
+                                    <p:tmPct val="10000"/>
+                                  </p:iterate>
+                                  <p:childTnLst>
+                                    <p:set>
+                                      <p:cBhvr>
+                                        <p:cTn id="9" dur="1" fill="hold">
+                                          <p:stCondLst>
+                                            <p:cond delay="0"/>
+                                          </p:stCondLst>
+                                        </p:cTn>
+                                        <p:tgtEl>
+                                          <p:spTgt spid="4"/>
+                                        </p:tgtEl>
+                                        <p:attrNameLst>
+                                          <p:attrName>style.visibility</p:attrName>
+                                        </p:attrNameLst>
+                                      </p:cBhvr>
+                                      <p:to>
+                                        <p:strVal val="visible"/>
+                                      </p:to>
+                                    </p:set>
+                                    <p:animEffect transition="in" filter="fade">
+                                      <p:cBhvr>
+                                        <p:cTn id="10" dur="700"/>
+                                        <p:tgtEl>
+                                          <p:spTgt spid="4"/>
+                                        </p:tgtEl>
+                                      </p:cBhvr>
+                                    </p:animEffect>
+                                  </p:childTnLst>
+                                </p:cTn>
+                              </p:par>
+                            </p:childTnLst>
+                          </p:cTn>
+                        </p:par>
+                      </p:childTnLst>
+                    </p:cTn>
+                  </p:par>
+                </p:childTnLst>
+              </p:cTn>
+              <p:prevCondLst>
+                <p:cond evt="onPrev" delay="0">
+                  <p:tgtEl>
+                    <p:sldTgt/>
+                  </p:tgtEl>
+                </p:cond>
+              </p:prevCondLst>
+              <p:nextCondLst>
+                <p:cond evt="onNext" delay="0">
+                  <p:tgtEl>
+                    <p:sldTgt/>
+                  </p:tgtEl>
+                </p:cond>
+              </p:nextCondLst>
+            </p:seq>
+          </p:childTnLst>
+        </p:cTn>
+      </p:par>
+    </p:tnLst>
+    <p:bldLst>
+      <p:bldP spid="2" grpId="0"/>
+    </p:bldLst>
+  </p:timing>
+</p:sld>
+</file>
+
+<file path=ppt/slides/slide2.xml><?xml version="1.0" encoding="utf-8"?>
+<p:sld xmlns:a="http://schemas.openxmlformats.org/drawingml/2006/main" xmlns:r="http://schemas.openxmlformats.org/officeDocument/2006/relationships" xmlns:p="http://schemas.openxmlformats.org/presentationml/2006/main">
+  <p:cSld>
+    <p:bg>
+      <p:bgPr>
+        <a:solidFill>
+          <a:schemeClr val="bg2"/>
+        </a:solidFill>
+        <a:effectLst/>
+      </p:bgPr>
+    </p:bg>
+    <p:spTree>
+      <p:nvGrpSpPr>
+        <p:cNvPr id="1" name=""/>
+        <p:cNvGrpSpPr/>
+        <p:nvPr/>
+      </p:nvGrpSpPr>
+      <p:grpSpPr>
+        <a:xfrm>
+          <a:off x="0" y="0"/>
+          <a:ext cx="0" cy="0"/>
+          <a:chOff x="0" y="0"/>
+          <a:chExt cx="0" cy="0"/>
+        </a:xfrm>
+      </p:grpSpPr>
+      <p:sp>
+        <p:nvSpPr>
+          <p:cNvPr id="2" name="Título 1">
+            <a:extLst>
+              <a:ext uri="{FF2B5EF4-FFF2-40B4-BE49-F238E27FC236}">
+                <a16:creationId xmlns:a16="http://schemas.microsoft.com/office/drawing/2014/main" id="{486EAAA6-226E-4716-8401-1514C7F74430}"/>
+              </a:ext>
+            </a:extLst>
+          </p:cNvPr>
+          <p:cNvSpPr>
+            <a:spLocks noGrp="1"/>
+          </p:cNvSpPr>
+          <p:nvPr>
+            <p:ph type="title"/>
+          </p:nvPr>
+        </p:nvSpPr>
+        <p:spPr>
+          <a:xfrm>
+            <a:off x="810000" y="447188"/>
+            <a:ext cx="10571998" cy="970450"/>
+          </a:xfrm>
+        </p:spPr>
+        <p:txBody>
+          <a:bodyPr>
+            <a:normAutofit/>
+          </a:bodyPr>
+          <a:lstStyle/>
+          <a:p>
+            <a:r>
+              <a:rPr lang="es-MX" dirty="0"/>
+              <a:t>Introducción</a:t>
+            </a:r>
+          </a:p>
+        </p:txBody>
+      </p:sp>
+      <p:sp>
+        <p:nvSpPr>
+          <p:cNvPr id="3" name="Marcador de contenido 2">
+            <a:extLst>
+              <a:ext uri="{FF2B5EF4-FFF2-40B4-BE49-F238E27FC236}">
+                <a16:creationId xmlns:a16="http://schemas.microsoft.com/office/drawing/2014/main" id="{2629E7A5-7C32-4782-B14F-5B7B81393095}"/>
+              </a:ext>
+            </a:extLst>
+          </p:cNvPr>
+          <p:cNvSpPr>
+            <a:spLocks noGrp="1"/>
+          </p:cNvSpPr>
+          <p:nvPr>
+            <p:ph idx="1"/>
+          </p:nvPr>
+        </p:nvSpPr>
+        <p:spPr>
+          <a:xfrm>
+            <a:off x="818713" y="2413000"/>
+            <a:ext cx="3835583" cy="3632200"/>
+          </a:xfrm>
+        </p:spPr>
+        <p:txBody>
+          <a:bodyPr>
+            <a:normAutofit/>
+          </a:bodyPr>
+          <a:lstStyle/>
+          <a:p>
+            <a:r>
+              <a:rPr lang="es-MX" sz="1600" dirty="0"/>
+              <a:t>El internet de las cosas (</a:t>
+            </a:r>
+            <a:r>
+              <a:rPr lang="es-MX" sz="1600" dirty="0" err="1"/>
+              <a:t>IoT</a:t>
+            </a:r>
+            <a:r>
+              <a:rPr lang="es-MX" sz="1600" dirty="0"/>
+              <a:t> por sus siglas en inglés) se refiere a una red de objetos físicos, los cuales, mediante el uso de sensores y </a:t>
+            </a:r>
+            <a:r>
+              <a:rPr lang="es-MX" sz="1600" dirty="0" err="1"/>
+              <a:t>APIs</a:t>
+            </a:r>
+            <a:r>
+              <a:rPr lang="es-MX" sz="1600" dirty="0"/>
+              <a:t>, realizan conexiones e intercambios de datos o información por internet.</a:t>
+            </a:r>
+          </a:p>
+          <a:p>
+            <a:r>
+              <a:rPr lang="es-MX" sz="1600" dirty="0"/>
+              <a:t>El uso de este nos permite facilitar diversos aspectos de nuestra vida cotidiana y laboral, así como la resolución de problemas, entre ellos medioambientales.</a:t>
+            </a:r>
+          </a:p>
+        </p:txBody>
+      </p:sp>
+      <p:pic>
+        <p:nvPicPr>
+          <p:cNvPr id="6" name="Imagen 5" descr="Diagrama, Icono&#10;&#10;Descripción generada automáticamente">
+            <a:extLst>
+              <a:ext uri="{FF2B5EF4-FFF2-40B4-BE49-F238E27FC236}">
+                <a16:creationId xmlns:a16="http://schemas.microsoft.com/office/drawing/2014/main" id="{C1F50B84-B5C1-47B8-9F8D-9A2C5521562A}"/>
+              </a:ext>
+            </a:extLst>
+          </p:cNvPr>
+          <p:cNvPicPr>
+            <a:picLocks noChangeAspect="1"/>
+          </p:cNvPicPr>
+          <p:nvPr/>
+        </p:nvPicPr>
+        <p:blipFill>
+          <a:blip r:embed="rId2"/>
+          <a:stretch>
+            <a:fillRect/>
+          </a:stretch>
+        </p:blipFill>
+        <p:spPr>
+          <a:xfrm>
+            <a:off x="5762968" y="2413000"/>
+            <a:ext cx="4955115" cy="3716338"/>
+          </a:xfrm>
+          <a:prstGeom prst="roundRect">
+            <a:avLst>
+              <a:gd name="adj" fmla="val 3876"/>
+            </a:avLst>
+          </a:prstGeom>
+          <a:ln>
+            <a:solidFill>
+              <a:schemeClr val="accent1"/>
+            </a:solidFill>
+          </a:ln>
+          <a:effectLst/>
+        </p:spPr>
+      </p:pic>
+    </p:spTree>
+    <p:extLst>
+      <p:ext uri="{BB962C8B-B14F-4D97-AF65-F5344CB8AC3E}">
+        <p14:creationId xmlns:p14="http://schemas.microsoft.com/office/powerpoint/2010/main" val="969365076"/>
+      </p:ext>
+    </p:extLst>
+  </p:cSld>
+  <p:clrMapOvr>
+    <a:masterClrMapping/>
+  </p:clrMapOvr>
 </p:sld>
 </file>
 
 <file path=ppt/theme/theme1.xml><?xml version="1.0" encoding="utf-8"?>
-<a:theme xmlns:a="http://schemas.openxmlformats.org/drawingml/2006/main" name="Tema de Office">
+<a:theme xmlns:a="http://schemas.openxmlformats.org/drawingml/2006/main" name="Citable">
   <a:themeElements>
-    <a:clrScheme name="Office">
+    <a:clrScheme name="Citable">
       <a:dk1>
         <a:sysClr val="windowText" lastClr="000000"/>
       </a:dk1>
@@ -3030,83 +5997,48 @@
         <a:sysClr val="window" lastClr="FFFFFF"/>
       </a:lt1>
       <a:dk2>
-        <a:srgbClr val="44546A"/>
+        <a:srgbClr val="212121"/>
       </a:dk2>
       <a:lt2>
-        <a:srgbClr val="E7E6E6"/>
+        <a:srgbClr val="636363"/>
       </a:lt2>
       <a:accent1>
-        <a:srgbClr val="5B9BD5"/>
+        <a:srgbClr val="00C6BB"/>
       </a:accent1>
       <a:accent2>
-        <a:srgbClr val="ED7D31"/>
+        <a:srgbClr val="6FEBA0"/>
       </a:accent2>
       <a:accent3>
-        <a:srgbClr val="A5A5A5"/>
+        <a:srgbClr val="B6DF5E"/>
       </a:accent3>
       <a:accent4>
-        <a:srgbClr val="FFC000"/>
+        <a:srgbClr val="EFB251"/>
       </a:accent4>
       <a:accent5>
-        <a:srgbClr val="4472C4"/>
+        <a:srgbClr val="EF755F"/>
       </a:accent5>
       <a:accent6>
-        <a:srgbClr val="70AD47"/>
+        <a:srgbClr val="ED515C"/>
       </a:accent6>
       <a:hlink>
-        <a:srgbClr val="0563C1"/>
+        <a:srgbClr val="8F8F8F"/>
       </a:hlink>
       <a:folHlink>
-        <a:srgbClr val="954F72"/>
+        <a:srgbClr val="A5A5A5"/>
       </a:folHlink>
     </a:clrScheme>
-    <a:fontScheme name="Office">
+    <a:fontScheme name="Citable">
       <a:majorFont>
-        <a:latin typeface="Calibri Light" panose="020F0302020204030204"/>
+        <a:latin typeface="Century Gothic" panose="020B0502020202020204"/>
         <a:ea typeface=""/>
         <a:cs typeface=""/>
-        <a:font script="Jpan" typeface="ＭＳ Ｐゴシック"/>
+        <a:font script="Jpan" typeface="ＭＳ ゴシック"/>
         <a:font script="Hang" typeface="맑은 고딕"/>
         <a:font script="Hans" typeface="宋体"/>
         <a:font script="Hant" typeface="新細明體"/>
-        <a:font script="Arab" typeface="Times New Roman"/>
-        <a:font script="Hebr" typeface="Times New Roman"/>
-        <a:font script="Thai" typeface="Angsana New"/>
-        <a:font script="Ethi" typeface="Nyala"/>
-        <a:font script="Beng" typeface="Vrinda"/>
-        <a:font script="Gujr" typeface="Shruti"/>
-        <a:font script="Khmr" typeface="MoolBoran"/>
-        <a:font script="Knda" typeface="Tunga"/>
-        <a:font script="Guru" typeface="Raavi"/>
-        <a:font script="Cans" typeface="Euphemia"/>
-        <a:font script="Cher" typeface="Plantagenet Cherokee"/>
-        <a:font script="Yiii" typeface="Microsoft Yi Baiti"/>
-        <a:font script="Tibt" typeface="Microsoft Himalaya"/>
-        <a:font script="Thaa" typeface="MV Boli"/>
-        <a:font script="Deva" typeface="Mangal"/>
-        <a:font script="Telu" typeface="Gautami"/>
-        <a:font script="Taml" typeface="Latha"/>
-        <a:font script="Syrc" typeface="Estrangelo Edessa"/>
-        <a:font script="Orya" typeface="Kalinga"/>
-        <a:font script="Mlym" typeface="Kartika"/>
-        <a:font script="Laoo" typeface="DokChampa"/>
-        <a:font script="Sinh" typeface="Iskoola Pota"/>
-        <a:font script="Mong" typeface="Mongolian Baiti"/>
-        <a:font script="Viet" typeface="Times New Roman"/>
-        <a:font script="Uigh" typeface="Microsoft Uighur"/>
-        <a:font script="Geor" typeface="Sylfaen"/>
-      </a:majorFont>
-      <a:minorFont>
-        <a:latin typeface="Calibri" panose="020F0502020204030204"/>
-        <a:ea typeface=""/>
-        <a:cs typeface=""/>
-        <a:font script="Jpan" typeface="ＭＳ Ｐゴシック"/>
-        <a:font script="Hang" typeface="맑은 고딕"/>
-        <a:font script="Hans" typeface="宋体"/>
-        <a:font script="Hant" typeface="新細明體"/>
-        <a:font script="Arab" typeface="Arial"/>
-        <a:font script="Hebr" typeface="Arial"/>
-        <a:font script="Thai" typeface="Cordia New"/>
+        <a:font script="Arab" typeface="Tahoma"/>
+        <a:font script="Hebr" typeface="Gisha"/>
+        <a:font script="Thai" typeface="DilleniaUPC"/>
         <a:font script="Ethi" typeface="Nyala"/>
         <a:font script="Beng" typeface="Vrinda"/>
         <a:font script="Gujr" typeface="Shruti"/>
@@ -3127,12 +6059,47 @@
         <a:font script="Laoo" typeface="DokChampa"/>
         <a:font script="Sinh" typeface="Iskoola Pota"/>
         <a:font script="Mong" typeface="Mongolian Baiti"/>
-        <a:font script="Viet" typeface="Arial"/>
+        <a:font script="Viet" typeface="Tahoma"/>
+        <a:font script="Uigh" typeface="Microsoft Uighur"/>
+        <a:font script="Geor" typeface="Sylfaen"/>
+      </a:majorFont>
+      <a:minorFont>
+        <a:latin typeface="Century Gothic" panose="020B0502020202020204"/>
+        <a:ea typeface=""/>
+        <a:cs typeface=""/>
+        <a:font script="Jpan" typeface="ＭＳ ゴシック"/>
+        <a:font script="Hang" typeface="맑은 고딕"/>
+        <a:font script="Hans" typeface="宋体"/>
+        <a:font script="Hant" typeface="新細明體"/>
+        <a:font script="Arab" typeface="Tahoma"/>
+        <a:font script="Hebr" typeface="Gisha"/>
+        <a:font script="Thai" typeface="DilleniaUPC"/>
+        <a:font script="Ethi" typeface="Nyala"/>
+        <a:font script="Beng" typeface="Vrinda"/>
+        <a:font script="Gujr" typeface="Shruti"/>
+        <a:font script="Khmr" typeface="DaunPenh"/>
+        <a:font script="Knda" typeface="Tunga"/>
+        <a:font script="Guru" typeface="Raavi"/>
+        <a:font script="Cans" typeface="Euphemia"/>
+        <a:font script="Cher" typeface="Plantagenet Cherokee"/>
+        <a:font script="Yiii" typeface="Microsoft Yi Baiti"/>
+        <a:font script="Tibt" typeface="Microsoft Himalaya"/>
+        <a:font script="Thaa" typeface="MV Boli"/>
+        <a:font script="Deva" typeface="Mangal"/>
+        <a:font script="Telu" typeface="Gautami"/>
+        <a:font script="Taml" typeface="Latha"/>
+        <a:font script="Syrc" typeface="Estrangelo Edessa"/>
+        <a:font script="Orya" typeface="Kalinga"/>
+        <a:font script="Mlym" typeface="Kartika"/>
+        <a:font script="Laoo" typeface="DokChampa"/>
+        <a:font script="Sinh" typeface="Iskoola Pota"/>
+        <a:font script="Mong" typeface="Mongolian Baiti"/>
+        <a:font script="Viet" typeface="Verdana"/>
         <a:font script="Uigh" typeface="Microsoft Uighur"/>
         <a:font script="Geor" typeface="Sylfaen"/>
       </a:minorFont>
     </a:fontScheme>
-    <a:fmtScheme name="Office">
+    <a:fmtScheme name="Citable">
       <a:fillStyleLst>
         <a:solidFill>
           <a:schemeClr val="phClr"/>
@@ -3141,76 +6108,52 @@
           <a:gsLst>
             <a:gs pos="0">
               <a:schemeClr val="phClr">
-                <a:lumMod val="110000"/>
-                <a:satMod val="105000"/>
-                <a:tint val="67000"/>
-              </a:schemeClr>
-            </a:gs>
-            <a:gs pos="50000">
-              <a:schemeClr val="phClr">
+                <a:tint val="80000"/>
                 <a:lumMod val="105000"/>
-                <a:satMod val="103000"/>
-                <a:tint val="73000"/>
               </a:schemeClr>
             </a:gs>
             <a:gs pos="100000">
               <a:schemeClr val="phClr">
-                <a:lumMod val="105000"/>
-                <a:satMod val="109000"/>
-                <a:tint val="81000"/>
+                <a:tint val="90000"/>
               </a:schemeClr>
             </a:gs>
           </a:gsLst>
           <a:lin ang="5400000" scaled="0"/>
         </a:gradFill>
-        <a:gradFill rotWithShape="1">
-          <a:gsLst>
-            <a:gs pos="0">
+        <a:blipFill rotWithShape="1">
+          <a:blip xmlns:r="http://schemas.openxmlformats.org/officeDocument/2006/relationships" r:embed="rId1">
+            <a:duotone>
               <a:schemeClr val="phClr">
-                <a:satMod val="103000"/>
+                <a:tint val="98000"/>
                 <a:lumMod val="102000"/>
-                <a:tint val="94000"/>
               </a:schemeClr>
-            </a:gs>
-            <a:gs pos="50000">
               <a:schemeClr val="phClr">
-                <a:satMod val="110000"/>
-                <a:lumMod val="100000"/>
-                <a:shade val="100000"/>
+                <a:shade val="98000"/>
+                <a:lumMod val="98000"/>
               </a:schemeClr>
-            </a:gs>
-            <a:gs pos="100000">
-              <a:schemeClr val="phClr">
-                <a:lumMod val="99000"/>
-                <a:satMod val="120000"/>
-                <a:shade val="78000"/>
-              </a:schemeClr>
-            </a:gs>
-          </a:gsLst>
-          <a:lin ang="5400000" scaled="0"/>
-        </a:gradFill>
+            </a:duotone>
+          </a:blip>
+          <a:tile tx="0" ty="0" sx="100000" sy="100000" flip="none" algn="tl"/>
+        </a:blipFill>
       </a:fillStyleLst>
       <a:lnStyleLst>
-        <a:ln w="6350" cap="flat" cmpd="sng" algn="ctr">
+        <a:ln w="9525" cap="rnd" cmpd="sng" algn="ctr">
           <a:solidFill>
             <a:schemeClr val="phClr"/>
           </a:solidFill>
           <a:prstDash val="solid"/>
-          <a:miter lim="800000"/>
         </a:ln>
-        <a:ln w="12700" cap="flat" cmpd="sng" algn="ctr">
+        <a:ln w="15875" cap="rnd" cmpd="sng" algn="ctr">
           <a:solidFill>
             <a:schemeClr val="phClr"/>
           </a:solidFill>
           <a:prstDash val="solid"/>
-          <a:miter lim="800000"/>
         </a:ln>
-        <a:ln w="19050" cap="flat" cmpd="sng" algn="ctr">
+        <a:ln w="25400" cap="rnd" cmpd="sng" algn="ctr">
           <a:solidFill>
             <a:schemeClr val="phClr"/>
           </a:solidFill>
           <a:prstDash val="solid"/>
-          <a:miter lim="800000"/>
         </a:ln>
       </a:lnStyleLst>
       <a:effectStyleLst>
@@ -3222,11 +6165,11 @@
         </a:effectStyle>
         <a:effectStyle>
           <a:effectLst>
-            <a:outerShdw blurRad="57150" dist="19050" dir="5400000" algn="ctr" rotWithShape="0">
+            <a:innerShdw blurRad="63500" dist="25400" dir="13500000">
               <a:srgbClr val="000000">
-                <a:alpha val="63000"/>
+                <a:alpha val="75000"/>
               </a:srgbClr>
-            </a:outerShdw>
+            </a:innerShdw>
           </a:effectLst>
         </a:effectStyle>
       </a:effectStyleLst>
@@ -3234,35 +6177,35 @@
         <a:solidFill>
           <a:schemeClr val="phClr"/>
         </a:solidFill>
-        <a:solidFill>
-          <a:schemeClr val="phClr">
-            <a:tint val="95000"/>
-            <a:satMod val="170000"/>
-          </a:schemeClr>
-        </a:solidFill>
         <a:gradFill rotWithShape="1">
           <a:gsLst>
             <a:gs pos="0">
               <a:schemeClr val="phClr">
-                <a:tint val="93000"/>
-                <a:satMod val="150000"/>
-                <a:shade val="98000"/>
-                <a:lumMod val="102000"/>
-              </a:schemeClr>
-            </a:gs>
-            <a:gs pos="50000">
-              <a:schemeClr val="phClr">
-                <a:tint val="98000"/>
-                <a:satMod val="130000"/>
-                <a:shade val="90000"/>
-                <a:lumMod val="103000"/>
+                <a:tint val="100000"/>
               </a:schemeClr>
             </a:gs>
             <a:gs pos="100000">
               <a:schemeClr val="phClr">
-                <a:shade val="63000"/>
+                <a:tint val="84000"/>
+                <a:shade val="84000"/>
+                <a:lumMod val="90000"/>
+              </a:schemeClr>
+            </a:gs>
+          </a:gsLst>
+          <a:lin ang="5400000" scaled="0"/>
+        </a:gradFill>
+        <a:gradFill rotWithShape="1">
+          <a:gsLst>
+            <a:gs pos="0">
+              <a:schemeClr val="phClr">
+                <a:tint val="84000"/>
+                <a:shade val="90000"/>
                 <a:satMod val="120000"/>
+                <a:lumMod val="90000"/>
               </a:schemeClr>
+            </a:gs>
+            <a:gs pos="100000">
+              <a:schemeClr val="phClr"/>
             </a:gs>
           </a:gsLst>
           <a:lin ang="5400000" scaled="0"/>
@@ -3274,7 +6217,7 @@
   <a:extraClrSchemeLst/>
   <a:extLst>
     <a:ext uri="{05A4C25C-085E-4340-85A3-A5531E510DB2}">
-      <thm15:themeFamily xmlns:thm15="http://schemas.microsoft.com/office/thememl/2012/main" name="Office Theme" id="{62F939B6-93AF-4DB8-9C6B-D6C7DFDC589F}" vid="{4A3C46E8-61CC-4603-A589-7422A47A8E4A}"/>
+      <thm15:themeFamily xmlns:thm15="http://schemas.microsoft.com/office/thememl/2012/main" name="Quotable" id="{39EC5628-30ED-4578-ACD8-9820EDB8E15A}" vid="{6F3559E9-1A4C-49D8-94D4-F41003531C49}"/>
     </a:ext>
   </a:extLst>
 </a:theme>

--- a/PresentacionSensoresAgua.pptx
+++ b/PresentacionSensoresAgua.pptx
@@ -7,6 +7,7 @@
   <p:sldIdLst>
     <p:sldId id="256" r:id="rId2"/>
     <p:sldId id="257" r:id="rId3"/>
+    <p:sldId id="258" r:id="rId4"/>
   </p:sldIdLst>
   <p:sldSz cx="12192000" cy="6858000"/>
   <p:notesSz cx="6858000" cy="9144000"/>
@@ -208,7 +209,7 @@
           <a:effectLst/>
           <a:extLst>
             <a:ext uri="{91240B29-F687-4f45-9708-019B960494DF}">
-              <a14:hiddenLine xmlns:a14="http://schemas.microsoft.com/office/drawing/2010/main" xmlns="" w="9525">
+              <a14:hiddenLine xmlns="" xmlns:a14="http://schemas.microsoft.com/office/drawing/2010/main" w="9525">
                 <a:solidFill>
                   <a:srgbClr val="000000"/>
                 </a:solidFill>
@@ -1730,7 +1731,7 @@
           <a:ln/>
           <a:extLst>
             <a:ext uri="{91240B29-F687-4f45-9708-019B960494DF}">
-              <a14:hiddenLine xmlns:a14="http://schemas.microsoft.com/office/drawing/2010/main" xmlns="" w="9525">
+              <a14:hiddenLine xmlns="" xmlns:a14="http://schemas.microsoft.com/office/drawing/2010/main" w="9525">
                 <a:solidFill>
                   <a:srgbClr val="000000"/>
                 </a:solidFill>
@@ -2005,7 +2006,7 @@
           <a:ln/>
           <a:extLst>
             <a:ext uri="{91240B29-F687-4f45-9708-019B960494DF}">
-              <a14:hiddenLine xmlns:a14="http://schemas.microsoft.com/office/drawing/2010/main" xmlns="" w="9525">
+              <a14:hiddenLine xmlns="" xmlns:a14="http://schemas.microsoft.com/office/drawing/2010/main" w="9525">
                 <a:solidFill>
                   <a:srgbClr val="000000"/>
                 </a:solidFill>
@@ -2288,7 +2289,7 @@
           <a:ln/>
           <a:extLst>
             <a:ext uri="{91240B29-F687-4f45-9708-019B960494DF}">
-              <a14:hiddenLine xmlns:a14="http://schemas.microsoft.com/office/drawing/2010/main" xmlns="" w="9525">
+              <a14:hiddenLine xmlns="" xmlns:a14="http://schemas.microsoft.com/office/drawing/2010/main" w="9525">
                 <a:solidFill>
                   <a:srgbClr val="000000"/>
                 </a:solidFill>
@@ -2914,7 +2915,7 @@
           <a:ln/>
           <a:extLst>
             <a:ext uri="{91240B29-F687-4f45-9708-019B960494DF}">
-              <a14:hiddenLine xmlns:a14="http://schemas.microsoft.com/office/drawing/2010/main" xmlns="" w="9525">
+              <a14:hiddenLine xmlns="" xmlns:a14="http://schemas.microsoft.com/office/drawing/2010/main" w="9525">
                 <a:solidFill>
                   <a:srgbClr val="000000"/>
                 </a:solidFill>
@@ -3253,7 +3254,7 @@
           <a:ln/>
           <a:extLst>
             <a:ext uri="{91240B29-F687-4f45-9708-019B960494DF}">
-              <a14:hiddenLine xmlns:a14="http://schemas.microsoft.com/office/drawing/2010/main" xmlns="" w="9525">
+              <a14:hiddenLine xmlns="" xmlns:a14="http://schemas.microsoft.com/office/drawing/2010/main" w="9525">
                 <a:solidFill>
                   <a:srgbClr val="000000"/>
                 </a:solidFill>
@@ -3730,7 +3731,7 @@
           <a:ln/>
           <a:extLst>
             <a:ext uri="{91240B29-F687-4f45-9708-019B960494DF}">
-              <a14:hiddenLine xmlns:a14="http://schemas.microsoft.com/office/drawing/2010/main" xmlns="" w="9525">
+              <a14:hiddenLine xmlns="" xmlns:a14="http://schemas.microsoft.com/office/drawing/2010/main" w="9525">
                 <a:solidFill>
                   <a:srgbClr val="000000"/>
                 </a:solidFill>
@@ -4159,7 +4160,7 @@
           <a:ln/>
           <a:extLst>
             <a:ext uri="{91240B29-F687-4f45-9708-019B960494DF}">
-              <a14:hiddenLine xmlns:a14="http://schemas.microsoft.com/office/drawing/2010/main" xmlns="" w="9525">
+              <a14:hiddenLine xmlns="" xmlns:a14="http://schemas.microsoft.com/office/drawing/2010/main" w="9525">
                 <a:solidFill>
                   <a:srgbClr val="000000"/>
                 </a:solidFill>
@@ -5406,7 +5407,7 @@
                 <a16:creationId xmlns:a16="http://schemas.microsoft.com/office/drawing/2014/main" id="{54047A07-72EC-41BC-A55F-C264F639FB20}"/>
               </a:ext>
               <a:ext uri="{C183D7F6-B498-43B3-948B-1728B52AA6E4}">
-                <adec:decorative xmlns:adec="http://schemas.microsoft.com/office/drawing/2017/decorative" val="1"/>
+                <adec:decorative xmlns:adec="http://schemas.microsoft.com/office/drawing/2017/decorative" xmlns="" val="1"/>
               </a:ext>
             </a:extLst>
           </p:cNvPr>
@@ -5668,6 +5669,10 @@
             </a:endParaRPr>
           </a:p>
           <a:p>
+            <a:r>
+              <a:rPr lang="es-MX" dirty="0"/>
+              <a:t/>
+            </a:r>
             <a:br>
               <a:rPr lang="es-MX" dirty="0"/>
             </a:br>
@@ -5977,6 +5982,173 @@
     <p:extLst>
       <p:ext uri="{BB962C8B-B14F-4D97-AF65-F5344CB8AC3E}">
         <p14:creationId xmlns:p14="http://schemas.microsoft.com/office/powerpoint/2010/main" val="969365076"/>
+      </p:ext>
+    </p:extLst>
+  </p:cSld>
+  <p:clrMapOvr>
+    <a:masterClrMapping/>
+  </p:clrMapOvr>
+</p:sld>
+</file>
+
+<file path=ppt/slides/slide3.xml><?xml version="1.0" encoding="utf-8"?>
+<p:sld xmlns:a="http://schemas.openxmlformats.org/drawingml/2006/main" xmlns:r="http://schemas.openxmlformats.org/officeDocument/2006/relationships" xmlns:p="http://schemas.openxmlformats.org/presentationml/2006/main">
+  <p:cSld>
+    <p:spTree>
+      <p:nvGrpSpPr>
+        <p:cNvPr id="1" name=""/>
+        <p:cNvGrpSpPr/>
+        <p:nvPr/>
+      </p:nvGrpSpPr>
+      <p:grpSpPr>
+        <a:xfrm>
+          <a:off x="0" y="0"/>
+          <a:ext cx="0" cy="0"/>
+          <a:chOff x="0" y="0"/>
+          <a:chExt cx="0" cy="0"/>
+        </a:xfrm>
+      </p:grpSpPr>
+      <p:sp>
+        <p:nvSpPr>
+          <p:cNvPr id="2" name="Título 1"/>
+          <p:cNvSpPr>
+            <a:spLocks noGrp="1"/>
+          </p:cNvSpPr>
+          <p:nvPr>
+            <p:ph type="title"/>
+          </p:nvPr>
+        </p:nvSpPr>
+        <p:spPr/>
+        <p:txBody>
+          <a:bodyPr/>
+          <a:lstStyle/>
+          <a:p>
+            <a:r>
+              <a:rPr lang="es-MX" dirty="0" smtClean="0"/>
+              <a:t>Problemática</a:t>
+            </a:r>
+            <a:endParaRPr lang="es-MX" dirty="0"/>
+          </a:p>
+        </p:txBody>
+      </p:sp>
+      <p:sp>
+        <p:nvSpPr>
+          <p:cNvPr id="3" name="Marcador de contenido 2"/>
+          <p:cNvSpPr>
+            <a:spLocks noGrp="1"/>
+          </p:cNvSpPr>
+          <p:nvPr>
+            <p:ph idx="1"/>
+          </p:nvPr>
+        </p:nvSpPr>
+        <p:spPr>
+          <a:xfrm>
+            <a:off x="546277" y="2125500"/>
+            <a:ext cx="10554574" cy="3636511"/>
+          </a:xfrm>
+        </p:spPr>
+        <p:txBody>
+          <a:bodyPr/>
+          <a:lstStyle/>
+          <a:p>
+            <a:pPr marL="0" indent="0">
+              <a:buNone/>
+            </a:pPr>
+            <a:r>
+              <a:rPr lang="es-MX" dirty="0" smtClean="0"/>
+              <a:t>La </a:t>
+            </a:r>
+            <a:r>
+              <a:rPr lang="es-MX" dirty="0"/>
+              <a:t>escasez de agua se puede definir como el punto en el que el consumo de los usuarios afecta al suministro o calidad del agua, de forma que la demanda no puede ser completamente satisfecha. Este termina siendo un problema cada vez más grave, al ser el agua muy importante para la supervivencia de todo ser vivo. </a:t>
+            </a:r>
+            <a:endParaRPr lang="es-MX" dirty="0"/>
+          </a:p>
+          <a:p>
+            <a:r>
+              <a:rPr lang="es-MX" dirty="0"/>
+              <a:t>Las consecuencias de este problema son las siguientes:</a:t>
+            </a:r>
+            <a:endParaRPr lang="es-MX" dirty="0"/>
+          </a:p>
+          <a:p>
+            <a:pPr fontAlgn="base"/>
+            <a:r>
+              <a:rPr lang="es-MX" dirty="0"/>
+              <a:t>Enfermedades</a:t>
+            </a:r>
+          </a:p>
+          <a:p>
+            <a:pPr fontAlgn="base"/>
+            <a:r>
+              <a:rPr lang="es-MX" dirty="0"/>
+              <a:t>Hambre</a:t>
+            </a:r>
+          </a:p>
+          <a:p>
+            <a:pPr fontAlgn="base"/>
+            <a:r>
+              <a:rPr lang="es-MX" dirty="0"/>
+              <a:t>Desaparición de especies vegetales</a:t>
+            </a:r>
+          </a:p>
+          <a:p>
+            <a:pPr fontAlgn="base"/>
+            <a:r>
+              <a:rPr lang="es-MX" dirty="0"/>
+              <a:t>Conflictos</a:t>
+            </a:r>
+          </a:p>
+          <a:p>
+            <a:endParaRPr lang="es-MX" dirty="0"/>
+          </a:p>
+        </p:txBody>
+      </p:sp>
+      <p:pic>
+        <p:nvPicPr>
+          <p:cNvPr id="1026" name="Picture 2" descr="https://lh5.googleusercontent.com/_ZZWf-gPafpooVqpeU1yDg2abxjjCUNl0pCx-equ9shWuA-UHmV97qGzGo4GAlwLHZ5f8ZZReoApwGkpNrAdAR8ZaslDTwTmlZbV7cT5PQKDIFfNKztDHH6leErvDgvi7BOlKcTaA7M"/>
+          <p:cNvPicPr>
+            <a:picLocks noChangeAspect="1" noChangeArrowheads="1"/>
+          </p:cNvPicPr>
+          <p:nvPr/>
+        </p:nvPicPr>
+        <p:blipFill>
+          <a:blip r:embed="rId2">
+            <a:extLst>
+              <a:ext uri="{28A0092B-C50C-407E-A947-70E740481C1C}">
+                <a14:useLocalDpi xmlns:a14="http://schemas.microsoft.com/office/drawing/2010/main" val="0"/>
+              </a:ext>
+            </a:extLst>
+          </a:blip>
+          <a:srcRect/>
+          <a:stretch>
+            <a:fillRect/>
+          </a:stretch>
+        </p:blipFill>
+        <p:spPr bwMode="auto">
+          <a:xfrm>
+            <a:off x="7812000" y="3573000"/>
+            <a:ext cx="4380000" cy="3285000"/>
+          </a:xfrm>
+          <a:prstGeom prst="rect">
+            <a:avLst/>
+          </a:prstGeom>
+          <a:noFill/>
+          <a:extLst>
+            <a:ext uri="{909E8E84-426E-40DD-AFC4-6F175D3DCCD1}">
+              <a14:hiddenFill xmlns:a14="http://schemas.microsoft.com/office/drawing/2010/main">
+                <a:solidFill>
+                  <a:srgbClr val="FFFFFF"/>
+                </a:solidFill>
+              </a14:hiddenFill>
+            </a:ext>
+          </a:extLst>
+        </p:spPr>
+      </p:pic>
+    </p:spTree>
+    <p:extLst>
+      <p:ext uri="{BB962C8B-B14F-4D97-AF65-F5344CB8AC3E}">
+        <p14:creationId xmlns:p14="http://schemas.microsoft.com/office/powerpoint/2010/main" val="2751132505"/>
       </p:ext>
     </p:extLst>
   </p:cSld>

--- a/PresentacionSensoresAgua.pptx
+++ b/PresentacionSensoresAgua.pptx
@@ -8,6 +8,7 @@
     <p:sldId id="256" r:id="rId2"/>
     <p:sldId id="257" r:id="rId3"/>
     <p:sldId id="258" r:id="rId4"/>
+    <p:sldId id="259" r:id="rId5"/>
   </p:sldIdLst>
   <p:sldSz cx="12192000" cy="6858000"/>
   <p:notesSz cx="6858000" cy="9144000"/>
@@ -209,7 +210,7 @@
           <a:effectLst/>
           <a:extLst>
             <a:ext uri="{91240B29-F687-4f45-9708-019B960494DF}">
-              <a14:hiddenLine xmlns="" xmlns:a14="http://schemas.microsoft.com/office/drawing/2010/main" w="9525">
+              <a14:hiddenLine xmlns:a14="http://schemas.microsoft.com/office/drawing/2010/main" xmlns="" w="9525">
                 <a:solidFill>
                   <a:srgbClr val="000000"/>
                 </a:solidFill>
@@ -1731,7 +1732,7 @@
           <a:ln/>
           <a:extLst>
             <a:ext uri="{91240B29-F687-4f45-9708-019B960494DF}">
-              <a14:hiddenLine xmlns="" xmlns:a14="http://schemas.microsoft.com/office/drawing/2010/main" w="9525">
+              <a14:hiddenLine xmlns:a14="http://schemas.microsoft.com/office/drawing/2010/main" xmlns="" w="9525">
                 <a:solidFill>
                   <a:srgbClr val="000000"/>
                 </a:solidFill>
@@ -2006,7 +2007,7 @@
           <a:ln/>
           <a:extLst>
             <a:ext uri="{91240B29-F687-4f45-9708-019B960494DF}">
-              <a14:hiddenLine xmlns="" xmlns:a14="http://schemas.microsoft.com/office/drawing/2010/main" w="9525">
+              <a14:hiddenLine xmlns:a14="http://schemas.microsoft.com/office/drawing/2010/main" xmlns="" w="9525">
                 <a:solidFill>
                   <a:srgbClr val="000000"/>
                 </a:solidFill>
@@ -2289,7 +2290,7 @@
           <a:ln/>
           <a:extLst>
             <a:ext uri="{91240B29-F687-4f45-9708-019B960494DF}">
-              <a14:hiddenLine xmlns="" xmlns:a14="http://schemas.microsoft.com/office/drawing/2010/main" w="9525">
+              <a14:hiddenLine xmlns:a14="http://schemas.microsoft.com/office/drawing/2010/main" xmlns="" w="9525">
                 <a:solidFill>
                   <a:srgbClr val="000000"/>
                 </a:solidFill>
@@ -2915,7 +2916,7 @@
           <a:ln/>
           <a:extLst>
             <a:ext uri="{91240B29-F687-4f45-9708-019B960494DF}">
-              <a14:hiddenLine xmlns="" xmlns:a14="http://schemas.microsoft.com/office/drawing/2010/main" w="9525">
+              <a14:hiddenLine xmlns:a14="http://schemas.microsoft.com/office/drawing/2010/main" xmlns="" w="9525">
                 <a:solidFill>
                   <a:srgbClr val="000000"/>
                 </a:solidFill>
@@ -3254,7 +3255,7 @@
           <a:ln/>
           <a:extLst>
             <a:ext uri="{91240B29-F687-4f45-9708-019B960494DF}">
-              <a14:hiddenLine xmlns="" xmlns:a14="http://schemas.microsoft.com/office/drawing/2010/main" w="9525">
+              <a14:hiddenLine xmlns:a14="http://schemas.microsoft.com/office/drawing/2010/main" xmlns="" w="9525">
                 <a:solidFill>
                   <a:srgbClr val="000000"/>
                 </a:solidFill>
@@ -3731,7 +3732,7 @@
           <a:ln/>
           <a:extLst>
             <a:ext uri="{91240B29-F687-4f45-9708-019B960494DF}">
-              <a14:hiddenLine xmlns="" xmlns:a14="http://schemas.microsoft.com/office/drawing/2010/main" w="9525">
+              <a14:hiddenLine xmlns:a14="http://schemas.microsoft.com/office/drawing/2010/main" xmlns="" w="9525">
                 <a:solidFill>
                   <a:srgbClr val="000000"/>
                 </a:solidFill>
@@ -4160,7 +4161,7 @@
           <a:ln/>
           <a:extLst>
             <a:ext uri="{91240B29-F687-4f45-9708-019B960494DF}">
-              <a14:hiddenLine xmlns="" xmlns:a14="http://schemas.microsoft.com/office/drawing/2010/main" w="9525">
+              <a14:hiddenLine xmlns:a14="http://schemas.microsoft.com/office/drawing/2010/main" xmlns="" w="9525">
                 <a:solidFill>
                   <a:srgbClr val="000000"/>
                 </a:solidFill>
@@ -5407,7 +5408,7 @@
                 <a16:creationId xmlns:a16="http://schemas.microsoft.com/office/drawing/2014/main" id="{54047A07-72EC-41BC-A55F-C264F639FB20}"/>
               </a:ext>
               <a:ext uri="{C183D7F6-B498-43B3-948B-1728B52AA6E4}">
-                <adec:decorative xmlns:adec="http://schemas.microsoft.com/office/drawing/2017/decorative" xmlns="" val="1"/>
+                <adec:decorative xmlns:adec="http://schemas.microsoft.com/office/drawing/2017/decorative" val="1"/>
               </a:ext>
             </a:extLst>
           </p:cNvPr>
@@ -5669,10 +5670,6 @@
             </a:endParaRPr>
           </a:p>
           <a:p>
-            <a:r>
-              <a:rPr lang="es-MX" dirty="0"/>
-              <a:t/>
-            </a:r>
             <a:br>
               <a:rPr lang="es-MX" dirty="0"/>
             </a:br>
@@ -6024,10 +6021,9 @@
           <a:lstStyle/>
           <a:p>
             <a:r>
-              <a:rPr lang="es-MX" dirty="0" smtClean="0"/>
+              <a:rPr lang="es-MX" dirty="0"/>
               <a:t>Problemática</a:t>
             </a:r>
-            <a:endParaRPr lang="es-MX" dirty="0"/>
           </a:p>
         </p:txBody>
       </p:sp>
@@ -6055,21 +6051,15 @@
               <a:buNone/>
             </a:pPr>
             <a:r>
-              <a:rPr lang="es-MX" dirty="0" smtClean="0"/>
-              <a:t>La </a:t>
-            </a:r>
-            <a:r>
               <a:rPr lang="es-MX" dirty="0"/>
-              <a:t>escasez de agua se puede definir como el punto en el que el consumo de los usuarios afecta al suministro o calidad del agua, de forma que la demanda no puede ser completamente satisfecha. Este termina siendo un problema cada vez más grave, al ser el agua muy importante para la supervivencia de todo ser vivo. </a:t>
-            </a:r>
-            <a:endParaRPr lang="es-MX" dirty="0"/>
+              <a:t>La escasez de agua se puede definir como el punto en el que el consumo de los usuarios afecta al suministro o calidad del agua, de forma que la demanda no puede ser completamente satisfecha. Este termina siendo un problema cada vez más grave, al ser el agua muy importante para la supervivencia de todo ser vivo. </a:t>
+            </a:r>
           </a:p>
           <a:p>
             <a:r>
               <a:rPr lang="es-MX" dirty="0"/>
               <a:t>Las consecuencias de este problema son las siguientes:</a:t>
             </a:r>
-            <a:endParaRPr lang="es-MX" dirty="0"/>
           </a:p>
           <a:p>
             <a:pPr fontAlgn="base"/>
@@ -6149,6 +6139,195 @@
     <p:extLst>
       <p:ext uri="{BB962C8B-B14F-4D97-AF65-F5344CB8AC3E}">
         <p14:creationId xmlns:p14="http://schemas.microsoft.com/office/powerpoint/2010/main" val="2751132505"/>
+      </p:ext>
+    </p:extLst>
+  </p:cSld>
+  <p:clrMapOvr>
+    <a:masterClrMapping/>
+  </p:clrMapOvr>
+</p:sld>
+</file>
+
+<file path=ppt/slides/slide4.xml><?xml version="1.0" encoding="utf-8"?>
+<p:sld xmlns:a="http://schemas.openxmlformats.org/drawingml/2006/main" xmlns:r="http://schemas.openxmlformats.org/officeDocument/2006/relationships" xmlns:p="http://schemas.openxmlformats.org/presentationml/2006/main">
+  <p:cSld>
+    <p:spTree>
+      <p:nvGrpSpPr>
+        <p:cNvPr id="1" name=""/>
+        <p:cNvGrpSpPr/>
+        <p:nvPr/>
+      </p:nvGrpSpPr>
+      <p:grpSpPr>
+        <a:xfrm>
+          <a:off x="0" y="0"/>
+          <a:ext cx="0" cy="0"/>
+          <a:chOff x="0" y="0"/>
+          <a:chExt cx="0" cy="0"/>
+        </a:xfrm>
+      </p:grpSpPr>
+      <p:sp>
+        <p:nvSpPr>
+          <p:cNvPr id="2" name="Título 1">
+            <a:extLst>
+              <a:ext uri="{FF2B5EF4-FFF2-40B4-BE49-F238E27FC236}">
+                <a16:creationId xmlns:a16="http://schemas.microsoft.com/office/drawing/2014/main" id="{5863CFF9-4D27-4A17-8452-7D1D8744AD12}"/>
+              </a:ext>
+            </a:extLst>
+          </p:cNvPr>
+          <p:cNvSpPr>
+            <a:spLocks noGrp="1"/>
+          </p:cNvSpPr>
+          <p:nvPr>
+            <p:ph type="title"/>
+          </p:nvPr>
+        </p:nvSpPr>
+        <p:spPr/>
+        <p:txBody>
+          <a:bodyPr/>
+          <a:lstStyle/>
+          <a:p>
+            <a:r>
+              <a:rPr lang="es-MX" dirty="0"/>
+              <a:t>Solución </a:t>
+            </a:r>
+            <a:endParaRPr lang="es-ES" dirty="0"/>
+          </a:p>
+        </p:txBody>
+      </p:sp>
+      <p:sp>
+        <p:nvSpPr>
+          <p:cNvPr id="3" name="Marcador de contenido 2">
+            <a:extLst>
+              <a:ext uri="{FF2B5EF4-FFF2-40B4-BE49-F238E27FC236}">
+                <a16:creationId xmlns:a16="http://schemas.microsoft.com/office/drawing/2014/main" id="{A0F798EA-64C7-49F7-81D3-B04E86EFAA87}"/>
+              </a:ext>
+            </a:extLst>
+          </p:cNvPr>
+          <p:cNvSpPr>
+            <a:spLocks noGrp="1"/>
+          </p:cNvSpPr>
+          <p:nvPr>
+            <p:ph idx="1"/>
+          </p:nvPr>
+        </p:nvSpPr>
+        <p:spPr>
+          <a:xfrm>
+            <a:off x="695999" y="1417638"/>
+            <a:ext cx="10800000" cy="2898255"/>
+          </a:xfrm>
+        </p:spPr>
+        <p:txBody>
+          <a:bodyPr/>
+          <a:lstStyle/>
+          <a:p>
+            <a:r>
+              <a:rPr lang="es-ES" sz="1800" b="0" i="0" u="none" strike="noStrike" dirty="0">
+                <a:solidFill>
+                  <a:srgbClr val="FFFFFF"/>
+                </a:solidFill>
+                <a:effectLst/>
+                <a:latin typeface="Lato"/>
+              </a:rPr>
+              <a:t>Planeamos utilizar un sensor hidráulico el cual te permite conocer y controlar el flujo de agua que utilizas en un tiempo definido y conectarlo a una red de internet para que de esta manera puedas planear el tiempo que deseas estar en la regadera o los litros que planeas gastar.</a:t>
+            </a:r>
+            <a:endParaRPr lang="es-ES" dirty="0"/>
+          </a:p>
+        </p:txBody>
+      </p:sp>
+      <p:pic>
+        <p:nvPicPr>
+          <p:cNvPr id="1026" name="Picture 2" descr="Sensor de flujo de agua para Placa de desarrollo y microcontroladores">
+            <a:extLst>
+              <a:ext uri="{FF2B5EF4-FFF2-40B4-BE49-F238E27FC236}">
+                <a16:creationId xmlns:a16="http://schemas.microsoft.com/office/drawing/2014/main" id="{3AB8B2FE-1429-42A1-8924-22601C1B8796}"/>
+              </a:ext>
+            </a:extLst>
+          </p:cNvPr>
+          <p:cNvPicPr>
+            <a:picLocks noChangeAspect="1" noChangeArrowheads="1"/>
+          </p:cNvPicPr>
+          <p:nvPr/>
+        </p:nvPicPr>
+        <p:blipFill rotWithShape="1">
+          <a:blip r:embed="rId2">
+            <a:extLst>
+              <a:ext uri="{28A0092B-C50C-407E-A947-70E740481C1C}">
+                <a14:useLocalDpi xmlns:a14="http://schemas.microsoft.com/office/drawing/2010/main" val="0"/>
+              </a:ext>
+            </a:extLst>
+          </a:blip>
+          <a:srcRect t="19629" r="-618" b="19629"/>
+          <a:stretch/>
+        </p:blipFill>
+        <p:spPr bwMode="auto">
+          <a:xfrm>
+            <a:off x="695999" y="3428440"/>
+            <a:ext cx="5367000" cy="3240000"/>
+          </a:xfrm>
+          <a:prstGeom prst="rect">
+            <a:avLst/>
+          </a:prstGeom>
+          <a:noFill/>
+          <a:extLst>
+            <a:ext uri="{909E8E84-426E-40DD-AFC4-6F175D3DCCD1}">
+              <a14:hiddenFill xmlns:a14="http://schemas.microsoft.com/office/drawing/2010/main">
+                <a:solidFill>
+                  <a:srgbClr val="FFFFFF"/>
+                </a:solidFill>
+              </a14:hiddenFill>
+            </a:ext>
+          </a:extLst>
+        </p:spPr>
+      </p:pic>
+      <p:pic>
+        <p:nvPicPr>
+          <p:cNvPr id="1028" name="Picture 4" descr="América Móvil y Vodafone se unen para ofrecer servicios IoT globales">
+            <a:extLst>
+              <a:ext uri="{FF2B5EF4-FFF2-40B4-BE49-F238E27FC236}">
+                <a16:creationId xmlns:a16="http://schemas.microsoft.com/office/drawing/2014/main" id="{2635ABD2-D8D0-4117-959D-63DAFC1BCB5A}"/>
+              </a:ext>
+            </a:extLst>
+          </p:cNvPr>
+          <p:cNvPicPr>
+            <a:picLocks noChangeAspect="1" noChangeArrowheads="1"/>
+          </p:cNvPicPr>
+          <p:nvPr/>
+        </p:nvPicPr>
+        <p:blipFill rotWithShape="1">
+          <a:blip r:embed="rId3">
+            <a:extLst>
+              <a:ext uri="{28A0092B-C50C-407E-A947-70E740481C1C}">
+                <a14:useLocalDpi xmlns:a14="http://schemas.microsoft.com/office/drawing/2010/main" val="0"/>
+              </a:ext>
+            </a:extLst>
+          </a:blip>
+          <a:srcRect t="16" b="5511"/>
+          <a:stretch/>
+        </p:blipFill>
+        <p:spPr bwMode="auto">
+          <a:xfrm>
+            <a:off x="6828728" y="3428440"/>
+            <a:ext cx="5207271" cy="3240000"/>
+          </a:xfrm>
+          <a:prstGeom prst="rect">
+            <a:avLst/>
+          </a:prstGeom>
+          <a:noFill/>
+          <a:extLst>
+            <a:ext uri="{909E8E84-426E-40DD-AFC4-6F175D3DCCD1}">
+              <a14:hiddenFill xmlns:a14="http://schemas.microsoft.com/office/drawing/2010/main">
+                <a:solidFill>
+                  <a:srgbClr val="FFFFFF"/>
+                </a:solidFill>
+              </a14:hiddenFill>
+            </a:ext>
+          </a:extLst>
+        </p:spPr>
+      </p:pic>
+    </p:spTree>
+    <p:extLst>
+      <p:ext uri="{BB962C8B-B14F-4D97-AF65-F5344CB8AC3E}">
+        <p14:creationId xmlns:p14="http://schemas.microsoft.com/office/powerpoint/2010/main" val="731457052"/>
       </p:ext>
     </p:extLst>
   </p:cSld>

--- a/PresentacionSensoresAgua.pptx
+++ b/PresentacionSensoresAgua.pptx
@@ -9,6 +9,7 @@
     <p:sldId id="257" r:id="rId3"/>
     <p:sldId id="258" r:id="rId4"/>
     <p:sldId id="259" r:id="rId5"/>
+    <p:sldId id="260" r:id="rId6"/>
   </p:sldIdLst>
   <p:sldSz cx="12192000" cy="6858000"/>
   <p:notesSz cx="6858000" cy="9144000"/>
@@ -210,7 +211,7 @@
           <a:effectLst/>
           <a:extLst>
             <a:ext uri="{91240B29-F687-4f45-9708-019B960494DF}">
-              <a14:hiddenLine xmlns:a14="http://schemas.microsoft.com/office/drawing/2010/main" xmlns="" w="9525">
+              <a14:hiddenLine xmlns="" xmlns:a14="http://schemas.microsoft.com/office/drawing/2010/main" w="9525">
                 <a:solidFill>
                   <a:srgbClr val="000000"/>
                 </a:solidFill>
@@ -1732,7 +1733,7 @@
           <a:ln/>
           <a:extLst>
             <a:ext uri="{91240B29-F687-4f45-9708-019B960494DF}">
-              <a14:hiddenLine xmlns:a14="http://schemas.microsoft.com/office/drawing/2010/main" xmlns="" w="9525">
+              <a14:hiddenLine xmlns="" xmlns:a14="http://schemas.microsoft.com/office/drawing/2010/main" w="9525">
                 <a:solidFill>
                   <a:srgbClr val="000000"/>
                 </a:solidFill>
@@ -2007,7 +2008,7 @@
           <a:ln/>
           <a:extLst>
             <a:ext uri="{91240B29-F687-4f45-9708-019B960494DF}">
-              <a14:hiddenLine xmlns:a14="http://schemas.microsoft.com/office/drawing/2010/main" xmlns="" w="9525">
+              <a14:hiddenLine xmlns="" xmlns:a14="http://schemas.microsoft.com/office/drawing/2010/main" w="9525">
                 <a:solidFill>
                   <a:srgbClr val="000000"/>
                 </a:solidFill>
@@ -2290,7 +2291,7 @@
           <a:ln/>
           <a:extLst>
             <a:ext uri="{91240B29-F687-4f45-9708-019B960494DF}">
-              <a14:hiddenLine xmlns:a14="http://schemas.microsoft.com/office/drawing/2010/main" xmlns="" w="9525">
+              <a14:hiddenLine xmlns="" xmlns:a14="http://schemas.microsoft.com/office/drawing/2010/main" w="9525">
                 <a:solidFill>
                   <a:srgbClr val="000000"/>
                 </a:solidFill>
@@ -2916,7 +2917,7 @@
           <a:ln/>
           <a:extLst>
             <a:ext uri="{91240B29-F687-4f45-9708-019B960494DF}">
-              <a14:hiddenLine xmlns:a14="http://schemas.microsoft.com/office/drawing/2010/main" xmlns="" w="9525">
+              <a14:hiddenLine xmlns="" xmlns:a14="http://schemas.microsoft.com/office/drawing/2010/main" w="9525">
                 <a:solidFill>
                   <a:srgbClr val="000000"/>
                 </a:solidFill>
@@ -3255,7 +3256,7 @@
           <a:ln/>
           <a:extLst>
             <a:ext uri="{91240B29-F687-4f45-9708-019B960494DF}">
-              <a14:hiddenLine xmlns:a14="http://schemas.microsoft.com/office/drawing/2010/main" xmlns="" w="9525">
+              <a14:hiddenLine xmlns="" xmlns:a14="http://schemas.microsoft.com/office/drawing/2010/main" w="9525">
                 <a:solidFill>
                   <a:srgbClr val="000000"/>
                 </a:solidFill>
@@ -3732,7 +3733,7 @@
           <a:ln/>
           <a:extLst>
             <a:ext uri="{91240B29-F687-4f45-9708-019B960494DF}">
-              <a14:hiddenLine xmlns:a14="http://schemas.microsoft.com/office/drawing/2010/main" xmlns="" w="9525">
+              <a14:hiddenLine xmlns="" xmlns:a14="http://schemas.microsoft.com/office/drawing/2010/main" w="9525">
                 <a:solidFill>
                   <a:srgbClr val="000000"/>
                 </a:solidFill>
@@ -4161,7 +4162,7 @@
           <a:ln/>
           <a:extLst>
             <a:ext uri="{91240B29-F687-4f45-9708-019B960494DF}">
-              <a14:hiddenLine xmlns:a14="http://schemas.microsoft.com/office/drawing/2010/main" xmlns="" w="9525">
+              <a14:hiddenLine xmlns="" xmlns:a14="http://schemas.microsoft.com/office/drawing/2010/main" w="9525">
                 <a:solidFill>
                   <a:srgbClr val="000000"/>
                 </a:solidFill>
@@ -6337,6 +6338,295 @@
 </p:sld>
 </file>
 
+<file path=ppt/slides/slide5.xml><?xml version="1.0" encoding="utf-8"?>
+<p:sld xmlns:a="http://schemas.openxmlformats.org/drawingml/2006/main" xmlns:r="http://schemas.openxmlformats.org/officeDocument/2006/relationships" xmlns:p="http://schemas.openxmlformats.org/presentationml/2006/main">
+  <p:cSld>
+    <p:spTree>
+      <p:nvGrpSpPr>
+        <p:cNvPr id="1" name=""/>
+        <p:cNvGrpSpPr/>
+        <p:nvPr/>
+      </p:nvGrpSpPr>
+      <p:grpSpPr>
+        <a:xfrm>
+          <a:off x="0" y="0"/>
+          <a:ext cx="0" cy="0"/>
+          <a:chOff x="0" y="0"/>
+          <a:chExt cx="0" cy="0"/>
+        </a:xfrm>
+      </p:grpSpPr>
+      <p:sp>
+        <p:nvSpPr>
+          <p:cNvPr id="2" name="Título 1">
+            <a:extLst>
+              <a:ext uri="{FF2B5EF4-FFF2-40B4-BE49-F238E27FC236}">
+                <a16:creationId xmlns:a16="http://schemas.microsoft.com/office/drawing/2014/main" id="{C8EF406E-2B88-42B9-8FEE-EBEE88F72247}"/>
+              </a:ext>
+            </a:extLst>
+          </p:cNvPr>
+          <p:cNvSpPr>
+            <a:spLocks noGrp="1"/>
+          </p:cNvSpPr>
+          <p:nvPr>
+            <p:ph type="title"/>
+          </p:nvPr>
+        </p:nvSpPr>
+        <p:spPr/>
+        <p:txBody>
+          <a:bodyPr/>
+          <a:lstStyle/>
+          <a:p>
+            <a:r>
+              <a:rPr lang="es-MX" dirty="0"/>
+              <a:t>Conclusión</a:t>
+            </a:r>
+          </a:p>
+        </p:txBody>
+      </p:sp>
+      <p:sp>
+        <p:nvSpPr>
+          <p:cNvPr id="3" name="Marcador de contenido 2">
+            <a:extLst>
+              <a:ext uri="{FF2B5EF4-FFF2-40B4-BE49-F238E27FC236}">
+                <a16:creationId xmlns:a16="http://schemas.microsoft.com/office/drawing/2014/main" id="{D62396B6-064B-4DE3-947F-1616548C4349}"/>
+              </a:ext>
+            </a:extLst>
+          </p:cNvPr>
+          <p:cNvSpPr>
+            <a:spLocks noGrp="1"/>
+          </p:cNvSpPr>
+          <p:nvPr>
+            <p:ph idx="1"/>
+          </p:nvPr>
+        </p:nvSpPr>
+        <p:spPr>
+          <a:xfrm>
+            <a:off x="662362" y="1809000"/>
+            <a:ext cx="10554574" cy="3636511"/>
+          </a:xfrm>
+        </p:spPr>
+        <p:txBody>
+          <a:bodyPr/>
+          <a:lstStyle/>
+          <a:p>
+            <a:pPr algn="just" rtl="0">
+              <a:spcBef>
+                <a:spcPts val="0"/>
+              </a:spcBef>
+              <a:spcAft>
+                <a:spcPts val="0"/>
+              </a:spcAft>
+            </a:pPr>
+            <a:r>
+              <a:rPr lang="es-MX" sz="1800" b="0" i="0" u="none" strike="noStrike" dirty="0">
+                <a:solidFill>
+                  <a:srgbClr val="FFFFFF"/>
+                </a:solidFill>
+                <a:effectLst/>
+                <a:latin typeface="Arial" panose="020B0604020202020204" pitchFamily="34" charset="0"/>
+              </a:rPr>
+              <a:t>El internet de las cosas es útil si es aplicado de manera correcta no solamente que sea usado para comodidad. </a:t>
+            </a:r>
+          </a:p>
+          <a:p>
+            <a:pPr marL="0" indent="0" algn="just" rtl="0">
+              <a:spcBef>
+                <a:spcPts val="0"/>
+              </a:spcBef>
+              <a:spcAft>
+                <a:spcPts val="0"/>
+              </a:spcAft>
+              <a:buNone/>
+            </a:pPr>
+            <a:endParaRPr lang="es-MX" b="0" dirty="0">
+              <a:effectLst/>
+            </a:endParaRPr>
+          </a:p>
+          <a:p>
+            <a:pPr algn="just" rtl="0">
+              <a:spcBef>
+                <a:spcPts val="0"/>
+              </a:spcBef>
+              <a:spcAft>
+                <a:spcPts val="0"/>
+              </a:spcAft>
+            </a:pPr>
+            <a:r>
+              <a:rPr lang="es-MX" sz="1800" b="0" i="0" u="none" strike="noStrike" dirty="0">
+                <a:solidFill>
+                  <a:srgbClr val="FFFFFF"/>
+                </a:solidFill>
+                <a:effectLst/>
+                <a:latin typeface="Arial" panose="020B0604020202020204" pitchFamily="34" charset="0"/>
+              </a:rPr>
+              <a:t>Gracias a </a:t>
+            </a:r>
+            <a:r>
+              <a:rPr lang="es-MX" sz="1800" b="0" i="0" u="none" strike="noStrike" dirty="0" err="1">
+                <a:solidFill>
+                  <a:srgbClr val="FFFFFF"/>
+                </a:solidFill>
+                <a:effectLst/>
+                <a:latin typeface="Arial" panose="020B0604020202020204" pitchFamily="34" charset="0"/>
+              </a:rPr>
+              <a:t>proteus</a:t>
+            </a:r>
+            <a:r>
+              <a:rPr lang="es-MX" sz="1800" b="0" i="0" u="none" strike="noStrike" dirty="0">
+                <a:solidFill>
+                  <a:srgbClr val="FFFFFF"/>
+                </a:solidFill>
+                <a:effectLst/>
+                <a:latin typeface="Arial" panose="020B0604020202020204" pitchFamily="34" charset="0"/>
+              </a:rPr>
+              <a:t> pudimos ver como hacer un </a:t>
+            </a:r>
+            <a:r>
+              <a:rPr lang="es-MX" sz="1800" b="0" i="0" u="none" strike="noStrike" dirty="0" err="1">
+                <a:solidFill>
+                  <a:srgbClr val="FFFFFF"/>
+                </a:solidFill>
+                <a:effectLst/>
+                <a:latin typeface="Arial" panose="020B0604020202020204" pitchFamily="34" charset="0"/>
+              </a:rPr>
+              <a:t>arduino</a:t>
+            </a:r>
+            <a:r>
+              <a:rPr lang="es-MX" sz="1800" b="0" i="0" u="none" strike="noStrike" dirty="0">
+                <a:solidFill>
+                  <a:srgbClr val="FFFFFF"/>
+                </a:solidFill>
+                <a:effectLst/>
+                <a:latin typeface="Arial" panose="020B0604020202020204" pitchFamily="34" charset="0"/>
+              </a:rPr>
+              <a:t> para poder detectar cuánta agua se consume y con la ayuda de </a:t>
+            </a:r>
+            <a:r>
+              <a:rPr lang="es-MX" sz="1800" b="0" i="0" u="none" strike="noStrike" dirty="0" err="1">
+                <a:solidFill>
+                  <a:srgbClr val="FFFFFF"/>
+                </a:solidFill>
+                <a:effectLst/>
+                <a:latin typeface="Arial" panose="020B0604020202020204" pitchFamily="34" charset="0"/>
+              </a:rPr>
+              <a:t>github</a:t>
+            </a:r>
+            <a:r>
+              <a:rPr lang="es-MX" sz="1800" b="0" i="0" u="none" strike="noStrike" dirty="0">
+                <a:solidFill>
+                  <a:srgbClr val="FFFFFF"/>
+                </a:solidFill>
+                <a:effectLst/>
+                <a:latin typeface="Arial" panose="020B0604020202020204" pitchFamily="34" charset="0"/>
+              </a:rPr>
+              <a:t> pudimos compartir los archivos de manera fácil y eficiente.</a:t>
+            </a:r>
+            <a:endParaRPr lang="es-MX" b="0" dirty="0">
+              <a:effectLst/>
+            </a:endParaRPr>
+          </a:p>
+          <a:p>
+            <a:pPr algn="just" rtl="0">
+              <a:spcBef>
+                <a:spcPts val="0"/>
+              </a:spcBef>
+              <a:spcAft>
+                <a:spcPts val="0"/>
+              </a:spcAft>
+            </a:pPr>
+            <a:endParaRPr lang="es-MX" sz="1800" i="0" u="none" strike="noStrike" dirty="0">
+              <a:solidFill>
+                <a:srgbClr val="FFFFFF"/>
+              </a:solidFill>
+              <a:latin typeface="Arial" panose="020B0604020202020204" pitchFamily="34" charset="0"/>
+            </a:endParaRPr>
+          </a:p>
+          <a:p>
+            <a:pPr algn="just" rtl="0">
+              <a:spcBef>
+                <a:spcPts val="0"/>
+              </a:spcBef>
+              <a:spcAft>
+                <a:spcPts val="0"/>
+              </a:spcAft>
+            </a:pPr>
+            <a:r>
+              <a:rPr lang="es-MX" sz="1800" b="0" i="0" u="none" strike="noStrike" dirty="0">
+                <a:solidFill>
+                  <a:srgbClr val="FFFFFF"/>
+                </a:solidFill>
+                <a:effectLst/>
+                <a:latin typeface="Arial" panose="020B0604020202020204" pitchFamily="34" charset="0"/>
+              </a:rPr>
+              <a:t>Hay muchas cosas de las cuales podríamos aplicar internet de las cosas para poder hacer la vida cotidiana más eficiente y fácil lo único que tenemos que hacer es pensar cómo podemos innovar los objetos ya creados y cómo podemos ayudar a la humanidad con nuestra innovación.</a:t>
+            </a:r>
+            <a:br>
+              <a:rPr lang="es-MX" dirty="0"/>
+            </a:br>
+            <a:endParaRPr lang="es-MX" dirty="0"/>
+          </a:p>
+        </p:txBody>
+      </p:sp>
+      <p:pic>
+        <p:nvPicPr>
+          <p:cNvPr id="1026" name="Picture 2">
+            <a:extLst>
+              <a:ext uri="{FF2B5EF4-FFF2-40B4-BE49-F238E27FC236}">
+                <a16:creationId xmlns:a16="http://schemas.microsoft.com/office/drawing/2014/main" id="{913F1B80-C152-4E20-B638-0039A9B9D95D}"/>
+              </a:ext>
+            </a:extLst>
+          </p:cNvPr>
+          <p:cNvPicPr>
+            <a:picLocks noChangeAspect="1" noChangeArrowheads="1"/>
+          </p:cNvPicPr>
+          <p:nvPr/>
+        </p:nvPicPr>
+        <p:blipFill>
+          <a:blip r:embed="rId2" cstate="print">
+            <a:extLst>
+              <a:ext uri="{28A0092B-C50C-407E-A947-70E740481C1C}">
+                <a14:useLocalDpi xmlns:a14="http://schemas.microsoft.com/office/drawing/2010/main" val="0"/>
+              </a:ext>
+            </a:extLst>
+          </a:blip>
+          <a:srcRect/>
+          <a:stretch>
+            <a:fillRect/>
+          </a:stretch>
+        </p:blipFill>
+        <p:spPr bwMode="auto">
+          <a:xfrm>
+            <a:off x="9876000" y="4976251"/>
+            <a:ext cx="2316000" cy="1881750"/>
+          </a:xfrm>
+          <a:prstGeom prst="rect">
+            <a:avLst/>
+          </a:prstGeom>
+          <a:noFill/>
+          <a:extLst>
+            <a:ext uri="{909E8E84-426E-40DD-AFC4-6F175D3DCCD1}">
+              <a14:hiddenFill xmlns:a14="http://schemas.microsoft.com/office/drawing/2010/main">
+                <a:solidFill>
+                  <a:srgbClr val="FFFFFF"/>
+                </a:solidFill>
+              </a14:hiddenFill>
+            </a:ext>
+          </a:extLst>
+        </p:spPr>
+      </p:pic>
+    </p:spTree>
+    <p:extLst>
+      <p:ext uri="{BB962C8B-B14F-4D97-AF65-F5344CB8AC3E}">
+        <p14:creationId xmlns:p14="http://schemas.microsoft.com/office/powerpoint/2010/main" val="695210469"/>
+      </p:ext>
+    </p:extLst>
+  </p:cSld>
+  <p:clrMapOvr>
+    <a:masterClrMapping/>
+  </p:clrMapOvr>
+</p:sld>
+</file>
+
 <file path=ppt/theme/theme1.xml><?xml version="1.0" encoding="utf-8"?>
 <a:theme xmlns:a="http://schemas.openxmlformats.org/drawingml/2006/main" name="Citable">
   <a:themeElements>

--- a/PresentacionSensoresAgua.pptx
+++ b/PresentacionSensoresAgua.pptx
@@ -10,6 +10,7 @@
     <p:sldId id="258" r:id="rId4"/>
     <p:sldId id="259" r:id="rId5"/>
     <p:sldId id="260" r:id="rId6"/>
+    <p:sldId id="261" r:id="rId7"/>
   </p:sldIdLst>
   <p:sldSz cx="12192000" cy="6858000"/>
   <p:notesSz cx="6858000" cy="9144000"/>
@@ -211,7 +212,7 @@
           <a:effectLst/>
           <a:extLst>
             <a:ext uri="{91240B29-F687-4f45-9708-019B960494DF}">
-              <a14:hiddenLine xmlns="" xmlns:a14="http://schemas.microsoft.com/office/drawing/2010/main" w="9525">
+              <a14:hiddenLine xmlns:a14="http://schemas.microsoft.com/office/drawing/2010/main" xmlns="" w="9525">
                 <a:solidFill>
                   <a:srgbClr val="000000"/>
                 </a:solidFill>
@@ -1733,7 +1734,7 @@
           <a:ln/>
           <a:extLst>
             <a:ext uri="{91240B29-F687-4f45-9708-019B960494DF}">
-              <a14:hiddenLine xmlns="" xmlns:a14="http://schemas.microsoft.com/office/drawing/2010/main" w="9525">
+              <a14:hiddenLine xmlns:a14="http://schemas.microsoft.com/office/drawing/2010/main" xmlns="" w="9525">
                 <a:solidFill>
                   <a:srgbClr val="000000"/>
                 </a:solidFill>
@@ -2008,7 +2009,7 @@
           <a:ln/>
           <a:extLst>
             <a:ext uri="{91240B29-F687-4f45-9708-019B960494DF}">
-              <a14:hiddenLine xmlns="" xmlns:a14="http://schemas.microsoft.com/office/drawing/2010/main" w="9525">
+              <a14:hiddenLine xmlns:a14="http://schemas.microsoft.com/office/drawing/2010/main" xmlns="" w="9525">
                 <a:solidFill>
                   <a:srgbClr val="000000"/>
                 </a:solidFill>
@@ -2291,7 +2292,7 @@
           <a:ln/>
           <a:extLst>
             <a:ext uri="{91240B29-F687-4f45-9708-019B960494DF}">
-              <a14:hiddenLine xmlns="" xmlns:a14="http://schemas.microsoft.com/office/drawing/2010/main" w="9525">
+              <a14:hiddenLine xmlns:a14="http://schemas.microsoft.com/office/drawing/2010/main" xmlns="" w="9525">
                 <a:solidFill>
                   <a:srgbClr val="000000"/>
                 </a:solidFill>
@@ -2917,7 +2918,7 @@
           <a:ln/>
           <a:extLst>
             <a:ext uri="{91240B29-F687-4f45-9708-019B960494DF}">
-              <a14:hiddenLine xmlns="" xmlns:a14="http://schemas.microsoft.com/office/drawing/2010/main" w="9525">
+              <a14:hiddenLine xmlns:a14="http://schemas.microsoft.com/office/drawing/2010/main" xmlns="" w="9525">
                 <a:solidFill>
                   <a:srgbClr val="000000"/>
                 </a:solidFill>
@@ -3256,7 +3257,7 @@
           <a:ln/>
           <a:extLst>
             <a:ext uri="{91240B29-F687-4f45-9708-019B960494DF}">
-              <a14:hiddenLine xmlns="" xmlns:a14="http://schemas.microsoft.com/office/drawing/2010/main" w="9525">
+              <a14:hiddenLine xmlns:a14="http://schemas.microsoft.com/office/drawing/2010/main" xmlns="" w="9525">
                 <a:solidFill>
                   <a:srgbClr val="000000"/>
                 </a:solidFill>
@@ -3733,7 +3734,7 @@
           <a:ln/>
           <a:extLst>
             <a:ext uri="{91240B29-F687-4f45-9708-019B960494DF}">
-              <a14:hiddenLine xmlns="" xmlns:a14="http://schemas.microsoft.com/office/drawing/2010/main" w="9525">
+              <a14:hiddenLine xmlns:a14="http://schemas.microsoft.com/office/drawing/2010/main" xmlns="" w="9525">
                 <a:solidFill>
                   <a:srgbClr val="000000"/>
                 </a:solidFill>
@@ -4162,7 +4163,7 @@
           <a:ln/>
           <a:extLst>
             <a:ext uri="{91240B29-F687-4f45-9708-019B960494DF}">
-              <a14:hiddenLine xmlns="" xmlns:a14="http://schemas.microsoft.com/office/drawing/2010/main" w="9525">
+              <a14:hiddenLine xmlns:a14="http://schemas.microsoft.com/office/drawing/2010/main" xmlns="" w="9525">
                 <a:solidFill>
                   <a:srgbClr val="000000"/>
                 </a:solidFill>
@@ -5406,10 +5407,10 @@
           <p:cNvPr id="11" name="Rectangle 8">
             <a:extLst>
               <a:ext uri="{FF2B5EF4-FFF2-40B4-BE49-F238E27FC236}">
-                <a16:creationId xmlns:a16="http://schemas.microsoft.com/office/drawing/2014/main" id="{54047A07-72EC-41BC-A55F-C264F639FB20}"/>
+                <a16:creationId xmlns:a16="http://schemas.microsoft.com/office/drawing/2014/main" xmlns="" id="{54047A07-72EC-41BC-A55F-C264F639FB20}"/>
               </a:ext>
               <a:ext uri="{C183D7F6-B498-43B3-948B-1728B52AA6E4}">
-                <adec:decorative xmlns:adec="http://schemas.microsoft.com/office/drawing/2017/decorative" val="1"/>
+                <adec:decorative xmlns:adec="http://schemas.microsoft.com/office/drawing/2017/decorative" xmlns="" val="1"/>
               </a:ext>
             </a:extLst>
           </p:cNvPr>
@@ -5419,7 +5420,7 @@
           <p:nvPr>
             <p:extLst>
               <p:ext uri="{386F3935-93C4-4BCD-93E2-E3B085C9AB24}">
-                <p16:designElem xmlns:p16="http://schemas.microsoft.com/office/powerpoint/2015/main" val="1"/>
+                <p16:designElem xmlns:p16="http://schemas.microsoft.com/office/powerpoint/2015/main" xmlns="" val="1"/>
               </p:ext>
             </p:extLst>
           </p:nvPr>
@@ -5466,7 +5467,7 @@
           <p:cNvPr id="4" name="Imagen 3" descr="Diagrama, Dibujo de ingeniería&#10;&#10;Descripción generada automáticamente">
             <a:extLst>
               <a:ext uri="{FF2B5EF4-FFF2-40B4-BE49-F238E27FC236}">
-                <a16:creationId xmlns:a16="http://schemas.microsoft.com/office/drawing/2014/main" id="{AF3C8F0B-DFD7-4317-B4A7-D01C61ECCBBF}"/>
+                <a16:creationId xmlns:a16="http://schemas.microsoft.com/office/drawing/2014/main" xmlns="" id="{AF3C8F0B-DFD7-4317-B4A7-D01C61ECCBBF}"/>
               </a:ext>
             </a:extLst>
           </p:cNvPr>
@@ -5671,6 +5672,10 @@
             </a:endParaRPr>
           </a:p>
           <a:p>
+            <a:r>
+              <a:rPr lang="es-MX" dirty="0"/>
+              <a:t/>
+            </a:r>
             <a:br>
               <a:rPr lang="es-MX" dirty="0"/>
             </a:br>
@@ -5851,7 +5856,7 @@
           <p:cNvPr id="2" name="Título 1">
             <a:extLst>
               <a:ext uri="{FF2B5EF4-FFF2-40B4-BE49-F238E27FC236}">
-                <a16:creationId xmlns:a16="http://schemas.microsoft.com/office/drawing/2014/main" id="{486EAAA6-226E-4716-8401-1514C7F74430}"/>
+                <a16:creationId xmlns:a16="http://schemas.microsoft.com/office/drawing/2014/main" xmlns="" id="{486EAAA6-226E-4716-8401-1514C7F74430}"/>
               </a:ext>
             </a:extLst>
           </p:cNvPr>
@@ -5886,7 +5891,7 @@
           <p:cNvPr id="3" name="Marcador de contenido 2">
             <a:extLst>
               <a:ext uri="{FF2B5EF4-FFF2-40B4-BE49-F238E27FC236}">
-                <a16:creationId xmlns:a16="http://schemas.microsoft.com/office/drawing/2014/main" id="{2629E7A5-7C32-4782-B14F-5B7B81393095}"/>
+                <a16:creationId xmlns:a16="http://schemas.microsoft.com/office/drawing/2014/main" xmlns="" id="{2629E7A5-7C32-4782-B14F-5B7B81393095}"/>
               </a:ext>
             </a:extLst>
           </p:cNvPr>
@@ -5943,7 +5948,7 @@
           <p:cNvPr id="6" name="Imagen 5" descr="Diagrama, Icono&#10;&#10;Descripción generada automáticamente">
             <a:extLst>
               <a:ext uri="{FF2B5EF4-FFF2-40B4-BE49-F238E27FC236}">
-                <a16:creationId xmlns:a16="http://schemas.microsoft.com/office/drawing/2014/main" id="{C1F50B84-B5C1-47B8-9F8D-9A2C5521562A}"/>
+                <a16:creationId xmlns:a16="http://schemas.microsoft.com/office/drawing/2014/main" xmlns="" id="{C1F50B84-B5C1-47B8-9F8D-9A2C5521562A}"/>
               </a:ext>
             </a:extLst>
           </p:cNvPr>
@@ -6171,7 +6176,7 @@
           <p:cNvPr id="2" name="Título 1">
             <a:extLst>
               <a:ext uri="{FF2B5EF4-FFF2-40B4-BE49-F238E27FC236}">
-                <a16:creationId xmlns:a16="http://schemas.microsoft.com/office/drawing/2014/main" id="{5863CFF9-4D27-4A17-8452-7D1D8744AD12}"/>
+                <a16:creationId xmlns:a16="http://schemas.microsoft.com/office/drawing/2014/main" xmlns="" id="{5863CFF9-4D27-4A17-8452-7D1D8744AD12}"/>
               </a:ext>
             </a:extLst>
           </p:cNvPr>
@@ -6200,7 +6205,7 @@
           <p:cNvPr id="3" name="Marcador de contenido 2">
             <a:extLst>
               <a:ext uri="{FF2B5EF4-FFF2-40B4-BE49-F238E27FC236}">
-                <a16:creationId xmlns:a16="http://schemas.microsoft.com/office/drawing/2014/main" id="{A0F798EA-64C7-49F7-81D3-B04E86EFAA87}"/>
+                <a16:creationId xmlns:a16="http://schemas.microsoft.com/office/drawing/2014/main" xmlns="" id="{A0F798EA-64C7-49F7-81D3-B04E86EFAA87}"/>
               </a:ext>
             </a:extLst>
           </p:cNvPr>
@@ -6240,7 +6245,7 @@
           <p:cNvPr id="1026" name="Picture 2" descr="Sensor de flujo de agua para Placa de desarrollo y microcontroladores">
             <a:extLst>
               <a:ext uri="{FF2B5EF4-FFF2-40B4-BE49-F238E27FC236}">
-                <a16:creationId xmlns:a16="http://schemas.microsoft.com/office/drawing/2014/main" id="{3AB8B2FE-1429-42A1-8924-22601C1B8796}"/>
+                <a16:creationId xmlns:a16="http://schemas.microsoft.com/office/drawing/2014/main" xmlns="" id="{3AB8B2FE-1429-42A1-8924-22601C1B8796}"/>
               </a:ext>
             </a:extLst>
           </p:cNvPr>
@@ -6285,7 +6290,7 @@
           <p:cNvPr id="1028" name="Picture 4" descr="América Móvil y Vodafone se unen para ofrecer servicios IoT globales">
             <a:extLst>
               <a:ext uri="{FF2B5EF4-FFF2-40B4-BE49-F238E27FC236}">
-                <a16:creationId xmlns:a16="http://schemas.microsoft.com/office/drawing/2014/main" id="{2635ABD2-D8D0-4117-959D-63DAFC1BCB5A}"/>
+                <a16:creationId xmlns:a16="http://schemas.microsoft.com/office/drawing/2014/main" xmlns="" id="{2635ABD2-D8D0-4117-959D-63DAFC1BCB5A}"/>
               </a:ext>
             </a:extLst>
           </p:cNvPr>
@@ -6360,7 +6365,7 @@
           <p:cNvPr id="2" name="Título 1">
             <a:extLst>
               <a:ext uri="{FF2B5EF4-FFF2-40B4-BE49-F238E27FC236}">
-                <a16:creationId xmlns:a16="http://schemas.microsoft.com/office/drawing/2014/main" id="{C8EF406E-2B88-42B9-8FEE-EBEE88F72247}"/>
+                <a16:creationId xmlns:a16="http://schemas.microsoft.com/office/drawing/2014/main" xmlns="" id="{C8EF406E-2B88-42B9-8FEE-EBEE88F72247}"/>
               </a:ext>
             </a:extLst>
           </p:cNvPr>
@@ -6388,7 +6393,7 @@
           <p:cNvPr id="3" name="Marcador de contenido 2">
             <a:extLst>
               <a:ext uri="{FF2B5EF4-FFF2-40B4-BE49-F238E27FC236}">
-                <a16:creationId xmlns:a16="http://schemas.microsoft.com/office/drawing/2014/main" id="{D62396B6-064B-4DE3-947F-1616548C4349}"/>
+                <a16:creationId xmlns:a16="http://schemas.microsoft.com/office/drawing/2014/main" xmlns="" id="{D62396B6-064B-4DE3-947F-1616548C4349}"/>
               </a:ext>
             </a:extLst>
           </p:cNvPr>
@@ -6560,6 +6565,10 @@
               </a:rPr>
               <a:t>Hay muchas cosas de las cuales podríamos aplicar internet de las cosas para poder hacer la vida cotidiana más eficiente y fácil lo único que tenemos que hacer es pensar cómo podemos innovar los objetos ya creados y cómo podemos ayudar a la humanidad con nuestra innovación.</a:t>
             </a:r>
+            <a:r>
+              <a:rPr lang="es-MX" dirty="0"/>
+              <a:t/>
+            </a:r>
             <a:br>
               <a:rPr lang="es-MX" dirty="0"/>
             </a:br>
@@ -6572,7 +6581,7 @@
           <p:cNvPr id="1026" name="Picture 2">
             <a:extLst>
               <a:ext uri="{FF2B5EF4-FFF2-40B4-BE49-F238E27FC236}">
-                <a16:creationId xmlns:a16="http://schemas.microsoft.com/office/drawing/2014/main" id="{913F1B80-C152-4E20-B638-0039A9B9D95D}"/>
+                <a16:creationId xmlns:a16="http://schemas.microsoft.com/office/drawing/2014/main" xmlns="" id="{913F1B80-C152-4E20-B638-0039A9B9D95D}"/>
               </a:ext>
             </a:extLst>
           </p:cNvPr>
@@ -6618,6 +6627,171 @@
     <p:extLst>
       <p:ext uri="{BB962C8B-B14F-4D97-AF65-F5344CB8AC3E}">
         <p14:creationId xmlns:p14="http://schemas.microsoft.com/office/powerpoint/2010/main" val="695210469"/>
+      </p:ext>
+    </p:extLst>
+  </p:cSld>
+  <p:clrMapOvr>
+    <a:masterClrMapping/>
+  </p:clrMapOvr>
+</p:sld>
+</file>
+
+<file path=ppt/slides/slide6.xml><?xml version="1.0" encoding="utf-8"?>
+<p:sld xmlns:a="http://schemas.openxmlformats.org/drawingml/2006/main" xmlns:r="http://schemas.openxmlformats.org/officeDocument/2006/relationships" xmlns:p="http://schemas.openxmlformats.org/presentationml/2006/main">
+  <p:cSld>
+    <p:spTree>
+      <p:nvGrpSpPr>
+        <p:cNvPr id="1" name=""/>
+        <p:cNvGrpSpPr/>
+        <p:nvPr/>
+      </p:nvGrpSpPr>
+      <p:grpSpPr>
+        <a:xfrm>
+          <a:off x="0" y="0"/>
+          <a:ext cx="0" cy="0"/>
+          <a:chOff x="0" y="0"/>
+          <a:chExt cx="0" cy="0"/>
+        </a:xfrm>
+      </p:grpSpPr>
+      <p:sp>
+        <p:nvSpPr>
+          <p:cNvPr id="6" name="Rectángulo 5"/>
+          <p:cNvSpPr/>
+          <p:nvPr/>
+        </p:nvSpPr>
+        <p:spPr>
+          <a:xfrm>
+            <a:off x="3201803" y="1988782"/>
+            <a:ext cx="5788393" cy="400110"/>
+          </a:xfrm>
+          <a:prstGeom prst="rect">
+            <a:avLst/>
+          </a:prstGeom>
+        </p:spPr>
+        <p:txBody>
+          <a:bodyPr wrap="square">
+            <a:spAutoFit/>
+          </a:bodyPr>
+          <a:lstStyle/>
+          <a:p>
+            <a:r>
+              <a:rPr lang="es-ES" sz="2000" b="1" dirty="0">
+                <a:solidFill>
+                  <a:srgbClr val="FFFFFF"/>
+                </a:solidFill>
+                <a:effectLst>
+                  <a:outerShdw blurRad="38100" dist="38100" dir="2700000" algn="tl">
+                    <a:srgbClr val="000000">
+                      <a:alpha val="43137"/>
+                    </a:srgbClr>
+                  </a:outerShdw>
+                </a:effectLst>
+                <a:latin typeface="Montserrat"/>
+              </a:rPr>
+              <a:t>Ahora, platicaremos sobre cómo trabajamos</a:t>
+            </a:r>
+            <a:r>
+              <a:rPr lang="es-ES" sz="2000" b="1" dirty="0" smtClean="0">
+                <a:solidFill>
+                  <a:srgbClr val="FFFFFF"/>
+                </a:solidFill>
+                <a:effectLst>
+                  <a:outerShdw blurRad="38100" dist="38100" dir="2700000" algn="tl">
+                    <a:srgbClr val="000000">
+                      <a:alpha val="43137"/>
+                    </a:srgbClr>
+                  </a:outerShdw>
+                </a:effectLst>
+                <a:latin typeface="Montserrat"/>
+              </a:rPr>
+              <a:t>...</a:t>
+            </a:r>
+            <a:endParaRPr lang="es-ES" sz="2000" b="1" dirty="0">
+              <a:effectLst>
+                <a:outerShdw blurRad="38100" dist="38100" dir="2700000" algn="tl">
+                  <a:srgbClr val="000000">
+                    <a:alpha val="43137"/>
+                  </a:srgbClr>
+                </a:outerShdw>
+              </a:effectLst>
+            </a:endParaRPr>
+          </a:p>
+        </p:txBody>
+      </p:sp>
+      <p:pic>
+        <p:nvPicPr>
+          <p:cNvPr id="7" name="Picture 2" descr="https://lh3.googleusercontent.com/CPB7Ymw-P-GuSEo38IMgpEVrRvxRFe1vTtByUM5lCCLlqqyKGfGa4mfNgrIzAWYhUmovGH8ZHJA0zueyEjSn6pj0re-fxAAohPWeTShf5QF-xZM2RAaAxTvEj9VzeTOjMlC4viNw4SI"/>
+          <p:cNvPicPr>
+            <a:picLocks noChangeAspect="1" noChangeArrowheads="1"/>
+          </p:cNvPicPr>
+          <p:nvPr/>
+        </p:nvPicPr>
+        <p:blipFill>
+          <a:blip r:embed="rId2">
+            <a:extLst>
+              <a:ext uri="{28A0092B-C50C-407E-A947-70E740481C1C}">
+                <a14:useLocalDpi xmlns:a14="http://schemas.microsoft.com/office/drawing/2010/main" val="0"/>
+              </a:ext>
+            </a:extLst>
+          </a:blip>
+          <a:srcRect/>
+          <a:stretch>
+            <a:fillRect/>
+          </a:stretch>
+        </p:blipFill>
+        <p:spPr bwMode="auto">
+          <a:xfrm>
+            <a:off x="3556361" y="2648681"/>
+            <a:ext cx="5079278" cy="3648906"/>
+          </a:xfrm>
+          <a:prstGeom prst="rect">
+            <a:avLst/>
+          </a:prstGeom>
+          <a:solidFill>
+            <a:srgbClr val="FFFFFF">
+              <a:shade val="85000"/>
+            </a:srgbClr>
+          </a:solidFill>
+          <a:ln w="88900" cap="sq">
+            <a:solidFill>
+              <a:srgbClr val="FFFFFF"/>
+            </a:solidFill>
+            <a:miter lim="800000"/>
+          </a:ln>
+          <a:effectLst>
+            <a:outerShdw blurRad="55000" dist="18000" dir="5400000" algn="tl" rotWithShape="0">
+              <a:srgbClr val="000000">
+                <a:alpha val="40000"/>
+              </a:srgbClr>
+            </a:outerShdw>
+          </a:effectLst>
+          <a:scene3d>
+            <a:camera prst="orthographicFront"/>
+            <a:lightRig rig="twoPt" dir="t">
+              <a:rot lat="0" lon="0" rev="7200000"/>
+            </a:lightRig>
+          </a:scene3d>
+          <a:sp3d>
+            <a:bevelT w="25400" h="19050"/>
+            <a:contourClr>
+              <a:srgbClr val="FFFFFF"/>
+            </a:contourClr>
+          </a:sp3d>
+          <a:extLst>
+            <a:ext uri="{909E8E84-426E-40DD-AFC4-6F175D3DCCD1}">
+              <a14:hiddenFill xmlns:a14="http://schemas.microsoft.com/office/drawing/2010/main">
+                <a:solidFill>
+                  <a:srgbClr val="FFFFFF"/>
+                </a:solidFill>
+              </a14:hiddenFill>
+            </a:ext>
+          </a:extLst>
+        </p:spPr>
+      </p:pic>
+    </p:spTree>
+    <p:extLst>
+      <p:ext uri="{BB962C8B-B14F-4D97-AF65-F5344CB8AC3E}">
+        <p14:creationId xmlns:p14="http://schemas.microsoft.com/office/powerpoint/2010/main" val="1042703846"/>
       </p:ext>
     </p:extLst>
   </p:cSld>
